--- a/Images/instructions.pptx
+++ b/Images/instructions.pptx
@@ -2,30 +2,35 @@
 <file path=ppt/presentation.xml><?xml version="1.0" encoding="utf-8"?>
 <p:presentation xmlns:a="http://schemas.openxmlformats.org/drawingml/2006/main" xmlns:r="http://schemas.openxmlformats.org/officeDocument/2006/relationships" xmlns:p="http://schemas.openxmlformats.org/presentationml/2006/main" saveSubsetFonts="1">
   <p:sldMasterIdLst>
-    <p:sldMasterId id="2147483648" r:id="rId1"/>
+    <p:sldMasterId id="2147483732" r:id="rId1"/>
   </p:sldMasterIdLst>
   <p:sldIdLst>
-    <p:sldId id="265" r:id="rId2"/>
-    <p:sldId id="256" r:id="rId3"/>
+    <p:sldId id="256" r:id="rId2"/>
+    <p:sldId id="272" r:id="rId3"/>
     <p:sldId id="267" r:id="rId4"/>
     <p:sldId id="258" r:id="rId5"/>
     <p:sldId id="259" r:id="rId6"/>
-    <p:sldId id="263" r:id="rId7"/>
-    <p:sldId id="260" r:id="rId8"/>
-    <p:sldId id="264" r:id="rId9"/>
-    <p:sldId id="269" r:id="rId10"/>
-    <p:sldId id="266" r:id="rId11"/>
-    <p:sldId id="270" r:id="rId12"/>
-    <p:sldId id="271" r:id="rId13"/>
-    <p:sldId id="268" r:id="rId14"/>
+    <p:sldId id="273" r:id="rId7"/>
+    <p:sldId id="263" r:id="rId8"/>
+    <p:sldId id="274" r:id="rId9"/>
+    <p:sldId id="276" r:id="rId10"/>
+    <p:sldId id="260" r:id="rId11"/>
+    <p:sldId id="264" r:id="rId12"/>
+    <p:sldId id="277" r:id="rId13"/>
+    <p:sldId id="269" r:id="rId14"/>
+    <p:sldId id="275" r:id="rId15"/>
+    <p:sldId id="266" r:id="rId16"/>
+    <p:sldId id="270" r:id="rId17"/>
+    <p:sldId id="271" r:id="rId18"/>
+    <p:sldId id="268" r:id="rId19"/>
   </p:sldIdLst>
-  <p:sldSz cx="12192000" cy="6858000"/>
+  <p:sldSz cx="11612563" cy="7772400"/>
   <p:notesSz cx="6858000" cy="9144000"/>
   <p:defaultTextStyle>
     <a:defPPr>
       <a:defRPr lang="en-US"/>
     </a:defPPr>
-    <a:lvl1pPr marL="0" algn="l" defTabSz="914400" rtl="0" eaLnBrk="1" latinLnBrk="0" hangingPunct="1">
+    <a:lvl1pPr marL="0" algn="l" defTabSz="457200" rtl="0" eaLnBrk="1" latinLnBrk="0" hangingPunct="1">
       <a:defRPr sz="1800" kern="1200">
         <a:solidFill>
           <a:schemeClr val="tx1"/>
@@ -35,7 +40,7 @@
         <a:cs typeface="+mn-cs"/>
       </a:defRPr>
     </a:lvl1pPr>
-    <a:lvl2pPr marL="457200" algn="l" defTabSz="914400" rtl="0" eaLnBrk="1" latinLnBrk="0" hangingPunct="1">
+    <a:lvl2pPr marL="457200" algn="l" defTabSz="457200" rtl="0" eaLnBrk="1" latinLnBrk="0" hangingPunct="1">
       <a:defRPr sz="1800" kern="1200">
         <a:solidFill>
           <a:schemeClr val="tx1"/>
@@ -45,7 +50,7 @@
         <a:cs typeface="+mn-cs"/>
       </a:defRPr>
     </a:lvl2pPr>
-    <a:lvl3pPr marL="914400" algn="l" defTabSz="914400" rtl="0" eaLnBrk="1" latinLnBrk="0" hangingPunct="1">
+    <a:lvl3pPr marL="914400" algn="l" defTabSz="457200" rtl="0" eaLnBrk="1" latinLnBrk="0" hangingPunct="1">
       <a:defRPr sz="1800" kern="1200">
         <a:solidFill>
           <a:schemeClr val="tx1"/>
@@ -55,7 +60,7 @@
         <a:cs typeface="+mn-cs"/>
       </a:defRPr>
     </a:lvl3pPr>
-    <a:lvl4pPr marL="1371600" algn="l" defTabSz="914400" rtl="0" eaLnBrk="1" latinLnBrk="0" hangingPunct="1">
+    <a:lvl4pPr marL="1371600" algn="l" defTabSz="457200" rtl="0" eaLnBrk="1" latinLnBrk="0" hangingPunct="1">
       <a:defRPr sz="1800" kern="1200">
         <a:solidFill>
           <a:schemeClr val="tx1"/>
@@ -65,7 +70,7 @@
         <a:cs typeface="+mn-cs"/>
       </a:defRPr>
     </a:lvl4pPr>
-    <a:lvl5pPr marL="1828800" algn="l" defTabSz="914400" rtl="0" eaLnBrk="1" latinLnBrk="0" hangingPunct="1">
+    <a:lvl5pPr marL="1828800" algn="l" defTabSz="457200" rtl="0" eaLnBrk="1" latinLnBrk="0" hangingPunct="1">
       <a:defRPr sz="1800" kern="1200">
         <a:solidFill>
           <a:schemeClr val="tx1"/>
@@ -75,7 +80,7 @@
         <a:cs typeface="+mn-cs"/>
       </a:defRPr>
     </a:lvl5pPr>
-    <a:lvl6pPr marL="2286000" algn="l" defTabSz="914400" rtl="0" eaLnBrk="1" latinLnBrk="0" hangingPunct="1">
+    <a:lvl6pPr marL="2286000" algn="l" defTabSz="457200" rtl="0" eaLnBrk="1" latinLnBrk="0" hangingPunct="1">
       <a:defRPr sz="1800" kern="1200">
         <a:solidFill>
           <a:schemeClr val="tx1"/>
@@ -85,7 +90,7 @@
         <a:cs typeface="+mn-cs"/>
       </a:defRPr>
     </a:lvl6pPr>
-    <a:lvl7pPr marL="2743200" algn="l" defTabSz="914400" rtl="0" eaLnBrk="1" latinLnBrk="0" hangingPunct="1">
+    <a:lvl7pPr marL="2743200" algn="l" defTabSz="457200" rtl="0" eaLnBrk="1" latinLnBrk="0" hangingPunct="1">
       <a:defRPr sz="1800" kern="1200">
         <a:solidFill>
           <a:schemeClr val="tx1"/>
@@ -95,7 +100,7 @@
         <a:cs typeface="+mn-cs"/>
       </a:defRPr>
     </a:lvl7pPr>
-    <a:lvl8pPr marL="3200400" algn="l" defTabSz="914400" rtl="0" eaLnBrk="1" latinLnBrk="0" hangingPunct="1">
+    <a:lvl8pPr marL="3200400" algn="l" defTabSz="457200" rtl="0" eaLnBrk="1" latinLnBrk="0" hangingPunct="1">
       <a:defRPr sz="1800" kern="1200">
         <a:solidFill>
           <a:schemeClr val="tx1"/>
@@ -105,7 +110,7 @@
         <a:cs typeface="+mn-cs"/>
       </a:defRPr>
     </a:lvl8pPr>
-    <a:lvl9pPr marL="3657600" algn="l" defTabSz="914400" rtl="0" eaLnBrk="1" latinLnBrk="0" hangingPunct="1">
+    <a:lvl9pPr marL="3657600" algn="l" defTabSz="457200" rtl="0" eaLnBrk="1" latinLnBrk="0" hangingPunct="1">
       <a:defRPr sz="1800" kern="1200">
         <a:solidFill>
           <a:schemeClr val="tx1"/>
@@ -143,13 +148,7 @@
       </p:grpSpPr>
       <p:sp>
         <p:nvSpPr>
-          <p:cNvPr id="2" name="Title 1">
-            <a:extLst>
-              <a:ext uri="{FF2B5EF4-FFF2-40B4-BE49-F238E27FC236}">
-                <a16:creationId xmlns:a16="http://schemas.microsoft.com/office/drawing/2014/main" id="{9AC4019E-57A9-4ADA-912F-91E07E89ED4B}"/>
-              </a:ext>
-            </a:extLst>
-          </p:cNvPr>
+          <p:cNvPr id="2" name="Title 1"/>
           <p:cNvSpPr>
             <a:spLocks noGrp="1"/>
           </p:cNvSpPr>
@@ -159,15 +158,15 @@
         </p:nvSpPr>
         <p:spPr>
           <a:xfrm>
-            <a:off x="1524000" y="1122363"/>
-            <a:ext cx="9144000" cy="2387600"/>
+            <a:off x="870942" y="1272011"/>
+            <a:ext cx="9870679" cy="2705947"/>
           </a:xfrm>
         </p:spPr>
         <p:txBody>
           <a:bodyPr anchor="b"/>
           <a:lstStyle>
             <a:lvl1pPr algn="ctr">
-              <a:defRPr sz="6000"/>
+              <a:defRPr sz="6800"/>
             </a:lvl1pPr>
           </a:lstStyle>
           <a:p>
@@ -175,18 +174,13 @@
               <a:rPr lang="en-US"/>
               <a:t>Click to edit Master title style</a:t>
             </a:r>
-          </a:p>
-        </p:txBody>
-      </p:sp>
-      <p:sp>
-        <p:nvSpPr>
-          <p:cNvPr id="3" name="Subtitle 2">
-            <a:extLst>
-              <a:ext uri="{FF2B5EF4-FFF2-40B4-BE49-F238E27FC236}">
-                <a16:creationId xmlns:a16="http://schemas.microsoft.com/office/drawing/2014/main" id="{73B5FBA3-0433-4E65-B43B-402DC16B1D2E}"/>
-              </a:ext>
-            </a:extLst>
-          </p:cNvPr>
+            <a:endParaRPr lang="en-US" dirty="0"/>
+          </a:p>
+        </p:txBody>
+      </p:sp>
+      <p:sp>
+        <p:nvSpPr>
+          <p:cNvPr id="3" name="Subtitle 2"/>
           <p:cNvSpPr>
             <a:spLocks noGrp="1"/>
           </p:cNvSpPr>
@@ -196,8 +190,8 @@
         </p:nvSpPr>
         <p:spPr>
           <a:xfrm>
-            <a:off x="1524000" y="3602038"/>
-            <a:ext cx="9144000" cy="1655762"/>
+            <a:off x="1451571" y="4082310"/>
+            <a:ext cx="8709422" cy="1876530"/>
           </a:xfrm>
         </p:spPr>
         <p:txBody>
@@ -205,39 +199,39 @@
           <a:lstStyle>
             <a:lvl1pPr marL="0" indent="0" algn="ctr">
               <a:buNone/>
-              <a:defRPr sz="2400"/>
+              <a:defRPr sz="2720"/>
             </a:lvl1pPr>
-            <a:lvl2pPr marL="457200" indent="0" algn="ctr">
-              <a:buNone/>
-              <a:defRPr sz="2000"/>
+            <a:lvl2pPr marL="518145" indent="0" algn="ctr">
+              <a:buNone/>
+              <a:defRPr sz="2267"/>
             </a:lvl2pPr>
-            <a:lvl3pPr marL="914400" indent="0" algn="ctr">
-              <a:buNone/>
-              <a:defRPr sz="1800"/>
+            <a:lvl3pPr marL="1036290" indent="0" algn="ctr">
+              <a:buNone/>
+              <a:defRPr sz="2040"/>
             </a:lvl3pPr>
-            <a:lvl4pPr marL="1371600" indent="0" algn="ctr">
-              <a:buNone/>
-              <a:defRPr sz="1600"/>
+            <a:lvl4pPr marL="1554434" indent="0" algn="ctr">
+              <a:buNone/>
+              <a:defRPr sz="1813"/>
             </a:lvl4pPr>
-            <a:lvl5pPr marL="1828800" indent="0" algn="ctr">
-              <a:buNone/>
-              <a:defRPr sz="1600"/>
+            <a:lvl5pPr marL="2072579" indent="0" algn="ctr">
+              <a:buNone/>
+              <a:defRPr sz="1813"/>
             </a:lvl5pPr>
-            <a:lvl6pPr marL="2286000" indent="0" algn="ctr">
-              <a:buNone/>
-              <a:defRPr sz="1600"/>
+            <a:lvl6pPr marL="2590724" indent="0" algn="ctr">
+              <a:buNone/>
+              <a:defRPr sz="1813"/>
             </a:lvl6pPr>
-            <a:lvl7pPr marL="2743200" indent="0" algn="ctr">
-              <a:buNone/>
-              <a:defRPr sz="1600"/>
+            <a:lvl7pPr marL="3108869" indent="0" algn="ctr">
+              <a:buNone/>
+              <a:defRPr sz="1813"/>
             </a:lvl7pPr>
-            <a:lvl8pPr marL="3200400" indent="0" algn="ctr">
-              <a:buNone/>
-              <a:defRPr sz="1600"/>
+            <a:lvl8pPr marL="3627013" indent="0" algn="ctr">
+              <a:buNone/>
+              <a:defRPr sz="1813"/>
             </a:lvl8pPr>
-            <a:lvl9pPr marL="3657600" indent="0" algn="ctr">
-              <a:buNone/>
-              <a:defRPr sz="1600"/>
+            <a:lvl9pPr marL="4145158" indent="0" algn="ctr">
+              <a:buNone/>
+              <a:defRPr sz="1813"/>
             </a:lvl9pPr>
           </a:lstStyle>
           <a:p>
@@ -245,18 +239,13 @@
               <a:rPr lang="en-US"/>
               <a:t>Click to edit Master subtitle style</a:t>
             </a:r>
-          </a:p>
-        </p:txBody>
-      </p:sp>
-      <p:sp>
-        <p:nvSpPr>
-          <p:cNvPr id="4" name="Date Placeholder 3">
-            <a:extLst>
-              <a:ext uri="{FF2B5EF4-FFF2-40B4-BE49-F238E27FC236}">
-                <a16:creationId xmlns:a16="http://schemas.microsoft.com/office/drawing/2014/main" id="{DF28E659-0783-4BFB-845B-32281AAF9613}"/>
-              </a:ext>
-            </a:extLst>
-          </p:cNvPr>
+            <a:endParaRPr lang="en-US" dirty="0"/>
+          </a:p>
+        </p:txBody>
+      </p:sp>
+      <p:sp>
+        <p:nvSpPr>
+          <p:cNvPr id="4" name="Date Placeholder 3"/>
           <p:cNvSpPr>
             <a:spLocks noGrp="1"/>
           </p:cNvSpPr>
@@ -271,7 +260,7 @@
           <a:p>
             <a:fld id="{AE475753-62BC-43E9-BD50-DD0D869A7B4E}" type="datetimeFigureOut">
               <a:rPr lang="en-US" smtClean="0"/>
-              <a:t>6/10/2024</a:t>
+              <a:t>6/30/2024</a:t>
             </a:fld>
             <a:endParaRPr lang="en-US"/>
           </a:p>
@@ -279,13 +268,7 @@
       </p:sp>
       <p:sp>
         <p:nvSpPr>
-          <p:cNvPr id="5" name="Footer Placeholder 4">
-            <a:extLst>
-              <a:ext uri="{FF2B5EF4-FFF2-40B4-BE49-F238E27FC236}">
-                <a16:creationId xmlns:a16="http://schemas.microsoft.com/office/drawing/2014/main" id="{8BF3E38B-6255-4D0C-8270-B2A9A1DD4FF4}"/>
-              </a:ext>
-            </a:extLst>
-          </p:cNvPr>
+          <p:cNvPr id="5" name="Footer Placeholder 4"/>
           <p:cNvSpPr>
             <a:spLocks noGrp="1"/>
           </p:cNvSpPr>
@@ -304,13 +287,7 @@
       </p:sp>
       <p:sp>
         <p:nvSpPr>
-          <p:cNvPr id="6" name="Slide Number Placeholder 5">
-            <a:extLst>
-              <a:ext uri="{FF2B5EF4-FFF2-40B4-BE49-F238E27FC236}">
-                <a16:creationId xmlns:a16="http://schemas.microsoft.com/office/drawing/2014/main" id="{B2F621A2-3750-4AD0-BA22-55EAC6438851}"/>
-              </a:ext>
-            </a:extLst>
-          </p:cNvPr>
+          <p:cNvPr id="6" name="Slide Number Placeholder 5"/>
           <p:cNvSpPr>
             <a:spLocks noGrp="1"/>
           </p:cNvSpPr>
@@ -334,7 +311,7 @@
     </p:spTree>
     <p:extLst>
       <p:ext uri="{BB962C8B-B14F-4D97-AF65-F5344CB8AC3E}">
-        <p14:creationId xmlns:p14="http://schemas.microsoft.com/office/powerpoint/2010/main" val="1754650767"/>
+        <p14:creationId xmlns:p14="http://schemas.microsoft.com/office/powerpoint/2010/main" val="3832035624"/>
       </p:ext>
     </p:extLst>
   </p:cSld>
@@ -363,13 +340,7 @@
       </p:grpSpPr>
       <p:sp>
         <p:nvSpPr>
-          <p:cNvPr id="2" name="Title 1">
-            <a:extLst>
-              <a:ext uri="{FF2B5EF4-FFF2-40B4-BE49-F238E27FC236}">
-                <a16:creationId xmlns:a16="http://schemas.microsoft.com/office/drawing/2014/main" id="{84C718CD-3E0A-473D-ADCB-9BAB109FA77F}"/>
-              </a:ext>
-            </a:extLst>
-          </p:cNvPr>
+          <p:cNvPr id="2" name="Title 1"/>
           <p:cNvSpPr>
             <a:spLocks noGrp="1"/>
           </p:cNvSpPr>
@@ -386,18 +357,13 @@
               <a:rPr lang="en-US"/>
               <a:t>Click to edit Master title style</a:t>
             </a:r>
-          </a:p>
-        </p:txBody>
-      </p:sp>
-      <p:sp>
-        <p:nvSpPr>
-          <p:cNvPr id="3" name="Vertical Text Placeholder 2">
-            <a:extLst>
-              <a:ext uri="{FF2B5EF4-FFF2-40B4-BE49-F238E27FC236}">
-                <a16:creationId xmlns:a16="http://schemas.microsoft.com/office/drawing/2014/main" id="{AD637795-1EC1-4E9C-A1BC-2FB9776FECFA}"/>
-              </a:ext>
-            </a:extLst>
-          </p:cNvPr>
+            <a:endParaRPr lang="en-US" dirty="0"/>
+          </a:p>
+        </p:txBody>
+      </p:sp>
+      <p:sp>
+        <p:nvSpPr>
+          <p:cNvPr id="3" name="Vertical Text Placeholder 2"/>
           <p:cNvSpPr>
             <a:spLocks noGrp="1"/>
           </p:cNvSpPr>
@@ -443,18 +409,13 @@
               <a:rPr lang="en-US"/>
               <a:t>Fifth level</a:t>
             </a:r>
-          </a:p>
-        </p:txBody>
-      </p:sp>
-      <p:sp>
-        <p:nvSpPr>
-          <p:cNvPr id="4" name="Date Placeholder 3">
-            <a:extLst>
-              <a:ext uri="{FF2B5EF4-FFF2-40B4-BE49-F238E27FC236}">
-                <a16:creationId xmlns:a16="http://schemas.microsoft.com/office/drawing/2014/main" id="{9BA8C67A-FD04-41C8-9F6F-928C32292E64}"/>
-              </a:ext>
-            </a:extLst>
-          </p:cNvPr>
+            <a:endParaRPr lang="en-US" dirty="0"/>
+          </a:p>
+        </p:txBody>
+      </p:sp>
+      <p:sp>
+        <p:nvSpPr>
+          <p:cNvPr id="4" name="Date Placeholder 3"/>
           <p:cNvSpPr>
             <a:spLocks noGrp="1"/>
           </p:cNvSpPr>
@@ -469,7 +430,7 @@
           <a:p>
             <a:fld id="{AE475753-62BC-43E9-BD50-DD0D869A7B4E}" type="datetimeFigureOut">
               <a:rPr lang="en-US" smtClean="0"/>
-              <a:t>6/10/2024</a:t>
+              <a:t>6/30/2024</a:t>
             </a:fld>
             <a:endParaRPr lang="en-US"/>
           </a:p>
@@ -477,13 +438,7 @@
       </p:sp>
       <p:sp>
         <p:nvSpPr>
-          <p:cNvPr id="5" name="Footer Placeholder 4">
-            <a:extLst>
-              <a:ext uri="{FF2B5EF4-FFF2-40B4-BE49-F238E27FC236}">
-                <a16:creationId xmlns:a16="http://schemas.microsoft.com/office/drawing/2014/main" id="{2BA8CA56-EF35-4ACC-BB13-054BA1720A73}"/>
-              </a:ext>
-            </a:extLst>
-          </p:cNvPr>
+          <p:cNvPr id="5" name="Footer Placeholder 4"/>
           <p:cNvSpPr>
             <a:spLocks noGrp="1"/>
           </p:cNvSpPr>
@@ -502,13 +457,7 @@
       </p:sp>
       <p:sp>
         <p:nvSpPr>
-          <p:cNvPr id="6" name="Slide Number Placeholder 5">
-            <a:extLst>
-              <a:ext uri="{FF2B5EF4-FFF2-40B4-BE49-F238E27FC236}">
-                <a16:creationId xmlns:a16="http://schemas.microsoft.com/office/drawing/2014/main" id="{D8FC4226-DD72-49C0-B163-56ED0EF4B230}"/>
-              </a:ext>
-            </a:extLst>
-          </p:cNvPr>
+          <p:cNvPr id="6" name="Slide Number Placeholder 5"/>
           <p:cNvSpPr>
             <a:spLocks noGrp="1"/>
           </p:cNvSpPr>
@@ -532,7 +481,7 @@
     </p:spTree>
     <p:extLst>
       <p:ext uri="{BB962C8B-B14F-4D97-AF65-F5344CB8AC3E}">
-        <p14:creationId xmlns:p14="http://schemas.microsoft.com/office/powerpoint/2010/main" val="4119789095"/>
+        <p14:creationId xmlns:p14="http://schemas.microsoft.com/office/powerpoint/2010/main" val="3743254657"/>
       </p:ext>
     </p:extLst>
   </p:cSld>
@@ -561,13 +510,7 @@
       </p:grpSpPr>
       <p:sp>
         <p:nvSpPr>
-          <p:cNvPr id="2" name="Vertical Title 1">
-            <a:extLst>
-              <a:ext uri="{FF2B5EF4-FFF2-40B4-BE49-F238E27FC236}">
-                <a16:creationId xmlns:a16="http://schemas.microsoft.com/office/drawing/2014/main" id="{03C02B73-D2B2-46A0-B97B-5C008C322C87}"/>
-              </a:ext>
-            </a:extLst>
-          </p:cNvPr>
+          <p:cNvPr id="2" name="Vertical Title 1"/>
           <p:cNvSpPr>
             <a:spLocks noGrp="1"/>
           </p:cNvSpPr>
@@ -577,8 +520,8 @@
         </p:nvSpPr>
         <p:spPr>
           <a:xfrm>
-            <a:off x="8724900" y="365125"/>
-            <a:ext cx="2628900" cy="5811838"/>
+            <a:off x="8310241" y="413808"/>
+            <a:ext cx="2503959" cy="6586750"/>
           </a:xfrm>
         </p:spPr>
         <p:txBody>
@@ -589,18 +532,13 @@
               <a:rPr lang="en-US"/>
               <a:t>Click to edit Master title style</a:t>
             </a:r>
-          </a:p>
-        </p:txBody>
-      </p:sp>
-      <p:sp>
-        <p:nvSpPr>
-          <p:cNvPr id="3" name="Vertical Text Placeholder 2">
-            <a:extLst>
-              <a:ext uri="{FF2B5EF4-FFF2-40B4-BE49-F238E27FC236}">
-                <a16:creationId xmlns:a16="http://schemas.microsoft.com/office/drawing/2014/main" id="{88298A86-69A6-4F2C-8B28-6482E57EB9AB}"/>
-              </a:ext>
-            </a:extLst>
-          </p:cNvPr>
+            <a:endParaRPr lang="en-US" dirty="0"/>
+          </a:p>
+        </p:txBody>
+      </p:sp>
+      <p:sp>
+        <p:nvSpPr>
+          <p:cNvPr id="3" name="Vertical Text Placeholder 2"/>
           <p:cNvSpPr>
             <a:spLocks noGrp="1"/>
           </p:cNvSpPr>
@@ -610,8 +548,8 @@
         </p:nvSpPr>
         <p:spPr>
           <a:xfrm>
-            <a:off x="838200" y="365125"/>
-            <a:ext cx="7734300" cy="5811838"/>
+            <a:off x="798364" y="413808"/>
+            <a:ext cx="7366720" cy="6586750"/>
           </a:xfrm>
         </p:spPr>
         <p:txBody>
@@ -651,18 +589,13 @@
               <a:rPr lang="en-US"/>
               <a:t>Fifth level</a:t>
             </a:r>
-          </a:p>
-        </p:txBody>
-      </p:sp>
-      <p:sp>
-        <p:nvSpPr>
-          <p:cNvPr id="4" name="Date Placeholder 3">
-            <a:extLst>
-              <a:ext uri="{FF2B5EF4-FFF2-40B4-BE49-F238E27FC236}">
-                <a16:creationId xmlns:a16="http://schemas.microsoft.com/office/drawing/2014/main" id="{C00D6D0E-4E15-4E61-AED0-DE266B61960B}"/>
-              </a:ext>
-            </a:extLst>
-          </p:cNvPr>
+            <a:endParaRPr lang="en-US" dirty="0"/>
+          </a:p>
+        </p:txBody>
+      </p:sp>
+      <p:sp>
+        <p:nvSpPr>
+          <p:cNvPr id="4" name="Date Placeholder 3"/>
           <p:cNvSpPr>
             <a:spLocks noGrp="1"/>
           </p:cNvSpPr>
@@ -677,7 +610,7 @@
           <a:p>
             <a:fld id="{AE475753-62BC-43E9-BD50-DD0D869A7B4E}" type="datetimeFigureOut">
               <a:rPr lang="en-US" smtClean="0"/>
-              <a:t>6/10/2024</a:t>
+              <a:t>6/30/2024</a:t>
             </a:fld>
             <a:endParaRPr lang="en-US"/>
           </a:p>
@@ -685,13 +618,7 @@
       </p:sp>
       <p:sp>
         <p:nvSpPr>
-          <p:cNvPr id="5" name="Footer Placeholder 4">
-            <a:extLst>
-              <a:ext uri="{FF2B5EF4-FFF2-40B4-BE49-F238E27FC236}">
-                <a16:creationId xmlns:a16="http://schemas.microsoft.com/office/drawing/2014/main" id="{967E330E-84CA-4216-8117-D6B59F671865}"/>
-              </a:ext>
-            </a:extLst>
-          </p:cNvPr>
+          <p:cNvPr id="5" name="Footer Placeholder 4"/>
           <p:cNvSpPr>
             <a:spLocks noGrp="1"/>
           </p:cNvSpPr>
@@ -710,13 +637,7 @@
       </p:sp>
       <p:sp>
         <p:nvSpPr>
-          <p:cNvPr id="6" name="Slide Number Placeholder 5">
-            <a:extLst>
-              <a:ext uri="{FF2B5EF4-FFF2-40B4-BE49-F238E27FC236}">
-                <a16:creationId xmlns:a16="http://schemas.microsoft.com/office/drawing/2014/main" id="{1D1139E0-8735-46D9-9A2D-AC655C684D48}"/>
-              </a:ext>
-            </a:extLst>
-          </p:cNvPr>
+          <p:cNvPr id="6" name="Slide Number Placeholder 5"/>
           <p:cNvSpPr>
             <a:spLocks noGrp="1"/>
           </p:cNvSpPr>
@@ -740,7 +661,7 @@
     </p:spTree>
     <p:extLst>
       <p:ext uri="{BB962C8B-B14F-4D97-AF65-F5344CB8AC3E}">
-        <p14:creationId xmlns:p14="http://schemas.microsoft.com/office/powerpoint/2010/main" val="3497724615"/>
+        <p14:creationId xmlns:p14="http://schemas.microsoft.com/office/powerpoint/2010/main" val="4167483212"/>
       </p:ext>
     </p:extLst>
   </p:cSld>
@@ -769,13 +690,7 @@
       </p:grpSpPr>
       <p:sp>
         <p:nvSpPr>
-          <p:cNvPr id="2" name="Title 1">
-            <a:extLst>
-              <a:ext uri="{FF2B5EF4-FFF2-40B4-BE49-F238E27FC236}">
-                <a16:creationId xmlns:a16="http://schemas.microsoft.com/office/drawing/2014/main" id="{A0AA3029-764C-424E-A36B-902ECBCA12D6}"/>
-              </a:ext>
-            </a:extLst>
-          </p:cNvPr>
+          <p:cNvPr id="2" name="Title 1"/>
           <p:cNvSpPr>
             <a:spLocks noGrp="1"/>
           </p:cNvSpPr>
@@ -792,18 +707,13 @@
               <a:rPr lang="en-US"/>
               <a:t>Click to edit Master title style</a:t>
             </a:r>
-          </a:p>
-        </p:txBody>
-      </p:sp>
-      <p:sp>
-        <p:nvSpPr>
-          <p:cNvPr id="3" name="Content Placeholder 2">
-            <a:extLst>
-              <a:ext uri="{FF2B5EF4-FFF2-40B4-BE49-F238E27FC236}">
-                <a16:creationId xmlns:a16="http://schemas.microsoft.com/office/drawing/2014/main" id="{3999D47A-E0A8-4534-BCC7-903419E5FFA4}"/>
-              </a:ext>
-            </a:extLst>
-          </p:cNvPr>
+            <a:endParaRPr lang="en-US" dirty="0"/>
+          </a:p>
+        </p:txBody>
+      </p:sp>
+      <p:sp>
+        <p:nvSpPr>
+          <p:cNvPr id="3" name="Content Placeholder 2"/>
           <p:cNvSpPr>
             <a:spLocks noGrp="1"/>
           </p:cNvSpPr>
@@ -849,18 +759,13 @@
               <a:rPr lang="en-US"/>
               <a:t>Fifth level</a:t>
             </a:r>
-          </a:p>
-        </p:txBody>
-      </p:sp>
-      <p:sp>
-        <p:nvSpPr>
-          <p:cNvPr id="4" name="Date Placeholder 3">
-            <a:extLst>
-              <a:ext uri="{FF2B5EF4-FFF2-40B4-BE49-F238E27FC236}">
-                <a16:creationId xmlns:a16="http://schemas.microsoft.com/office/drawing/2014/main" id="{F8E4DA6D-992E-4DDD-ACBD-49F33C319104}"/>
-              </a:ext>
-            </a:extLst>
-          </p:cNvPr>
+            <a:endParaRPr lang="en-US" dirty="0"/>
+          </a:p>
+        </p:txBody>
+      </p:sp>
+      <p:sp>
+        <p:nvSpPr>
+          <p:cNvPr id="4" name="Date Placeholder 3"/>
           <p:cNvSpPr>
             <a:spLocks noGrp="1"/>
           </p:cNvSpPr>
@@ -875,7 +780,7 @@
           <a:p>
             <a:fld id="{AE475753-62BC-43E9-BD50-DD0D869A7B4E}" type="datetimeFigureOut">
               <a:rPr lang="en-US" smtClean="0"/>
-              <a:t>6/10/2024</a:t>
+              <a:t>6/30/2024</a:t>
             </a:fld>
             <a:endParaRPr lang="en-US"/>
           </a:p>
@@ -883,13 +788,7 @@
       </p:sp>
       <p:sp>
         <p:nvSpPr>
-          <p:cNvPr id="5" name="Footer Placeholder 4">
-            <a:extLst>
-              <a:ext uri="{FF2B5EF4-FFF2-40B4-BE49-F238E27FC236}">
-                <a16:creationId xmlns:a16="http://schemas.microsoft.com/office/drawing/2014/main" id="{1218A39A-E87A-4AB9-AA25-42CB507BF9AD}"/>
-              </a:ext>
-            </a:extLst>
-          </p:cNvPr>
+          <p:cNvPr id="5" name="Footer Placeholder 4"/>
           <p:cNvSpPr>
             <a:spLocks noGrp="1"/>
           </p:cNvSpPr>
@@ -908,13 +807,7 @@
       </p:sp>
       <p:sp>
         <p:nvSpPr>
-          <p:cNvPr id="6" name="Slide Number Placeholder 5">
-            <a:extLst>
-              <a:ext uri="{FF2B5EF4-FFF2-40B4-BE49-F238E27FC236}">
-                <a16:creationId xmlns:a16="http://schemas.microsoft.com/office/drawing/2014/main" id="{48BF586D-D499-438D-ABF3-0813D6D3CC71}"/>
-              </a:ext>
-            </a:extLst>
-          </p:cNvPr>
+          <p:cNvPr id="6" name="Slide Number Placeholder 5"/>
           <p:cNvSpPr>
             <a:spLocks noGrp="1"/>
           </p:cNvSpPr>
@@ -938,7 +831,7 @@
     </p:spTree>
     <p:extLst>
       <p:ext uri="{BB962C8B-B14F-4D97-AF65-F5344CB8AC3E}">
-        <p14:creationId xmlns:p14="http://schemas.microsoft.com/office/powerpoint/2010/main" val="1033009257"/>
+        <p14:creationId xmlns:p14="http://schemas.microsoft.com/office/powerpoint/2010/main" val="3782997584"/>
       </p:ext>
     </p:extLst>
   </p:cSld>
@@ -967,13 +860,7 @@
       </p:grpSpPr>
       <p:sp>
         <p:nvSpPr>
-          <p:cNvPr id="2" name="Title 1">
-            <a:extLst>
-              <a:ext uri="{FF2B5EF4-FFF2-40B4-BE49-F238E27FC236}">
-                <a16:creationId xmlns:a16="http://schemas.microsoft.com/office/drawing/2014/main" id="{014CAEBA-5DC7-4B2C-A7CA-811235FC33F3}"/>
-              </a:ext>
-            </a:extLst>
-          </p:cNvPr>
+          <p:cNvPr id="2" name="Title 1"/>
           <p:cNvSpPr>
             <a:spLocks noGrp="1"/>
           </p:cNvSpPr>
@@ -983,15 +870,15 @@
         </p:nvSpPr>
         <p:spPr>
           <a:xfrm>
-            <a:off x="831850" y="1709738"/>
-            <a:ext cx="10515600" cy="2852737"/>
+            <a:off x="792316" y="1937705"/>
+            <a:ext cx="10015836" cy="3233102"/>
           </a:xfrm>
         </p:spPr>
         <p:txBody>
           <a:bodyPr anchor="b"/>
           <a:lstStyle>
             <a:lvl1pPr>
-              <a:defRPr sz="6000"/>
+              <a:defRPr sz="6800"/>
             </a:lvl1pPr>
           </a:lstStyle>
           <a:p>
@@ -999,18 +886,13 @@
               <a:rPr lang="en-US"/>
               <a:t>Click to edit Master title style</a:t>
             </a:r>
-          </a:p>
-        </p:txBody>
-      </p:sp>
-      <p:sp>
-        <p:nvSpPr>
-          <p:cNvPr id="3" name="Text Placeholder 2">
-            <a:extLst>
-              <a:ext uri="{FF2B5EF4-FFF2-40B4-BE49-F238E27FC236}">
-                <a16:creationId xmlns:a16="http://schemas.microsoft.com/office/drawing/2014/main" id="{EC5AA9F0-DD10-4887-8054-0E5EA4D8B0A1}"/>
-              </a:ext>
-            </a:extLst>
-          </p:cNvPr>
+            <a:endParaRPr lang="en-US" dirty="0"/>
+          </a:p>
+        </p:txBody>
+      </p:sp>
+      <p:sp>
+        <p:nvSpPr>
+          <p:cNvPr id="3" name="Text Placeholder 2"/>
           <p:cNvSpPr>
             <a:spLocks noGrp="1"/>
           </p:cNvSpPr>
@@ -1020,8 +902,8 @@
         </p:nvSpPr>
         <p:spPr>
           <a:xfrm>
-            <a:off x="831850" y="4589463"/>
-            <a:ext cx="10515600" cy="1500187"/>
+            <a:off x="792316" y="5201393"/>
+            <a:ext cx="10015836" cy="1700212"/>
           </a:xfrm>
         </p:spPr>
         <p:txBody>
@@ -1029,17 +911,15 @@
           <a:lstStyle>
             <a:lvl1pPr marL="0" indent="0">
               <a:buNone/>
-              <a:defRPr sz="2400">
+              <a:defRPr sz="2720">
                 <a:solidFill>
-                  <a:schemeClr val="tx1">
-                    <a:tint val="75000"/>
-                  </a:schemeClr>
+                  <a:schemeClr val="tx1"/>
                 </a:solidFill>
               </a:defRPr>
             </a:lvl1pPr>
-            <a:lvl2pPr marL="457200" indent="0">
-              <a:buNone/>
-              <a:defRPr sz="2000">
+            <a:lvl2pPr marL="518145" indent="0">
+              <a:buNone/>
+              <a:defRPr sz="2267">
                 <a:solidFill>
                   <a:schemeClr val="tx1">
                     <a:tint val="75000"/>
@@ -1047,9 +927,9 @@
                 </a:solidFill>
               </a:defRPr>
             </a:lvl2pPr>
-            <a:lvl3pPr marL="914400" indent="0">
-              <a:buNone/>
-              <a:defRPr sz="1800">
+            <a:lvl3pPr marL="1036290" indent="0">
+              <a:buNone/>
+              <a:defRPr sz="2040">
                 <a:solidFill>
                   <a:schemeClr val="tx1">
                     <a:tint val="75000"/>
@@ -1057,9 +937,9 @@
                 </a:solidFill>
               </a:defRPr>
             </a:lvl3pPr>
-            <a:lvl4pPr marL="1371600" indent="0">
-              <a:buNone/>
-              <a:defRPr sz="1600">
+            <a:lvl4pPr marL="1554434" indent="0">
+              <a:buNone/>
+              <a:defRPr sz="1813">
                 <a:solidFill>
                   <a:schemeClr val="tx1">
                     <a:tint val="75000"/>
@@ -1067,9 +947,9 @@
                 </a:solidFill>
               </a:defRPr>
             </a:lvl4pPr>
-            <a:lvl5pPr marL="1828800" indent="0">
-              <a:buNone/>
-              <a:defRPr sz="1600">
+            <a:lvl5pPr marL="2072579" indent="0">
+              <a:buNone/>
+              <a:defRPr sz="1813">
                 <a:solidFill>
                   <a:schemeClr val="tx1">
                     <a:tint val="75000"/>
@@ -1077,9 +957,9 @@
                 </a:solidFill>
               </a:defRPr>
             </a:lvl5pPr>
-            <a:lvl6pPr marL="2286000" indent="0">
-              <a:buNone/>
-              <a:defRPr sz="1600">
+            <a:lvl6pPr marL="2590724" indent="0">
+              <a:buNone/>
+              <a:defRPr sz="1813">
                 <a:solidFill>
                   <a:schemeClr val="tx1">
                     <a:tint val="75000"/>
@@ -1087,9 +967,9 @@
                 </a:solidFill>
               </a:defRPr>
             </a:lvl6pPr>
-            <a:lvl7pPr marL="2743200" indent="0">
-              <a:buNone/>
-              <a:defRPr sz="1600">
+            <a:lvl7pPr marL="3108869" indent="0">
+              <a:buNone/>
+              <a:defRPr sz="1813">
                 <a:solidFill>
                   <a:schemeClr val="tx1">
                     <a:tint val="75000"/>
@@ -1097,9 +977,9 @@
                 </a:solidFill>
               </a:defRPr>
             </a:lvl7pPr>
-            <a:lvl8pPr marL="3200400" indent="0">
-              <a:buNone/>
-              <a:defRPr sz="1600">
+            <a:lvl8pPr marL="3627013" indent="0">
+              <a:buNone/>
+              <a:defRPr sz="1813">
                 <a:solidFill>
                   <a:schemeClr val="tx1">
                     <a:tint val="75000"/>
@@ -1107,9 +987,9 @@
                 </a:solidFill>
               </a:defRPr>
             </a:lvl8pPr>
-            <a:lvl9pPr marL="3657600" indent="0">
-              <a:buNone/>
-              <a:defRPr sz="1600">
+            <a:lvl9pPr marL="4145158" indent="0">
+              <a:buNone/>
+              <a:defRPr sz="1813">
                 <a:solidFill>
                   <a:schemeClr val="tx1">
                     <a:tint val="75000"/>
@@ -1129,13 +1009,7 @@
       </p:sp>
       <p:sp>
         <p:nvSpPr>
-          <p:cNvPr id="4" name="Date Placeholder 3">
-            <a:extLst>
-              <a:ext uri="{FF2B5EF4-FFF2-40B4-BE49-F238E27FC236}">
-                <a16:creationId xmlns:a16="http://schemas.microsoft.com/office/drawing/2014/main" id="{77958D89-9E59-4739-B5CD-8B7F43254236}"/>
-              </a:ext>
-            </a:extLst>
-          </p:cNvPr>
+          <p:cNvPr id="4" name="Date Placeholder 3"/>
           <p:cNvSpPr>
             <a:spLocks noGrp="1"/>
           </p:cNvSpPr>
@@ -1150,7 +1024,7 @@
           <a:p>
             <a:fld id="{AE475753-62BC-43E9-BD50-DD0D869A7B4E}" type="datetimeFigureOut">
               <a:rPr lang="en-US" smtClean="0"/>
-              <a:t>6/10/2024</a:t>
+              <a:t>6/30/2024</a:t>
             </a:fld>
             <a:endParaRPr lang="en-US"/>
           </a:p>
@@ -1158,13 +1032,7 @@
       </p:sp>
       <p:sp>
         <p:nvSpPr>
-          <p:cNvPr id="5" name="Footer Placeholder 4">
-            <a:extLst>
-              <a:ext uri="{FF2B5EF4-FFF2-40B4-BE49-F238E27FC236}">
-                <a16:creationId xmlns:a16="http://schemas.microsoft.com/office/drawing/2014/main" id="{286F7CCE-0075-4D05-BCB2-AFDD147A5D33}"/>
-              </a:ext>
-            </a:extLst>
-          </p:cNvPr>
+          <p:cNvPr id="5" name="Footer Placeholder 4"/>
           <p:cNvSpPr>
             <a:spLocks noGrp="1"/>
           </p:cNvSpPr>
@@ -1183,13 +1051,7 @@
       </p:sp>
       <p:sp>
         <p:nvSpPr>
-          <p:cNvPr id="6" name="Slide Number Placeholder 5">
-            <a:extLst>
-              <a:ext uri="{FF2B5EF4-FFF2-40B4-BE49-F238E27FC236}">
-                <a16:creationId xmlns:a16="http://schemas.microsoft.com/office/drawing/2014/main" id="{B3ACBFB1-A2AA-40AD-BEFD-4C773AB49133}"/>
-              </a:ext>
-            </a:extLst>
-          </p:cNvPr>
+          <p:cNvPr id="6" name="Slide Number Placeholder 5"/>
           <p:cNvSpPr>
             <a:spLocks noGrp="1"/>
           </p:cNvSpPr>
@@ -1213,7 +1075,7 @@
     </p:spTree>
     <p:extLst>
       <p:ext uri="{BB962C8B-B14F-4D97-AF65-F5344CB8AC3E}">
-        <p14:creationId xmlns:p14="http://schemas.microsoft.com/office/powerpoint/2010/main" val="2649207938"/>
+        <p14:creationId xmlns:p14="http://schemas.microsoft.com/office/powerpoint/2010/main" val="295689176"/>
       </p:ext>
     </p:extLst>
   </p:cSld>
@@ -1242,13 +1104,7 @@
       </p:grpSpPr>
       <p:sp>
         <p:nvSpPr>
-          <p:cNvPr id="2" name="Title 1">
-            <a:extLst>
-              <a:ext uri="{FF2B5EF4-FFF2-40B4-BE49-F238E27FC236}">
-                <a16:creationId xmlns:a16="http://schemas.microsoft.com/office/drawing/2014/main" id="{C7B91378-3A0A-46EC-AC3E-79448F80330B}"/>
-              </a:ext>
-            </a:extLst>
-          </p:cNvPr>
+          <p:cNvPr id="2" name="Title 1"/>
           <p:cNvSpPr>
             <a:spLocks noGrp="1"/>
           </p:cNvSpPr>
@@ -1265,18 +1121,13 @@
               <a:rPr lang="en-US"/>
               <a:t>Click to edit Master title style</a:t>
             </a:r>
-          </a:p>
-        </p:txBody>
-      </p:sp>
-      <p:sp>
-        <p:nvSpPr>
-          <p:cNvPr id="3" name="Content Placeholder 2">
-            <a:extLst>
-              <a:ext uri="{FF2B5EF4-FFF2-40B4-BE49-F238E27FC236}">
-                <a16:creationId xmlns:a16="http://schemas.microsoft.com/office/drawing/2014/main" id="{1AE9D408-2844-457E-AD12-E956B63051C1}"/>
-              </a:ext>
-            </a:extLst>
-          </p:cNvPr>
+            <a:endParaRPr lang="en-US" dirty="0"/>
+          </a:p>
+        </p:txBody>
+      </p:sp>
+      <p:sp>
+        <p:nvSpPr>
+          <p:cNvPr id="3" name="Content Placeholder 2"/>
           <p:cNvSpPr>
             <a:spLocks noGrp="1"/>
           </p:cNvSpPr>
@@ -1286,8 +1137,8 @@
         </p:nvSpPr>
         <p:spPr>
           <a:xfrm>
-            <a:off x="838200" y="1825625"/>
-            <a:ext cx="5181600" cy="4351338"/>
+            <a:off x="798364" y="2069042"/>
+            <a:ext cx="4935339" cy="4931516"/>
           </a:xfrm>
         </p:spPr>
         <p:txBody>
@@ -1327,18 +1178,13 @@
               <a:rPr lang="en-US"/>
               <a:t>Fifth level</a:t>
             </a:r>
-          </a:p>
-        </p:txBody>
-      </p:sp>
-      <p:sp>
-        <p:nvSpPr>
-          <p:cNvPr id="4" name="Content Placeholder 3">
-            <a:extLst>
-              <a:ext uri="{FF2B5EF4-FFF2-40B4-BE49-F238E27FC236}">
-                <a16:creationId xmlns:a16="http://schemas.microsoft.com/office/drawing/2014/main" id="{92D81CBE-FBA3-482E-BB8C-58033268EEA2}"/>
-              </a:ext>
-            </a:extLst>
-          </p:cNvPr>
+            <a:endParaRPr lang="en-US" dirty="0"/>
+          </a:p>
+        </p:txBody>
+      </p:sp>
+      <p:sp>
+        <p:nvSpPr>
+          <p:cNvPr id="4" name="Content Placeholder 3"/>
           <p:cNvSpPr>
             <a:spLocks noGrp="1"/>
           </p:cNvSpPr>
@@ -1348,8 +1194,8 @@
         </p:nvSpPr>
         <p:spPr>
           <a:xfrm>
-            <a:off x="6172200" y="1825625"/>
-            <a:ext cx="5181600" cy="4351338"/>
+            <a:off x="5878860" y="2069042"/>
+            <a:ext cx="4935339" cy="4931516"/>
           </a:xfrm>
         </p:spPr>
         <p:txBody>
@@ -1389,18 +1235,13 @@
               <a:rPr lang="en-US"/>
               <a:t>Fifth level</a:t>
             </a:r>
-          </a:p>
-        </p:txBody>
-      </p:sp>
-      <p:sp>
-        <p:nvSpPr>
-          <p:cNvPr id="5" name="Date Placeholder 4">
-            <a:extLst>
-              <a:ext uri="{FF2B5EF4-FFF2-40B4-BE49-F238E27FC236}">
-                <a16:creationId xmlns:a16="http://schemas.microsoft.com/office/drawing/2014/main" id="{67AE0F10-9630-443A-B795-C130C59ED948}"/>
-              </a:ext>
-            </a:extLst>
-          </p:cNvPr>
+            <a:endParaRPr lang="en-US" dirty="0"/>
+          </a:p>
+        </p:txBody>
+      </p:sp>
+      <p:sp>
+        <p:nvSpPr>
+          <p:cNvPr id="5" name="Date Placeholder 4"/>
           <p:cNvSpPr>
             <a:spLocks noGrp="1"/>
           </p:cNvSpPr>
@@ -1415,7 +1256,7 @@
           <a:p>
             <a:fld id="{AE475753-62BC-43E9-BD50-DD0D869A7B4E}" type="datetimeFigureOut">
               <a:rPr lang="en-US" smtClean="0"/>
-              <a:t>6/10/2024</a:t>
+              <a:t>6/30/2024</a:t>
             </a:fld>
             <a:endParaRPr lang="en-US"/>
           </a:p>
@@ -1423,13 +1264,7 @@
       </p:sp>
       <p:sp>
         <p:nvSpPr>
-          <p:cNvPr id="6" name="Footer Placeholder 5">
-            <a:extLst>
-              <a:ext uri="{FF2B5EF4-FFF2-40B4-BE49-F238E27FC236}">
-                <a16:creationId xmlns:a16="http://schemas.microsoft.com/office/drawing/2014/main" id="{C54EC7C2-95F5-4717-B64E-429E1366A8A7}"/>
-              </a:ext>
-            </a:extLst>
-          </p:cNvPr>
+          <p:cNvPr id="6" name="Footer Placeholder 5"/>
           <p:cNvSpPr>
             <a:spLocks noGrp="1"/>
           </p:cNvSpPr>
@@ -1448,13 +1283,7 @@
       </p:sp>
       <p:sp>
         <p:nvSpPr>
-          <p:cNvPr id="7" name="Slide Number Placeholder 6">
-            <a:extLst>
-              <a:ext uri="{FF2B5EF4-FFF2-40B4-BE49-F238E27FC236}">
-                <a16:creationId xmlns:a16="http://schemas.microsoft.com/office/drawing/2014/main" id="{A6B6E735-9B43-4706-B10C-7415D53F7846}"/>
-              </a:ext>
-            </a:extLst>
-          </p:cNvPr>
+          <p:cNvPr id="7" name="Slide Number Placeholder 6"/>
           <p:cNvSpPr>
             <a:spLocks noGrp="1"/>
           </p:cNvSpPr>
@@ -1478,7 +1307,7 @@
     </p:spTree>
     <p:extLst>
       <p:ext uri="{BB962C8B-B14F-4D97-AF65-F5344CB8AC3E}">
-        <p14:creationId xmlns:p14="http://schemas.microsoft.com/office/powerpoint/2010/main" val="813490748"/>
+        <p14:creationId xmlns:p14="http://schemas.microsoft.com/office/powerpoint/2010/main" val="3747914679"/>
       </p:ext>
     </p:extLst>
   </p:cSld>
@@ -1507,13 +1336,7 @@
       </p:grpSpPr>
       <p:sp>
         <p:nvSpPr>
-          <p:cNvPr id="2" name="Title 1">
-            <a:extLst>
-              <a:ext uri="{FF2B5EF4-FFF2-40B4-BE49-F238E27FC236}">
-                <a16:creationId xmlns:a16="http://schemas.microsoft.com/office/drawing/2014/main" id="{5BC55918-9869-4449-B080-9B69650A055F}"/>
-              </a:ext>
-            </a:extLst>
-          </p:cNvPr>
+          <p:cNvPr id="2" name="Title 1"/>
           <p:cNvSpPr>
             <a:spLocks noGrp="1"/>
           </p:cNvSpPr>
@@ -1523,8 +1346,8 @@
         </p:nvSpPr>
         <p:spPr>
           <a:xfrm>
-            <a:off x="839788" y="365125"/>
-            <a:ext cx="10515600" cy="1325563"/>
+            <a:off x="799876" y="413810"/>
+            <a:ext cx="10015836" cy="1502305"/>
           </a:xfrm>
         </p:spPr>
         <p:txBody>
@@ -1535,18 +1358,13 @@
               <a:rPr lang="en-US"/>
               <a:t>Click to edit Master title style</a:t>
             </a:r>
-          </a:p>
-        </p:txBody>
-      </p:sp>
-      <p:sp>
-        <p:nvSpPr>
-          <p:cNvPr id="3" name="Text Placeholder 2">
-            <a:extLst>
-              <a:ext uri="{FF2B5EF4-FFF2-40B4-BE49-F238E27FC236}">
-                <a16:creationId xmlns:a16="http://schemas.microsoft.com/office/drawing/2014/main" id="{67D1A571-DA13-433F-A0E4-50A5AC0DFCBA}"/>
-              </a:ext>
-            </a:extLst>
-          </p:cNvPr>
+            <a:endParaRPr lang="en-US" dirty="0"/>
+          </a:p>
+        </p:txBody>
+      </p:sp>
+      <p:sp>
+        <p:nvSpPr>
+          <p:cNvPr id="3" name="Text Placeholder 2"/>
           <p:cNvSpPr>
             <a:spLocks noGrp="1"/>
           </p:cNvSpPr>
@@ -1556,8 +1374,8 @@
         </p:nvSpPr>
         <p:spPr>
           <a:xfrm>
-            <a:off x="839788" y="1681163"/>
-            <a:ext cx="5157787" cy="823912"/>
+            <a:off x="799877" y="1905318"/>
+            <a:ext cx="4912658" cy="933767"/>
           </a:xfrm>
         </p:spPr>
         <p:txBody>
@@ -1565,39 +1383,39 @@
           <a:lstStyle>
             <a:lvl1pPr marL="0" indent="0">
               <a:buNone/>
-              <a:defRPr sz="2400" b="1"/>
+              <a:defRPr sz="2720" b="1"/>
             </a:lvl1pPr>
-            <a:lvl2pPr marL="457200" indent="0">
-              <a:buNone/>
-              <a:defRPr sz="2000" b="1"/>
+            <a:lvl2pPr marL="518145" indent="0">
+              <a:buNone/>
+              <a:defRPr sz="2267" b="1"/>
             </a:lvl2pPr>
-            <a:lvl3pPr marL="914400" indent="0">
-              <a:buNone/>
-              <a:defRPr sz="1800" b="1"/>
+            <a:lvl3pPr marL="1036290" indent="0">
+              <a:buNone/>
+              <a:defRPr sz="2040" b="1"/>
             </a:lvl3pPr>
-            <a:lvl4pPr marL="1371600" indent="0">
-              <a:buNone/>
-              <a:defRPr sz="1600" b="1"/>
+            <a:lvl4pPr marL="1554434" indent="0">
+              <a:buNone/>
+              <a:defRPr sz="1813" b="1"/>
             </a:lvl4pPr>
-            <a:lvl5pPr marL="1828800" indent="0">
-              <a:buNone/>
-              <a:defRPr sz="1600" b="1"/>
+            <a:lvl5pPr marL="2072579" indent="0">
+              <a:buNone/>
+              <a:defRPr sz="1813" b="1"/>
             </a:lvl5pPr>
-            <a:lvl6pPr marL="2286000" indent="0">
-              <a:buNone/>
-              <a:defRPr sz="1600" b="1"/>
+            <a:lvl6pPr marL="2590724" indent="0">
+              <a:buNone/>
+              <a:defRPr sz="1813" b="1"/>
             </a:lvl6pPr>
-            <a:lvl7pPr marL="2743200" indent="0">
-              <a:buNone/>
-              <a:defRPr sz="1600" b="1"/>
+            <a:lvl7pPr marL="3108869" indent="0">
+              <a:buNone/>
+              <a:defRPr sz="1813" b="1"/>
             </a:lvl7pPr>
-            <a:lvl8pPr marL="3200400" indent="0">
-              <a:buNone/>
-              <a:defRPr sz="1600" b="1"/>
+            <a:lvl8pPr marL="3627013" indent="0">
+              <a:buNone/>
+              <a:defRPr sz="1813" b="1"/>
             </a:lvl8pPr>
-            <a:lvl9pPr marL="3657600" indent="0">
-              <a:buNone/>
-              <a:defRPr sz="1600" b="1"/>
+            <a:lvl9pPr marL="4145158" indent="0">
+              <a:buNone/>
+              <a:defRPr sz="1813" b="1"/>
             </a:lvl9pPr>
           </a:lstStyle>
           <a:p>
@@ -1611,13 +1429,7 @@
       </p:sp>
       <p:sp>
         <p:nvSpPr>
-          <p:cNvPr id="4" name="Content Placeholder 3">
-            <a:extLst>
-              <a:ext uri="{FF2B5EF4-FFF2-40B4-BE49-F238E27FC236}">
-                <a16:creationId xmlns:a16="http://schemas.microsoft.com/office/drawing/2014/main" id="{126A0924-86C6-4796-8232-94F8BCB8BD32}"/>
-              </a:ext>
-            </a:extLst>
-          </p:cNvPr>
+          <p:cNvPr id="4" name="Content Placeholder 3"/>
           <p:cNvSpPr>
             <a:spLocks noGrp="1"/>
           </p:cNvSpPr>
@@ -1627,8 +1439,8 @@
         </p:nvSpPr>
         <p:spPr>
           <a:xfrm>
-            <a:off x="839788" y="2505075"/>
-            <a:ext cx="5157787" cy="3684588"/>
+            <a:off x="799877" y="2839085"/>
+            <a:ext cx="4912658" cy="4175866"/>
           </a:xfrm>
         </p:spPr>
         <p:txBody>
@@ -1668,18 +1480,13 @@
               <a:rPr lang="en-US"/>
               <a:t>Fifth level</a:t>
             </a:r>
-          </a:p>
-        </p:txBody>
-      </p:sp>
-      <p:sp>
-        <p:nvSpPr>
-          <p:cNvPr id="5" name="Text Placeholder 4">
-            <a:extLst>
-              <a:ext uri="{FF2B5EF4-FFF2-40B4-BE49-F238E27FC236}">
-                <a16:creationId xmlns:a16="http://schemas.microsoft.com/office/drawing/2014/main" id="{F07C9152-66B8-4A71-9A1A-61B9F5A62F4A}"/>
-              </a:ext>
-            </a:extLst>
-          </p:cNvPr>
+            <a:endParaRPr lang="en-US" dirty="0"/>
+          </a:p>
+        </p:txBody>
+      </p:sp>
+      <p:sp>
+        <p:nvSpPr>
+          <p:cNvPr id="5" name="Text Placeholder 4"/>
           <p:cNvSpPr>
             <a:spLocks noGrp="1"/>
           </p:cNvSpPr>
@@ -1689,8 +1496,8 @@
         </p:nvSpPr>
         <p:spPr>
           <a:xfrm>
-            <a:off x="6172200" y="1681163"/>
-            <a:ext cx="5183188" cy="823912"/>
+            <a:off x="5878861" y="1905318"/>
+            <a:ext cx="4936852" cy="933767"/>
           </a:xfrm>
         </p:spPr>
         <p:txBody>
@@ -1698,39 +1505,39 @@
           <a:lstStyle>
             <a:lvl1pPr marL="0" indent="0">
               <a:buNone/>
-              <a:defRPr sz="2400" b="1"/>
+              <a:defRPr sz="2720" b="1"/>
             </a:lvl1pPr>
-            <a:lvl2pPr marL="457200" indent="0">
-              <a:buNone/>
-              <a:defRPr sz="2000" b="1"/>
+            <a:lvl2pPr marL="518145" indent="0">
+              <a:buNone/>
+              <a:defRPr sz="2267" b="1"/>
             </a:lvl2pPr>
-            <a:lvl3pPr marL="914400" indent="0">
-              <a:buNone/>
-              <a:defRPr sz="1800" b="1"/>
+            <a:lvl3pPr marL="1036290" indent="0">
+              <a:buNone/>
+              <a:defRPr sz="2040" b="1"/>
             </a:lvl3pPr>
-            <a:lvl4pPr marL="1371600" indent="0">
-              <a:buNone/>
-              <a:defRPr sz="1600" b="1"/>
+            <a:lvl4pPr marL="1554434" indent="0">
+              <a:buNone/>
+              <a:defRPr sz="1813" b="1"/>
             </a:lvl4pPr>
-            <a:lvl5pPr marL="1828800" indent="0">
-              <a:buNone/>
-              <a:defRPr sz="1600" b="1"/>
+            <a:lvl5pPr marL="2072579" indent="0">
+              <a:buNone/>
+              <a:defRPr sz="1813" b="1"/>
             </a:lvl5pPr>
-            <a:lvl6pPr marL="2286000" indent="0">
-              <a:buNone/>
-              <a:defRPr sz="1600" b="1"/>
+            <a:lvl6pPr marL="2590724" indent="0">
+              <a:buNone/>
+              <a:defRPr sz="1813" b="1"/>
             </a:lvl6pPr>
-            <a:lvl7pPr marL="2743200" indent="0">
-              <a:buNone/>
-              <a:defRPr sz="1600" b="1"/>
+            <a:lvl7pPr marL="3108869" indent="0">
+              <a:buNone/>
+              <a:defRPr sz="1813" b="1"/>
             </a:lvl7pPr>
-            <a:lvl8pPr marL="3200400" indent="0">
-              <a:buNone/>
-              <a:defRPr sz="1600" b="1"/>
+            <a:lvl8pPr marL="3627013" indent="0">
+              <a:buNone/>
+              <a:defRPr sz="1813" b="1"/>
             </a:lvl8pPr>
-            <a:lvl9pPr marL="3657600" indent="0">
-              <a:buNone/>
-              <a:defRPr sz="1600" b="1"/>
+            <a:lvl9pPr marL="4145158" indent="0">
+              <a:buNone/>
+              <a:defRPr sz="1813" b="1"/>
             </a:lvl9pPr>
           </a:lstStyle>
           <a:p>
@@ -1744,13 +1551,7 @@
       </p:sp>
       <p:sp>
         <p:nvSpPr>
-          <p:cNvPr id="6" name="Content Placeholder 5">
-            <a:extLst>
-              <a:ext uri="{FF2B5EF4-FFF2-40B4-BE49-F238E27FC236}">
-                <a16:creationId xmlns:a16="http://schemas.microsoft.com/office/drawing/2014/main" id="{504476D9-B38C-4F33-9084-5220458C41AD}"/>
-              </a:ext>
-            </a:extLst>
-          </p:cNvPr>
+          <p:cNvPr id="6" name="Content Placeholder 5"/>
           <p:cNvSpPr>
             <a:spLocks noGrp="1"/>
           </p:cNvSpPr>
@@ -1760,8 +1561,8 @@
         </p:nvSpPr>
         <p:spPr>
           <a:xfrm>
-            <a:off x="6172200" y="2505075"/>
-            <a:ext cx="5183188" cy="3684588"/>
+            <a:off x="5878861" y="2839085"/>
+            <a:ext cx="4936852" cy="4175866"/>
           </a:xfrm>
         </p:spPr>
         <p:txBody>
@@ -1801,18 +1602,13 @@
               <a:rPr lang="en-US"/>
               <a:t>Fifth level</a:t>
             </a:r>
-          </a:p>
-        </p:txBody>
-      </p:sp>
-      <p:sp>
-        <p:nvSpPr>
-          <p:cNvPr id="7" name="Date Placeholder 6">
-            <a:extLst>
-              <a:ext uri="{FF2B5EF4-FFF2-40B4-BE49-F238E27FC236}">
-                <a16:creationId xmlns:a16="http://schemas.microsoft.com/office/drawing/2014/main" id="{872FE575-329A-4945-9F13-CF892290A8F7}"/>
-              </a:ext>
-            </a:extLst>
-          </p:cNvPr>
+            <a:endParaRPr lang="en-US" dirty="0"/>
+          </a:p>
+        </p:txBody>
+      </p:sp>
+      <p:sp>
+        <p:nvSpPr>
+          <p:cNvPr id="7" name="Date Placeholder 6"/>
           <p:cNvSpPr>
             <a:spLocks noGrp="1"/>
           </p:cNvSpPr>
@@ -1827,7 +1623,7 @@
           <a:p>
             <a:fld id="{AE475753-62BC-43E9-BD50-DD0D869A7B4E}" type="datetimeFigureOut">
               <a:rPr lang="en-US" smtClean="0"/>
-              <a:t>6/10/2024</a:t>
+              <a:t>6/30/2024</a:t>
             </a:fld>
             <a:endParaRPr lang="en-US"/>
           </a:p>
@@ -1835,13 +1631,7 @@
       </p:sp>
       <p:sp>
         <p:nvSpPr>
-          <p:cNvPr id="8" name="Footer Placeholder 7">
-            <a:extLst>
-              <a:ext uri="{FF2B5EF4-FFF2-40B4-BE49-F238E27FC236}">
-                <a16:creationId xmlns:a16="http://schemas.microsoft.com/office/drawing/2014/main" id="{85A7AB36-B5DD-45C0-8B41-AEE3F3998EA6}"/>
-              </a:ext>
-            </a:extLst>
-          </p:cNvPr>
+          <p:cNvPr id="8" name="Footer Placeholder 7"/>
           <p:cNvSpPr>
             <a:spLocks noGrp="1"/>
           </p:cNvSpPr>
@@ -1860,13 +1650,7 @@
       </p:sp>
       <p:sp>
         <p:nvSpPr>
-          <p:cNvPr id="9" name="Slide Number Placeholder 8">
-            <a:extLst>
-              <a:ext uri="{FF2B5EF4-FFF2-40B4-BE49-F238E27FC236}">
-                <a16:creationId xmlns:a16="http://schemas.microsoft.com/office/drawing/2014/main" id="{9E4B4A46-B7A5-4B22-8CDC-DDA5429EC73A}"/>
-              </a:ext>
-            </a:extLst>
-          </p:cNvPr>
+          <p:cNvPr id="9" name="Slide Number Placeholder 8"/>
           <p:cNvSpPr>
             <a:spLocks noGrp="1"/>
           </p:cNvSpPr>
@@ -1890,7 +1674,7 @@
     </p:spTree>
     <p:extLst>
       <p:ext uri="{BB962C8B-B14F-4D97-AF65-F5344CB8AC3E}">
-        <p14:creationId xmlns:p14="http://schemas.microsoft.com/office/powerpoint/2010/main" val="2898015681"/>
+        <p14:creationId xmlns:p14="http://schemas.microsoft.com/office/powerpoint/2010/main" val="2665632513"/>
       </p:ext>
     </p:extLst>
   </p:cSld>
@@ -1919,13 +1703,7 @@
       </p:grpSpPr>
       <p:sp>
         <p:nvSpPr>
-          <p:cNvPr id="2" name="Title 1">
-            <a:extLst>
-              <a:ext uri="{FF2B5EF4-FFF2-40B4-BE49-F238E27FC236}">
-                <a16:creationId xmlns:a16="http://schemas.microsoft.com/office/drawing/2014/main" id="{924D06BF-EFD0-4067-AF0D-80E792251B54}"/>
-              </a:ext>
-            </a:extLst>
-          </p:cNvPr>
+          <p:cNvPr id="2" name="Title 1"/>
           <p:cNvSpPr>
             <a:spLocks noGrp="1"/>
           </p:cNvSpPr>
@@ -1942,18 +1720,13 @@
               <a:rPr lang="en-US"/>
               <a:t>Click to edit Master title style</a:t>
             </a:r>
-          </a:p>
-        </p:txBody>
-      </p:sp>
-      <p:sp>
-        <p:nvSpPr>
-          <p:cNvPr id="3" name="Date Placeholder 2">
-            <a:extLst>
-              <a:ext uri="{FF2B5EF4-FFF2-40B4-BE49-F238E27FC236}">
-                <a16:creationId xmlns:a16="http://schemas.microsoft.com/office/drawing/2014/main" id="{1AA352C5-47D8-4CDC-92E5-C77C259A19C3}"/>
-              </a:ext>
-            </a:extLst>
-          </p:cNvPr>
+            <a:endParaRPr lang="en-US" dirty="0"/>
+          </a:p>
+        </p:txBody>
+      </p:sp>
+      <p:sp>
+        <p:nvSpPr>
+          <p:cNvPr id="3" name="Date Placeholder 2"/>
           <p:cNvSpPr>
             <a:spLocks noGrp="1"/>
           </p:cNvSpPr>
@@ -1968,7 +1741,7 @@
           <a:p>
             <a:fld id="{AE475753-62BC-43E9-BD50-DD0D869A7B4E}" type="datetimeFigureOut">
               <a:rPr lang="en-US" smtClean="0"/>
-              <a:t>6/10/2024</a:t>
+              <a:t>6/30/2024</a:t>
             </a:fld>
             <a:endParaRPr lang="en-US"/>
           </a:p>
@@ -1976,13 +1749,7 @@
       </p:sp>
       <p:sp>
         <p:nvSpPr>
-          <p:cNvPr id="4" name="Footer Placeholder 3">
-            <a:extLst>
-              <a:ext uri="{FF2B5EF4-FFF2-40B4-BE49-F238E27FC236}">
-                <a16:creationId xmlns:a16="http://schemas.microsoft.com/office/drawing/2014/main" id="{9545C29E-8B9C-45A6-938E-235D045CFD10}"/>
-              </a:ext>
-            </a:extLst>
-          </p:cNvPr>
+          <p:cNvPr id="4" name="Footer Placeholder 3"/>
           <p:cNvSpPr>
             <a:spLocks noGrp="1"/>
           </p:cNvSpPr>
@@ -2001,13 +1768,7 @@
       </p:sp>
       <p:sp>
         <p:nvSpPr>
-          <p:cNvPr id="5" name="Slide Number Placeholder 4">
-            <a:extLst>
-              <a:ext uri="{FF2B5EF4-FFF2-40B4-BE49-F238E27FC236}">
-                <a16:creationId xmlns:a16="http://schemas.microsoft.com/office/drawing/2014/main" id="{9530574E-38E5-4F9D-BCF0-B4891B228500}"/>
-              </a:ext>
-            </a:extLst>
-          </p:cNvPr>
+          <p:cNvPr id="5" name="Slide Number Placeholder 4"/>
           <p:cNvSpPr>
             <a:spLocks noGrp="1"/>
           </p:cNvSpPr>
@@ -2031,7 +1792,7 @@
     </p:spTree>
     <p:extLst>
       <p:ext uri="{BB962C8B-B14F-4D97-AF65-F5344CB8AC3E}">
-        <p14:creationId xmlns:p14="http://schemas.microsoft.com/office/powerpoint/2010/main" val="2227948697"/>
+        <p14:creationId xmlns:p14="http://schemas.microsoft.com/office/powerpoint/2010/main" val="1907583612"/>
       </p:ext>
     </p:extLst>
   </p:cSld>
@@ -2060,13 +1821,7 @@
       </p:grpSpPr>
       <p:sp>
         <p:nvSpPr>
-          <p:cNvPr id="2" name="Date Placeholder 1">
-            <a:extLst>
-              <a:ext uri="{FF2B5EF4-FFF2-40B4-BE49-F238E27FC236}">
-                <a16:creationId xmlns:a16="http://schemas.microsoft.com/office/drawing/2014/main" id="{056A2214-8D5D-4539-8856-6ED61CAF1186}"/>
-              </a:ext>
-            </a:extLst>
-          </p:cNvPr>
+          <p:cNvPr id="2" name="Date Placeholder 1"/>
           <p:cNvSpPr>
             <a:spLocks noGrp="1"/>
           </p:cNvSpPr>
@@ -2081,7 +1836,7 @@
           <a:p>
             <a:fld id="{AE475753-62BC-43E9-BD50-DD0D869A7B4E}" type="datetimeFigureOut">
               <a:rPr lang="en-US" smtClean="0"/>
-              <a:t>6/10/2024</a:t>
+              <a:t>6/30/2024</a:t>
             </a:fld>
             <a:endParaRPr lang="en-US"/>
           </a:p>
@@ -2089,13 +1844,7 @@
       </p:sp>
       <p:sp>
         <p:nvSpPr>
-          <p:cNvPr id="3" name="Footer Placeholder 2">
-            <a:extLst>
-              <a:ext uri="{FF2B5EF4-FFF2-40B4-BE49-F238E27FC236}">
-                <a16:creationId xmlns:a16="http://schemas.microsoft.com/office/drawing/2014/main" id="{F0CBEFEE-E51D-492A-92DC-5243A8C0B38A}"/>
-              </a:ext>
-            </a:extLst>
-          </p:cNvPr>
+          <p:cNvPr id="3" name="Footer Placeholder 2"/>
           <p:cNvSpPr>
             <a:spLocks noGrp="1"/>
           </p:cNvSpPr>
@@ -2114,13 +1863,7 @@
       </p:sp>
       <p:sp>
         <p:nvSpPr>
-          <p:cNvPr id="4" name="Slide Number Placeholder 3">
-            <a:extLst>
-              <a:ext uri="{FF2B5EF4-FFF2-40B4-BE49-F238E27FC236}">
-                <a16:creationId xmlns:a16="http://schemas.microsoft.com/office/drawing/2014/main" id="{7A1E4C8E-BBC2-45EB-8488-CCA4337AF183}"/>
-              </a:ext>
-            </a:extLst>
-          </p:cNvPr>
+          <p:cNvPr id="4" name="Slide Number Placeholder 3"/>
           <p:cNvSpPr>
             <a:spLocks noGrp="1"/>
           </p:cNvSpPr>
@@ -2144,7 +1887,7 @@
     </p:spTree>
     <p:extLst>
       <p:ext uri="{BB962C8B-B14F-4D97-AF65-F5344CB8AC3E}">
-        <p14:creationId xmlns:p14="http://schemas.microsoft.com/office/powerpoint/2010/main" val="1584982458"/>
+        <p14:creationId xmlns:p14="http://schemas.microsoft.com/office/powerpoint/2010/main" val="4063428825"/>
       </p:ext>
     </p:extLst>
   </p:cSld>
@@ -2173,13 +1916,7 @@
       </p:grpSpPr>
       <p:sp>
         <p:nvSpPr>
-          <p:cNvPr id="2" name="Title 1">
-            <a:extLst>
-              <a:ext uri="{FF2B5EF4-FFF2-40B4-BE49-F238E27FC236}">
-                <a16:creationId xmlns:a16="http://schemas.microsoft.com/office/drawing/2014/main" id="{2EEEA545-9004-4044-83A2-C8D65FB8689C}"/>
-              </a:ext>
-            </a:extLst>
-          </p:cNvPr>
+          <p:cNvPr id="2" name="Title 1"/>
           <p:cNvSpPr>
             <a:spLocks noGrp="1"/>
           </p:cNvSpPr>
@@ -2189,15 +1926,15 @@
         </p:nvSpPr>
         <p:spPr>
           <a:xfrm>
-            <a:off x="839788" y="457200"/>
-            <a:ext cx="3932237" cy="1600200"/>
+            <a:off x="799876" y="518160"/>
+            <a:ext cx="3745354" cy="1813560"/>
           </a:xfrm>
         </p:spPr>
         <p:txBody>
           <a:bodyPr anchor="b"/>
           <a:lstStyle>
             <a:lvl1pPr>
-              <a:defRPr sz="3200"/>
+              <a:defRPr sz="3627"/>
             </a:lvl1pPr>
           </a:lstStyle>
           <a:p>
@@ -2205,18 +1942,13 @@
               <a:rPr lang="en-US"/>
               <a:t>Click to edit Master title style</a:t>
             </a:r>
-          </a:p>
-        </p:txBody>
-      </p:sp>
-      <p:sp>
-        <p:nvSpPr>
-          <p:cNvPr id="3" name="Content Placeholder 2">
-            <a:extLst>
-              <a:ext uri="{FF2B5EF4-FFF2-40B4-BE49-F238E27FC236}">
-                <a16:creationId xmlns:a16="http://schemas.microsoft.com/office/drawing/2014/main" id="{33B615E3-0411-4603-ABFE-6B8B2D06B7C2}"/>
-              </a:ext>
-            </a:extLst>
-          </p:cNvPr>
+            <a:endParaRPr lang="en-US" dirty="0"/>
+          </a:p>
+        </p:txBody>
+      </p:sp>
+      <p:sp>
+        <p:nvSpPr>
+          <p:cNvPr id="3" name="Content Placeholder 2"/>
           <p:cNvSpPr>
             <a:spLocks noGrp="1"/>
           </p:cNvSpPr>
@@ -2226,39 +1958,39 @@
         </p:nvSpPr>
         <p:spPr>
           <a:xfrm>
-            <a:off x="5183188" y="987425"/>
-            <a:ext cx="6172200" cy="4873625"/>
+            <a:off x="4936852" y="1119083"/>
+            <a:ext cx="5878860" cy="5523442"/>
           </a:xfrm>
         </p:spPr>
         <p:txBody>
           <a:bodyPr/>
           <a:lstStyle>
             <a:lvl1pPr>
-              <a:defRPr sz="3200"/>
+              <a:defRPr sz="3627"/>
             </a:lvl1pPr>
             <a:lvl2pPr>
-              <a:defRPr sz="2800"/>
+              <a:defRPr sz="3173"/>
             </a:lvl2pPr>
             <a:lvl3pPr>
-              <a:defRPr sz="2400"/>
+              <a:defRPr sz="2720"/>
             </a:lvl3pPr>
             <a:lvl4pPr>
-              <a:defRPr sz="2000"/>
+              <a:defRPr sz="2267"/>
             </a:lvl4pPr>
             <a:lvl5pPr>
-              <a:defRPr sz="2000"/>
+              <a:defRPr sz="2267"/>
             </a:lvl5pPr>
             <a:lvl6pPr>
-              <a:defRPr sz="2000"/>
+              <a:defRPr sz="2267"/>
             </a:lvl6pPr>
             <a:lvl7pPr>
-              <a:defRPr sz="2000"/>
+              <a:defRPr sz="2267"/>
             </a:lvl7pPr>
             <a:lvl8pPr>
-              <a:defRPr sz="2000"/>
+              <a:defRPr sz="2267"/>
             </a:lvl8pPr>
             <a:lvl9pPr>
-              <a:defRPr sz="2000"/>
+              <a:defRPr sz="2267"/>
             </a:lvl9pPr>
           </a:lstStyle>
           <a:p>
@@ -2295,18 +2027,13 @@
               <a:rPr lang="en-US"/>
               <a:t>Fifth level</a:t>
             </a:r>
-          </a:p>
-        </p:txBody>
-      </p:sp>
-      <p:sp>
-        <p:nvSpPr>
-          <p:cNvPr id="4" name="Text Placeholder 3">
-            <a:extLst>
-              <a:ext uri="{FF2B5EF4-FFF2-40B4-BE49-F238E27FC236}">
-                <a16:creationId xmlns:a16="http://schemas.microsoft.com/office/drawing/2014/main" id="{9F3586DB-D5AF-4344-971D-228DF5932875}"/>
-              </a:ext>
-            </a:extLst>
-          </p:cNvPr>
+            <a:endParaRPr lang="en-US" dirty="0"/>
+          </a:p>
+        </p:txBody>
+      </p:sp>
+      <p:sp>
+        <p:nvSpPr>
+          <p:cNvPr id="4" name="Text Placeholder 3"/>
           <p:cNvSpPr>
             <a:spLocks noGrp="1"/>
           </p:cNvSpPr>
@@ -2316,8 +2043,8 @@
         </p:nvSpPr>
         <p:spPr>
           <a:xfrm>
-            <a:off x="839788" y="2057400"/>
-            <a:ext cx="3932237" cy="3811588"/>
+            <a:off x="799876" y="2331720"/>
+            <a:ext cx="3745354" cy="4319800"/>
           </a:xfrm>
         </p:spPr>
         <p:txBody>
@@ -2325,39 +2052,39 @@
           <a:lstStyle>
             <a:lvl1pPr marL="0" indent="0">
               <a:buNone/>
-              <a:defRPr sz="1600"/>
+              <a:defRPr sz="1813"/>
             </a:lvl1pPr>
-            <a:lvl2pPr marL="457200" indent="0">
-              <a:buNone/>
-              <a:defRPr sz="1400"/>
+            <a:lvl2pPr marL="518145" indent="0">
+              <a:buNone/>
+              <a:defRPr sz="1587"/>
             </a:lvl2pPr>
-            <a:lvl3pPr marL="914400" indent="0">
-              <a:buNone/>
-              <a:defRPr sz="1200"/>
+            <a:lvl3pPr marL="1036290" indent="0">
+              <a:buNone/>
+              <a:defRPr sz="1360"/>
             </a:lvl3pPr>
-            <a:lvl4pPr marL="1371600" indent="0">
-              <a:buNone/>
-              <a:defRPr sz="1000"/>
+            <a:lvl4pPr marL="1554434" indent="0">
+              <a:buNone/>
+              <a:defRPr sz="1133"/>
             </a:lvl4pPr>
-            <a:lvl5pPr marL="1828800" indent="0">
-              <a:buNone/>
-              <a:defRPr sz="1000"/>
+            <a:lvl5pPr marL="2072579" indent="0">
+              <a:buNone/>
+              <a:defRPr sz="1133"/>
             </a:lvl5pPr>
-            <a:lvl6pPr marL="2286000" indent="0">
-              <a:buNone/>
-              <a:defRPr sz="1000"/>
+            <a:lvl6pPr marL="2590724" indent="0">
+              <a:buNone/>
+              <a:defRPr sz="1133"/>
             </a:lvl6pPr>
-            <a:lvl7pPr marL="2743200" indent="0">
-              <a:buNone/>
-              <a:defRPr sz="1000"/>
+            <a:lvl7pPr marL="3108869" indent="0">
+              <a:buNone/>
+              <a:defRPr sz="1133"/>
             </a:lvl7pPr>
-            <a:lvl8pPr marL="3200400" indent="0">
-              <a:buNone/>
-              <a:defRPr sz="1000"/>
+            <a:lvl8pPr marL="3627013" indent="0">
+              <a:buNone/>
+              <a:defRPr sz="1133"/>
             </a:lvl8pPr>
-            <a:lvl9pPr marL="3657600" indent="0">
-              <a:buNone/>
-              <a:defRPr sz="1000"/>
+            <a:lvl9pPr marL="4145158" indent="0">
+              <a:buNone/>
+              <a:defRPr sz="1133"/>
             </a:lvl9pPr>
           </a:lstStyle>
           <a:p>
@@ -2371,13 +2098,7 @@
       </p:sp>
       <p:sp>
         <p:nvSpPr>
-          <p:cNvPr id="5" name="Date Placeholder 4">
-            <a:extLst>
-              <a:ext uri="{FF2B5EF4-FFF2-40B4-BE49-F238E27FC236}">
-                <a16:creationId xmlns:a16="http://schemas.microsoft.com/office/drawing/2014/main" id="{E8C422E3-C2E3-4AD3-8E7D-0B76B73358DA}"/>
-              </a:ext>
-            </a:extLst>
-          </p:cNvPr>
+          <p:cNvPr id="5" name="Date Placeholder 4"/>
           <p:cNvSpPr>
             <a:spLocks noGrp="1"/>
           </p:cNvSpPr>
@@ -2392,7 +2113,7 @@
           <a:p>
             <a:fld id="{AE475753-62BC-43E9-BD50-DD0D869A7B4E}" type="datetimeFigureOut">
               <a:rPr lang="en-US" smtClean="0"/>
-              <a:t>6/10/2024</a:t>
+              <a:t>6/30/2024</a:t>
             </a:fld>
             <a:endParaRPr lang="en-US"/>
           </a:p>
@@ -2400,13 +2121,7 @@
       </p:sp>
       <p:sp>
         <p:nvSpPr>
-          <p:cNvPr id="6" name="Footer Placeholder 5">
-            <a:extLst>
-              <a:ext uri="{FF2B5EF4-FFF2-40B4-BE49-F238E27FC236}">
-                <a16:creationId xmlns:a16="http://schemas.microsoft.com/office/drawing/2014/main" id="{167E94DD-03CB-4FEB-876E-04126E9A62D8}"/>
-              </a:ext>
-            </a:extLst>
-          </p:cNvPr>
+          <p:cNvPr id="6" name="Footer Placeholder 5"/>
           <p:cNvSpPr>
             <a:spLocks noGrp="1"/>
           </p:cNvSpPr>
@@ -2425,13 +2140,7 @@
       </p:sp>
       <p:sp>
         <p:nvSpPr>
-          <p:cNvPr id="7" name="Slide Number Placeholder 6">
-            <a:extLst>
-              <a:ext uri="{FF2B5EF4-FFF2-40B4-BE49-F238E27FC236}">
-                <a16:creationId xmlns:a16="http://schemas.microsoft.com/office/drawing/2014/main" id="{08FC9312-A858-4B04-A344-2EA9725842A6}"/>
-              </a:ext>
-            </a:extLst>
-          </p:cNvPr>
+          <p:cNvPr id="7" name="Slide Number Placeholder 6"/>
           <p:cNvSpPr>
             <a:spLocks noGrp="1"/>
           </p:cNvSpPr>
@@ -2455,7 +2164,7 @@
     </p:spTree>
     <p:extLst>
       <p:ext uri="{BB962C8B-B14F-4D97-AF65-F5344CB8AC3E}">
-        <p14:creationId xmlns:p14="http://schemas.microsoft.com/office/powerpoint/2010/main" val="716976058"/>
+        <p14:creationId xmlns:p14="http://schemas.microsoft.com/office/powerpoint/2010/main" val="2612798973"/>
       </p:ext>
     </p:extLst>
   </p:cSld>
@@ -2484,13 +2193,7 @@
       </p:grpSpPr>
       <p:sp>
         <p:nvSpPr>
-          <p:cNvPr id="2" name="Title 1">
-            <a:extLst>
-              <a:ext uri="{FF2B5EF4-FFF2-40B4-BE49-F238E27FC236}">
-                <a16:creationId xmlns:a16="http://schemas.microsoft.com/office/drawing/2014/main" id="{11064D28-7C71-4E4B-AED8-5CAA074BE322}"/>
-              </a:ext>
-            </a:extLst>
-          </p:cNvPr>
+          <p:cNvPr id="2" name="Title 1"/>
           <p:cNvSpPr>
             <a:spLocks noGrp="1"/>
           </p:cNvSpPr>
@@ -2500,15 +2203,15 @@
         </p:nvSpPr>
         <p:spPr>
           <a:xfrm>
-            <a:off x="839788" y="457200"/>
-            <a:ext cx="3932237" cy="1600200"/>
+            <a:off x="799876" y="518160"/>
+            <a:ext cx="3745354" cy="1813560"/>
           </a:xfrm>
         </p:spPr>
         <p:txBody>
           <a:bodyPr anchor="b"/>
           <a:lstStyle>
             <a:lvl1pPr>
-              <a:defRPr sz="3200"/>
+              <a:defRPr sz="3627"/>
             </a:lvl1pPr>
           </a:lstStyle>
           <a:p>
@@ -2516,20 +2219,15 @@
               <a:rPr lang="en-US"/>
               <a:t>Click to edit Master title style</a:t>
             </a:r>
-          </a:p>
-        </p:txBody>
-      </p:sp>
-      <p:sp>
-        <p:nvSpPr>
-          <p:cNvPr id="3" name="Picture Placeholder 2">
-            <a:extLst>
-              <a:ext uri="{FF2B5EF4-FFF2-40B4-BE49-F238E27FC236}">
-                <a16:creationId xmlns:a16="http://schemas.microsoft.com/office/drawing/2014/main" id="{AD427ACD-8711-47F0-8A6E-C0C07955DED4}"/>
-              </a:ext>
-            </a:extLst>
-          </p:cNvPr>
-          <p:cNvSpPr>
-            <a:spLocks noGrp="1"/>
+            <a:endParaRPr lang="en-US" dirty="0"/>
+          </a:p>
+        </p:txBody>
+      </p:sp>
+      <p:sp>
+        <p:nvSpPr>
+          <p:cNvPr id="3" name="Picture Placeholder 2"/>
+          <p:cNvSpPr>
+            <a:spLocks noGrp="1" noChangeAspect="1"/>
           </p:cNvSpPr>
           <p:nvPr>
             <p:ph type="pic" idx="1"/>
@@ -2537,8 +2235,73 @@
         </p:nvSpPr>
         <p:spPr>
           <a:xfrm>
-            <a:off x="5183188" y="987425"/>
-            <a:ext cx="6172200" cy="4873625"/>
+            <a:off x="4936852" y="1119083"/>
+            <a:ext cx="5878860" cy="5523442"/>
+          </a:xfrm>
+        </p:spPr>
+        <p:txBody>
+          <a:bodyPr anchor="t"/>
+          <a:lstStyle>
+            <a:lvl1pPr marL="0" indent="0">
+              <a:buNone/>
+              <a:defRPr sz="3627"/>
+            </a:lvl1pPr>
+            <a:lvl2pPr marL="518145" indent="0">
+              <a:buNone/>
+              <a:defRPr sz="3173"/>
+            </a:lvl2pPr>
+            <a:lvl3pPr marL="1036290" indent="0">
+              <a:buNone/>
+              <a:defRPr sz="2720"/>
+            </a:lvl3pPr>
+            <a:lvl4pPr marL="1554434" indent="0">
+              <a:buNone/>
+              <a:defRPr sz="2267"/>
+            </a:lvl4pPr>
+            <a:lvl5pPr marL="2072579" indent="0">
+              <a:buNone/>
+              <a:defRPr sz="2267"/>
+            </a:lvl5pPr>
+            <a:lvl6pPr marL="2590724" indent="0">
+              <a:buNone/>
+              <a:defRPr sz="2267"/>
+            </a:lvl6pPr>
+            <a:lvl7pPr marL="3108869" indent="0">
+              <a:buNone/>
+              <a:defRPr sz="2267"/>
+            </a:lvl7pPr>
+            <a:lvl8pPr marL="3627013" indent="0">
+              <a:buNone/>
+              <a:defRPr sz="2267"/>
+            </a:lvl8pPr>
+            <a:lvl9pPr marL="4145158" indent="0">
+              <a:buNone/>
+              <a:defRPr sz="2267"/>
+            </a:lvl9pPr>
+          </a:lstStyle>
+          <a:p>
+            <a:r>
+              <a:rPr lang="en-US"/>
+              <a:t>Click icon to add picture</a:t>
+            </a:r>
+            <a:endParaRPr lang="en-US" dirty="0"/>
+          </a:p>
+        </p:txBody>
+      </p:sp>
+      <p:sp>
+        <p:nvSpPr>
+          <p:cNvPr id="4" name="Text Placeholder 3"/>
+          <p:cNvSpPr>
+            <a:spLocks noGrp="1"/>
+          </p:cNvSpPr>
+          <p:nvPr>
+            <p:ph type="body" sz="half" idx="2"/>
+          </p:nvPr>
+        </p:nvSpPr>
+        <p:spPr>
+          <a:xfrm>
+            <a:off x="799876" y="2331720"/>
+            <a:ext cx="3745354" cy="4319800"/>
           </a:xfrm>
         </p:spPr>
         <p:txBody>
@@ -2546,109 +2309,42 @@
           <a:lstStyle>
             <a:lvl1pPr marL="0" indent="0">
               <a:buNone/>
-              <a:defRPr sz="3200"/>
+              <a:defRPr sz="1813"/>
             </a:lvl1pPr>
-            <a:lvl2pPr marL="457200" indent="0">
-              <a:buNone/>
-              <a:defRPr sz="2800"/>
+            <a:lvl2pPr marL="518145" indent="0">
+              <a:buNone/>
+              <a:defRPr sz="1587"/>
             </a:lvl2pPr>
-            <a:lvl3pPr marL="914400" indent="0">
-              <a:buNone/>
-              <a:defRPr sz="2400"/>
+            <a:lvl3pPr marL="1036290" indent="0">
+              <a:buNone/>
+              <a:defRPr sz="1360"/>
             </a:lvl3pPr>
-            <a:lvl4pPr marL="1371600" indent="0">
-              <a:buNone/>
-              <a:defRPr sz="2000"/>
+            <a:lvl4pPr marL="1554434" indent="0">
+              <a:buNone/>
+              <a:defRPr sz="1133"/>
             </a:lvl4pPr>
-            <a:lvl5pPr marL="1828800" indent="0">
-              <a:buNone/>
-              <a:defRPr sz="2000"/>
+            <a:lvl5pPr marL="2072579" indent="0">
+              <a:buNone/>
+              <a:defRPr sz="1133"/>
             </a:lvl5pPr>
-            <a:lvl6pPr marL="2286000" indent="0">
-              <a:buNone/>
-              <a:defRPr sz="2000"/>
+            <a:lvl6pPr marL="2590724" indent="0">
+              <a:buNone/>
+              <a:defRPr sz="1133"/>
             </a:lvl6pPr>
-            <a:lvl7pPr marL="2743200" indent="0">
-              <a:buNone/>
-              <a:defRPr sz="2000"/>
+            <a:lvl7pPr marL="3108869" indent="0">
+              <a:buNone/>
+              <a:defRPr sz="1133"/>
             </a:lvl7pPr>
-            <a:lvl8pPr marL="3200400" indent="0">
-              <a:buNone/>
-              <a:defRPr sz="2000"/>
+            <a:lvl8pPr marL="3627013" indent="0">
+              <a:buNone/>
+              <a:defRPr sz="1133"/>
             </a:lvl8pPr>
-            <a:lvl9pPr marL="3657600" indent="0">
-              <a:buNone/>
-              <a:defRPr sz="2000"/>
+            <a:lvl9pPr marL="4145158" indent="0">
+              <a:buNone/>
+              <a:defRPr sz="1133"/>
             </a:lvl9pPr>
           </a:lstStyle>
           <a:p>
-            <a:endParaRPr lang="en-US"/>
-          </a:p>
-        </p:txBody>
-      </p:sp>
-      <p:sp>
-        <p:nvSpPr>
-          <p:cNvPr id="4" name="Text Placeholder 3">
-            <a:extLst>
-              <a:ext uri="{FF2B5EF4-FFF2-40B4-BE49-F238E27FC236}">
-                <a16:creationId xmlns:a16="http://schemas.microsoft.com/office/drawing/2014/main" id="{CC08ACA8-6D43-4281-B9C8-566CD1D2F257}"/>
-              </a:ext>
-            </a:extLst>
-          </p:cNvPr>
-          <p:cNvSpPr>
-            <a:spLocks noGrp="1"/>
-          </p:cNvSpPr>
-          <p:nvPr>
-            <p:ph type="body" sz="half" idx="2"/>
-          </p:nvPr>
-        </p:nvSpPr>
-        <p:spPr>
-          <a:xfrm>
-            <a:off x="839788" y="2057400"/>
-            <a:ext cx="3932237" cy="3811588"/>
-          </a:xfrm>
-        </p:spPr>
-        <p:txBody>
-          <a:bodyPr/>
-          <a:lstStyle>
-            <a:lvl1pPr marL="0" indent="0">
-              <a:buNone/>
-              <a:defRPr sz="1600"/>
-            </a:lvl1pPr>
-            <a:lvl2pPr marL="457200" indent="0">
-              <a:buNone/>
-              <a:defRPr sz="1400"/>
-            </a:lvl2pPr>
-            <a:lvl3pPr marL="914400" indent="0">
-              <a:buNone/>
-              <a:defRPr sz="1200"/>
-            </a:lvl3pPr>
-            <a:lvl4pPr marL="1371600" indent="0">
-              <a:buNone/>
-              <a:defRPr sz="1000"/>
-            </a:lvl4pPr>
-            <a:lvl5pPr marL="1828800" indent="0">
-              <a:buNone/>
-              <a:defRPr sz="1000"/>
-            </a:lvl5pPr>
-            <a:lvl6pPr marL="2286000" indent="0">
-              <a:buNone/>
-              <a:defRPr sz="1000"/>
-            </a:lvl6pPr>
-            <a:lvl7pPr marL="2743200" indent="0">
-              <a:buNone/>
-              <a:defRPr sz="1000"/>
-            </a:lvl7pPr>
-            <a:lvl8pPr marL="3200400" indent="0">
-              <a:buNone/>
-              <a:defRPr sz="1000"/>
-            </a:lvl8pPr>
-            <a:lvl9pPr marL="3657600" indent="0">
-              <a:buNone/>
-              <a:defRPr sz="1000"/>
-            </a:lvl9pPr>
-          </a:lstStyle>
-          <a:p>
             <a:pPr lvl="0"/>
             <a:r>
               <a:rPr lang="en-US"/>
@@ -2659,13 +2355,7 @@
       </p:sp>
       <p:sp>
         <p:nvSpPr>
-          <p:cNvPr id="5" name="Date Placeholder 4">
-            <a:extLst>
-              <a:ext uri="{FF2B5EF4-FFF2-40B4-BE49-F238E27FC236}">
-                <a16:creationId xmlns:a16="http://schemas.microsoft.com/office/drawing/2014/main" id="{C7C3E563-9474-4D1A-B068-D5AB1F25476A}"/>
-              </a:ext>
-            </a:extLst>
-          </p:cNvPr>
+          <p:cNvPr id="5" name="Date Placeholder 4"/>
           <p:cNvSpPr>
             <a:spLocks noGrp="1"/>
           </p:cNvSpPr>
@@ -2680,7 +2370,7 @@
           <a:p>
             <a:fld id="{AE475753-62BC-43E9-BD50-DD0D869A7B4E}" type="datetimeFigureOut">
               <a:rPr lang="en-US" smtClean="0"/>
-              <a:t>6/10/2024</a:t>
+              <a:t>6/30/2024</a:t>
             </a:fld>
             <a:endParaRPr lang="en-US"/>
           </a:p>
@@ -2688,13 +2378,7 @@
       </p:sp>
       <p:sp>
         <p:nvSpPr>
-          <p:cNvPr id="6" name="Footer Placeholder 5">
-            <a:extLst>
-              <a:ext uri="{FF2B5EF4-FFF2-40B4-BE49-F238E27FC236}">
-                <a16:creationId xmlns:a16="http://schemas.microsoft.com/office/drawing/2014/main" id="{E264CFB0-5376-4AB6-9DAA-7E144E883810}"/>
-              </a:ext>
-            </a:extLst>
-          </p:cNvPr>
+          <p:cNvPr id="6" name="Footer Placeholder 5"/>
           <p:cNvSpPr>
             <a:spLocks noGrp="1"/>
           </p:cNvSpPr>
@@ -2713,13 +2397,7 @@
       </p:sp>
       <p:sp>
         <p:nvSpPr>
-          <p:cNvPr id="7" name="Slide Number Placeholder 6">
-            <a:extLst>
-              <a:ext uri="{FF2B5EF4-FFF2-40B4-BE49-F238E27FC236}">
-                <a16:creationId xmlns:a16="http://schemas.microsoft.com/office/drawing/2014/main" id="{660B7800-0632-4FB5-A350-F586A01D99E3}"/>
-              </a:ext>
-            </a:extLst>
-          </p:cNvPr>
+          <p:cNvPr id="7" name="Slide Number Placeholder 6"/>
           <p:cNvSpPr>
             <a:spLocks noGrp="1"/>
           </p:cNvSpPr>
@@ -2743,7 +2421,7 @@
     </p:spTree>
     <p:extLst>
       <p:ext uri="{BB962C8B-B14F-4D97-AF65-F5344CB8AC3E}">
-        <p14:creationId xmlns:p14="http://schemas.microsoft.com/office/powerpoint/2010/main" val="1647847346"/>
+        <p14:creationId xmlns:p14="http://schemas.microsoft.com/office/powerpoint/2010/main" val="1033928515"/>
       </p:ext>
     </p:extLst>
   </p:cSld>
@@ -2777,13 +2455,7 @@
       </p:grpSpPr>
       <p:sp>
         <p:nvSpPr>
-          <p:cNvPr id="2" name="Title Placeholder 1">
-            <a:extLst>
-              <a:ext uri="{FF2B5EF4-FFF2-40B4-BE49-F238E27FC236}">
-                <a16:creationId xmlns:a16="http://schemas.microsoft.com/office/drawing/2014/main" id="{097CF611-CEB5-4F7A-9403-7D1FD9302A37}"/>
-              </a:ext>
-            </a:extLst>
-          </p:cNvPr>
+          <p:cNvPr id="2" name="Title Placeholder 1"/>
           <p:cNvSpPr>
             <a:spLocks noGrp="1"/>
           </p:cNvSpPr>
@@ -2793,8 +2465,8 @@
         </p:nvSpPr>
         <p:spPr>
           <a:xfrm>
-            <a:off x="838200" y="365125"/>
-            <a:ext cx="10515600" cy="1325563"/>
+            <a:off x="798364" y="413810"/>
+            <a:ext cx="10015836" cy="1502305"/>
           </a:xfrm>
           <a:prstGeom prst="rect">
             <a:avLst/>
@@ -2810,18 +2482,13 @@
               <a:rPr lang="en-US"/>
               <a:t>Click to edit Master title style</a:t>
             </a:r>
-          </a:p>
-        </p:txBody>
-      </p:sp>
-      <p:sp>
-        <p:nvSpPr>
-          <p:cNvPr id="3" name="Text Placeholder 2">
-            <a:extLst>
-              <a:ext uri="{FF2B5EF4-FFF2-40B4-BE49-F238E27FC236}">
-                <a16:creationId xmlns:a16="http://schemas.microsoft.com/office/drawing/2014/main" id="{8746A21A-D85A-4C49-99B4-AB42EB2A9C74}"/>
-              </a:ext>
-            </a:extLst>
-          </p:cNvPr>
+            <a:endParaRPr lang="en-US" dirty="0"/>
+          </a:p>
+        </p:txBody>
+      </p:sp>
+      <p:sp>
+        <p:nvSpPr>
+          <p:cNvPr id="3" name="Text Placeholder 2"/>
           <p:cNvSpPr>
             <a:spLocks noGrp="1"/>
           </p:cNvSpPr>
@@ -2831,8 +2498,8 @@
         </p:nvSpPr>
         <p:spPr>
           <a:xfrm>
-            <a:off x="838200" y="1825625"/>
-            <a:ext cx="10515600" cy="4351338"/>
+            <a:off x="798364" y="2069042"/>
+            <a:ext cx="10015836" cy="4931516"/>
           </a:xfrm>
           <a:prstGeom prst="rect">
             <a:avLst/>
@@ -2877,18 +2544,13 @@
               <a:rPr lang="en-US"/>
               <a:t>Fifth level</a:t>
             </a:r>
-          </a:p>
-        </p:txBody>
-      </p:sp>
-      <p:sp>
-        <p:nvSpPr>
-          <p:cNvPr id="4" name="Date Placeholder 3">
-            <a:extLst>
-              <a:ext uri="{FF2B5EF4-FFF2-40B4-BE49-F238E27FC236}">
-                <a16:creationId xmlns:a16="http://schemas.microsoft.com/office/drawing/2014/main" id="{0A02A5F7-8B09-45BD-9168-792FD51C550B}"/>
-              </a:ext>
-            </a:extLst>
-          </p:cNvPr>
+            <a:endParaRPr lang="en-US" dirty="0"/>
+          </a:p>
+        </p:txBody>
+      </p:sp>
+      <p:sp>
+        <p:nvSpPr>
+          <p:cNvPr id="4" name="Date Placeholder 3"/>
           <p:cNvSpPr>
             <a:spLocks noGrp="1"/>
           </p:cNvSpPr>
@@ -2898,8 +2560,8 @@
         </p:nvSpPr>
         <p:spPr>
           <a:xfrm>
-            <a:off x="838200" y="6356350"/>
-            <a:ext cx="2743200" cy="365125"/>
+            <a:off x="798364" y="7203865"/>
+            <a:ext cx="2612827" cy="413808"/>
           </a:xfrm>
           <a:prstGeom prst="rect">
             <a:avLst/>
@@ -2909,7 +2571,7 @@
           <a:bodyPr vert="horz" lIns="91440" tIns="45720" rIns="91440" bIns="45720" rtlCol="0" anchor="ctr"/>
           <a:lstStyle>
             <a:lvl1pPr algn="l">
-              <a:defRPr sz="1200">
+              <a:defRPr sz="1360">
                 <a:solidFill>
                   <a:schemeClr val="tx1">
                     <a:tint val="75000"/>
@@ -2921,7 +2583,7 @@
           <a:p>
             <a:fld id="{AE475753-62BC-43E9-BD50-DD0D869A7B4E}" type="datetimeFigureOut">
               <a:rPr lang="en-US" smtClean="0"/>
-              <a:t>6/10/2024</a:t>
+              <a:t>6/30/2024</a:t>
             </a:fld>
             <a:endParaRPr lang="en-US"/>
           </a:p>
@@ -2929,13 +2591,7 @@
       </p:sp>
       <p:sp>
         <p:nvSpPr>
-          <p:cNvPr id="5" name="Footer Placeholder 4">
-            <a:extLst>
-              <a:ext uri="{FF2B5EF4-FFF2-40B4-BE49-F238E27FC236}">
-                <a16:creationId xmlns:a16="http://schemas.microsoft.com/office/drawing/2014/main" id="{E4F55121-8E20-48F7-A477-52F08330BE51}"/>
-              </a:ext>
-            </a:extLst>
-          </p:cNvPr>
+          <p:cNvPr id="5" name="Footer Placeholder 4"/>
           <p:cNvSpPr>
             <a:spLocks noGrp="1"/>
           </p:cNvSpPr>
@@ -2945,8 +2601,8 @@
         </p:nvSpPr>
         <p:spPr>
           <a:xfrm>
-            <a:off x="4038600" y="6356350"/>
-            <a:ext cx="4114800" cy="365125"/>
+            <a:off x="3846662" y="7203865"/>
+            <a:ext cx="3919240" cy="413808"/>
           </a:xfrm>
           <a:prstGeom prst="rect">
             <a:avLst/>
@@ -2956,7 +2612,7 @@
           <a:bodyPr vert="horz" lIns="91440" tIns="45720" rIns="91440" bIns="45720" rtlCol="0" anchor="ctr"/>
           <a:lstStyle>
             <a:lvl1pPr algn="ctr">
-              <a:defRPr sz="1200">
+              <a:defRPr sz="1360">
                 <a:solidFill>
                   <a:schemeClr val="tx1">
                     <a:tint val="75000"/>
@@ -2972,13 +2628,7 @@
       </p:sp>
       <p:sp>
         <p:nvSpPr>
-          <p:cNvPr id="6" name="Slide Number Placeholder 5">
-            <a:extLst>
-              <a:ext uri="{FF2B5EF4-FFF2-40B4-BE49-F238E27FC236}">
-                <a16:creationId xmlns:a16="http://schemas.microsoft.com/office/drawing/2014/main" id="{E8373EF8-F842-4460-8826-7AE03208BAE5}"/>
-              </a:ext>
-            </a:extLst>
-          </p:cNvPr>
+          <p:cNvPr id="6" name="Slide Number Placeholder 5"/>
           <p:cNvSpPr>
             <a:spLocks noGrp="1"/>
           </p:cNvSpPr>
@@ -2988,8 +2638,8 @@
         </p:nvSpPr>
         <p:spPr>
           <a:xfrm>
-            <a:off x="8610600" y="6356350"/>
-            <a:ext cx="2743200" cy="365125"/>
+            <a:off x="8201372" y="7203865"/>
+            <a:ext cx="2612827" cy="413808"/>
           </a:xfrm>
           <a:prstGeom prst="rect">
             <a:avLst/>
@@ -2999,7 +2649,7 @@
           <a:bodyPr vert="horz" lIns="91440" tIns="45720" rIns="91440" bIns="45720" rtlCol="0" anchor="ctr"/>
           <a:lstStyle>
             <a:lvl1pPr algn="r">
-              <a:defRPr sz="1200">
+              <a:defRPr sz="1360">
                 <a:solidFill>
                   <a:schemeClr val="tx1">
                     <a:tint val="75000"/>
@@ -3020,27 +2670,27 @@
     </p:spTree>
     <p:extLst>
       <p:ext uri="{BB962C8B-B14F-4D97-AF65-F5344CB8AC3E}">
-        <p14:creationId xmlns:p14="http://schemas.microsoft.com/office/powerpoint/2010/main" val="2665881284"/>
+        <p14:creationId xmlns:p14="http://schemas.microsoft.com/office/powerpoint/2010/main" val="545409400"/>
       </p:ext>
     </p:extLst>
   </p:cSld>
   <p:clrMap bg1="lt1" tx1="dk1" bg2="lt2" tx2="dk2" accent1="accent1" accent2="accent2" accent3="accent3" accent4="accent4" accent5="accent5" accent6="accent6" hlink="hlink" folHlink="folHlink"/>
   <p:sldLayoutIdLst>
-    <p:sldLayoutId id="2147483649" r:id="rId1"/>
-    <p:sldLayoutId id="2147483650" r:id="rId2"/>
-    <p:sldLayoutId id="2147483651" r:id="rId3"/>
-    <p:sldLayoutId id="2147483652" r:id="rId4"/>
-    <p:sldLayoutId id="2147483653" r:id="rId5"/>
-    <p:sldLayoutId id="2147483654" r:id="rId6"/>
-    <p:sldLayoutId id="2147483655" r:id="rId7"/>
-    <p:sldLayoutId id="2147483656" r:id="rId8"/>
-    <p:sldLayoutId id="2147483657" r:id="rId9"/>
-    <p:sldLayoutId id="2147483658" r:id="rId10"/>
-    <p:sldLayoutId id="2147483659" r:id="rId11"/>
+    <p:sldLayoutId id="2147483733" r:id="rId1"/>
+    <p:sldLayoutId id="2147483734" r:id="rId2"/>
+    <p:sldLayoutId id="2147483735" r:id="rId3"/>
+    <p:sldLayoutId id="2147483736" r:id="rId4"/>
+    <p:sldLayoutId id="2147483737" r:id="rId5"/>
+    <p:sldLayoutId id="2147483738" r:id="rId6"/>
+    <p:sldLayoutId id="2147483739" r:id="rId7"/>
+    <p:sldLayoutId id="2147483740" r:id="rId8"/>
+    <p:sldLayoutId id="2147483741" r:id="rId9"/>
+    <p:sldLayoutId id="2147483742" r:id="rId10"/>
+    <p:sldLayoutId id="2147483743" r:id="rId11"/>
   </p:sldLayoutIdLst>
   <p:txStyles>
     <p:titleStyle>
-      <a:lvl1pPr algn="l" defTabSz="914400" rtl="0" eaLnBrk="1" latinLnBrk="0" hangingPunct="1">
+      <a:lvl1pPr algn="l" defTabSz="1036290" rtl="0" eaLnBrk="1" latinLnBrk="0" hangingPunct="1">
         <a:lnSpc>
           <a:spcPct val="90000"/>
         </a:lnSpc>
@@ -3048,7 +2698,7 @@
           <a:spcPct val="0"/>
         </a:spcBef>
         <a:buNone/>
-        <a:defRPr sz="4400" kern="1200">
+        <a:defRPr sz="4987" kern="1200">
           <a:solidFill>
             <a:schemeClr val="tx1"/>
           </a:solidFill>
@@ -3059,16 +2709,16 @@
       </a:lvl1pPr>
     </p:titleStyle>
     <p:bodyStyle>
-      <a:lvl1pPr marL="228600" indent="-228600" algn="l" defTabSz="914400" rtl="0" eaLnBrk="1" latinLnBrk="0" hangingPunct="1">
+      <a:lvl1pPr marL="259072" indent="-259072" algn="l" defTabSz="1036290" rtl="0" eaLnBrk="1" latinLnBrk="0" hangingPunct="1">
         <a:lnSpc>
           <a:spcPct val="90000"/>
         </a:lnSpc>
         <a:spcBef>
-          <a:spcPts val="1000"/>
+          <a:spcPts val="1133"/>
         </a:spcBef>
         <a:buFont typeface="Arial" panose="020B0604020202020204" pitchFamily="34" charset="0"/>
         <a:buChar char="•"/>
-        <a:defRPr sz="2800" kern="1200">
+        <a:defRPr sz="3173" kern="1200">
           <a:solidFill>
             <a:schemeClr val="tx1"/>
           </a:solidFill>
@@ -3077,16 +2727,16 @@
           <a:cs typeface="+mn-cs"/>
         </a:defRPr>
       </a:lvl1pPr>
-      <a:lvl2pPr marL="685800" indent="-228600" algn="l" defTabSz="914400" rtl="0" eaLnBrk="1" latinLnBrk="0" hangingPunct="1">
+      <a:lvl2pPr marL="777217" indent="-259072" algn="l" defTabSz="1036290" rtl="0" eaLnBrk="1" latinLnBrk="0" hangingPunct="1">
         <a:lnSpc>
           <a:spcPct val="90000"/>
         </a:lnSpc>
         <a:spcBef>
-          <a:spcPts val="500"/>
+          <a:spcPts val="567"/>
         </a:spcBef>
         <a:buFont typeface="Arial" panose="020B0604020202020204" pitchFamily="34" charset="0"/>
         <a:buChar char="•"/>
-        <a:defRPr sz="2400" kern="1200">
+        <a:defRPr sz="2720" kern="1200">
           <a:solidFill>
             <a:schemeClr val="tx1"/>
           </a:solidFill>
@@ -3095,16 +2745,16 @@
           <a:cs typeface="+mn-cs"/>
         </a:defRPr>
       </a:lvl2pPr>
-      <a:lvl3pPr marL="1143000" indent="-228600" algn="l" defTabSz="914400" rtl="0" eaLnBrk="1" latinLnBrk="0" hangingPunct="1">
+      <a:lvl3pPr marL="1295362" indent="-259072" algn="l" defTabSz="1036290" rtl="0" eaLnBrk="1" latinLnBrk="0" hangingPunct="1">
         <a:lnSpc>
           <a:spcPct val="90000"/>
         </a:lnSpc>
         <a:spcBef>
-          <a:spcPts val="500"/>
+          <a:spcPts val="567"/>
         </a:spcBef>
         <a:buFont typeface="Arial" panose="020B0604020202020204" pitchFamily="34" charset="0"/>
         <a:buChar char="•"/>
-        <a:defRPr sz="2000" kern="1200">
+        <a:defRPr sz="2267" kern="1200">
           <a:solidFill>
             <a:schemeClr val="tx1"/>
           </a:solidFill>
@@ -3113,16 +2763,16 @@
           <a:cs typeface="+mn-cs"/>
         </a:defRPr>
       </a:lvl3pPr>
-      <a:lvl4pPr marL="1600200" indent="-228600" algn="l" defTabSz="914400" rtl="0" eaLnBrk="1" latinLnBrk="0" hangingPunct="1">
+      <a:lvl4pPr marL="1813507" indent="-259072" algn="l" defTabSz="1036290" rtl="0" eaLnBrk="1" latinLnBrk="0" hangingPunct="1">
         <a:lnSpc>
           <a:spcPct val="90000"/>
         </a:lnSpc>
         <a:spcBef>
-          <a:spcPts val="500"/>
+          <a:spcPts val="567"/>
         </a:spcBef>
         <a:buFont typeface="Arial" panose="020B0604020202020204" pitchFamily="34" charset="0"/>
         <a:buChar char="•"/>
-        <a:defRPr sz="1800" kern="1200">
+        <a:defRPr sz="2040" kern="1200">
           <a:solidFill>
             <a:schemeClr val="tx1"/>
           </a:solidFill>
@@ -3131,16 +2781,16 @@
           <a:cs typeface="+mn-cs"/>
         </a:defRPr>
       </a:lvl4pPr>
-      <a:lvl5pPr marL="2057400" indent="-228600" algn="l" defTabSz="914400" rtl="0" eaLnBrk="1" latinLnBrk="0" hangingPunct="1">
+      <a:lvl5pPr marL="2331651" indent="-259072" algn="l" defTabSz="1036290" rtl="0" eaLnBrk="1" latinLnBrk="0" hangingPunct="1">
         <a:lnSpc>
           <a:spcPct val="90000"/>
         </a:lnSpc>
         <a:spcBef>
-          <a:spcPts val="500"/>
+          <a:spcPts val="567"/>
         </a:spcBef>
         <a:buFont typeface="Arial" panose="020B0604020202020204" pitchFamily="34" charset="0"/>
         <a:buChar char="•"/>
-        <a:defRPr sz="1800" kern="1200">
+        <a:defRPr sz="2040" kern="1200">
           <a:solidFill>
             <a:schemeClr val="tx1"/>
           </a:solidFill>
@@ -3149,16 +2799,16 @@
           <a:cs typeface="+mn-cs"/>
         </a:defRPr>
       </a:lvl5pPr>
-      <a:lvl6pPr marL="2514600" indent="-228600" algn="l" defTabSz="914400" rtl="0" eaLnBrk="1" latinLnBrk="0" hangingPunct="1">
+      <a:lvl6pPr marL="2849796" indent="-259072" algn="l" defTabSz="1036290" rtl="0" eaLnBrk="1" latinLnBrk="0" hangingPunct="1">
         <a:lnSpc>
           <a:spcPct val="90000"/>
         </a:lnSpc>
         <a:spcBef>
-          <a:spcPts val="500"/>
+          <a:spcPts val="567"/>
         </a:spcBef>
         <a:buFont typeface="Arial" panose="020B0604020202020204" pitchFamily="34" charset="0"/>
         <a:buChar char="•"/>
-        <a:defRPr sz="1800" kern="1200">
+        <a:defRPr sz="2040" kern="1200">
           <a:solidFill>
             <a:schemeClr val="tx1"/>
           </a:solidFill>
@@ -3167,16 +2817,16 @@
           <a:cs typeface="+mn-cs"/>
         </a:defRPr>
       </a:lvl6pPr>
-      <a:lvl7pPr marL="2971800" indent="-228600" algn="l" defTabSz="914400" rtl="0" eaLnBrk="1" latinLnBrk="0" hangingPunct="1">
+      <a:lvl7pPr marL="3367941" indent="-259072" algn="l" defTabSz="1036290" rtl="0" eaLnBrk="1" latinLnBrk="0" hangingPunct="1">
         <a:lnSpc>
           <a:spcPct val="90000"/>
         </a:lnSpc>
         <a:spcBef>
-          <a:spcPts val="500"/>
+          <a:spcPts val="567"/>
         </a:spcBef>
         <a:buFont typeface="Arial" panose="020B0604020202020204" pitchFamily="34" charset="0"/>
         <a:buChar char="•"/>
-        <a:defRPr sz="1800" kern="1200">
+        <a:defRPr sz="2040" kern="1200">
           <a:solidFill>
             <a:schemeClr val="tx1"/>
           </a:solidFill>
@@ -3185,16 +2835,16 @@
           <a:cs typeface="+mn-cs"/>
         </a:defRPr>
       </a:lvl7pPr>
-      <a:lvl8pPr marL="3429000" indent="-228600" algn="l" defTabSz="914400" rtl="0" eaLnBrk="1" latinLnBrk="0" hangingPunct="1">
+      <a:lvl8pPr marL="3886086" indent="-259072" algn="l" defTabSz="1036290" rtl="0" eaLnBrk="1" latinLnBrk="0" hangingPunct="1">
         <a:lnSpc>
           <a:spcPct val="90000"/>
         </a:lnSpc>
         <a:spcBef>
-          <a:spcPts val="500"/>
+          <a:spcPts val="567"/>
         </a:spcBef>
         <a:buFont typeface="Arial" panose="020B0604020202020204" pitchFamily="34" charset="0"/>
         <a:buChar char="•"/>
-        <a:defRPr sz="1800" kern="1200">
+        <a:defRPr sz="2040" kern="1200">
           <a:solidFill>
             <a:schemeClr val="tx1"/>
           </a:solidFill>
@@ -3203,16 +2853,16 @@
           <a:cs typeface="+mn-cs"/>
         </a:defRPr>
       </a:lvl8pPr>
-      <a:lvl9pPr marL="3886200" indent="-228600" algn="l" defTabSz="914400" rtl="0" eaLnBrk="1" latinLnBrk="0" hangingPunct="1">
+      <a:lvl9pPr marL="4404230" indent="-259072" algn="l" defTabSz="1036290" rtl="0" eaLnBrk="1" latinLnBrk="0" hangingPunct="1">
         <a:lnSpc>
           <a:spcPct val="90000"/>
         </a:lnSpc>
         <a:spcBef>
-          <a:spcPts val="500"/>
+          <a:spcPts val="567"/>
         </a:spcBef>
         <a:buFont typeface="Arial" panose="020B0604020202020204" pitchFamily="34" charset="0"/>
         <a:buChar char="•"/>
-        <a:defRPr sz="1800" kern="1200">
+        <a:defRPr sz="2040" kern="1200">
           <a:solidFill>
             <a:schemeClr val="tx1"/>
           </a:solidFill>
@@ -3226,8 +2876,8 @@
       <a:defPPr>
         <a:defRPr lang="en-US"/>
       </a:defPPr>
-      <a:lvl1pPr marL="0" algn="l" defTabSz="914400" rtl="0" eaLnBrk="1" latinLnBrk="0" hangingPunct="1">
-        <a:defRPr sz="1800" kern="1200">
+      <a:lvl1pPr marL="0" algn="l" defTabSz="1036290" rtl="0" eaLnBrk="1" latinLnBrk="0" hangingPunct="1">
+        <a:defRPr sz="2040" kern="1200">
           <a:solidFill>
             <a:schemeClr val="tx1"/>
           </a:solidFill>
@@ -3236,8 +2886,8 @@
           <a:cs typeface="+mn-cs"/>
         </a:defRPr>
       </a:lvl1pPr>
-      <a:lvl2pPr marL="457200" algn="l" defTabSz="914400" rtl="0" eaLnBrk="1" latinLnBrk="0" hangingPunct="1">
-        <a:defRPr sz="1800" kern="1200">
+      <a:lvl2pPr marL="518145" algn="l" defTabSz="1036290" rtl="0" eaLnBrk="1" latinLnBrk="0" hangingPunct="1">
+        <a:defRPr sz="2040" kern="1200">
           <a:solidFill>
             <a:schemeClr val="tx1"/>
           </a:solidFill>
@@ -3246,8 +2896,8 @@
           <a:cs typeface="+mn-cs"/>
         </a:defRPr>
       </a:lvl2pPr>
-      <a:lvl3pPr marL="914400" algn="l" defTabSz="914400" rtl="0" eaLnBrk="1" latinLnBrk="0" hangingPunct="1">
-        <a:defRPr sz="1800" kern="1200">
+      <a:lvl3pPr marL="1036290" algn="l" defTabSz="1036290" rtl="0" eaLnBrk="1" latinLnBrk="0" hangingPunct="1">
+        <a:defRPr sz="2040" kern="1200">
           <a:solidFill>
             <a:schemeClr val="tx1"/>
           </a:solidFill>
@@ -3256,8 +2906,8 @@
           <a:cs typeface="+mn-cs"/>
         </a:defRPr>
       </a:lvl3pPr>
-      <a:lvl4pPr marL="1371600" algn="l" defTabSz="914400" rtl="0" eaLnBrk="1" latinLnBrk="0" hangingPunct="1">
-        <a:defRPr sz="1800" kern="1200">
+      <a:lvl4pPr marL="1554434" algn="l" defTabSz="1036290" rtl="0" eaLnBrk="1" latinLnBrk="0" hangingPunct="1">
+        <a:defRPr sz="2040" kern="1200">
           <a:solidFill>
             <a:schemeClr val="tx1"/>
           </a:solidFill>
@@ -3266,8 +2916,8 @@
           <a:cs typeface="+mn-cs"/>
         </a:defRPr>
       </a:lvl4pPr>
-      <a:lvl5pPr marL="1828800" algn="l" defTabSz="914400" rtl="0" eaLnBrk="1" latinLnBrk="0" hangingPunct="1">
-        <a:defRPr sz="1800" kern="1200">
+      <a:lvl5pPr marL="2072579" algn="l" defTabSz="1036290" rtl="0" eaLnBrk="1" latinLnBrk="0" hangingPunct="1">
+        <a:defRPr sz="2040" kern="1200">
           <a:solidFill>
             <a:schemeClr val="tx1"/>
           </a:solidFill>
@@ -3276,8 +2926,8 @@
           <a:cs typeface="+mn-cs"/>
         </a:defRPr>
       </a:lvl5pPr>
-      <a:lvl6pPr marL="2286000" algn="l" defTabSz="914400" rtl="0" eaLnBrk="1" latinLnBrk="0" hangingPunct="1">
-        <a:defRPr sz="1800" kern="1200">
+      <a:lvl6pPr marL="2590724" algn="l" defTabSz="1036290" rtl="0" eaLnBrk="1" latinLnBrk="0" hangingPunct="1">
+        <a:defRPr sz="2040" kern="1200">
           <a:solidFill>
             <a:schemeClr val="tx1"/>
           </a:solidFill>
@@ -3286,8 +2936,8 @@
           <a:cs typeface="+mn-cs"/>
         </a:defRPr>
       </a:lvl6pPr>
-      <a:lvl7pPr marL="2743200" algn="l" defTabSz="914400" rtl="0" eaLnBrk="1" latinLnBrk="0" hangingPunct="1">
-        <a:defRPr sz="1800" kern="1200">
+      <a:lvl7pPr marL="3108869" algn="l" defTabSz="1036290" rtl="0" eaLnBrk="1" latinLnBrk="0" hangingPunct="1">
+        <a:defRPr sz="2040" kern="1200">
           <a:solidFill>
             <a:schemeClr val="tx1"/>
           </a:solidFill>
@@ -3296,8 +2946,8 @@
           <a:cs typeface="+mn-cs"/>
         </a:defRPr>
       </a:lvl7pPr>
-      <a:lvl8pPr marL="3200400" algn="l" defTabSz="914400" rtl="0" eaLnBrk="1" latinLnBrk="0" hangingPunct="1">
-        <a:defRPr sz="1800" kern="1200">
+      <a:lvl8pPr marL="3627013" algn="l" defTabSz="1036290" rtl="0" eaLnBrk="1" latinLnBrk="0" hangingPunct="1">
+        <a:defRPr sz="2040" kern="1200">
           <a:solidFill>
             <a:schemeClr val="tx1"/>
           </a:solidFill>
@@ -3306,8 +2956,8 @@
           <a:cs typeface="+mn-cs"/>
         </a:defRPr>
       </a:lvl8pPr>
-      <a:lvl9pPr marL="3657600" algn="l" defTabSz="914400" rtl="0" eaLnBrk="1" latinLnBrk="0" hangingPunct="1">
-        <a:defRPr sz="1800" kern="1200">
+      <a:lvl9pPr marL="4145158" algn="l" defTabSz="1036290" rtl="0" eaLnBrk="1" latinLnBrk="0" hangingPunct="1">
+        <a:defRPr sz="2040" kern="1200">
           <a:solidFill>
             <a:schemeClr val="tx1"/>
           </a:solidFill>
@@ -3322,7 +2972,7 @@
 </file>
 
 <file path=ppt/slides/slide1.xml><?xml version="1.0" encoding="utf-8"?>
-<p:sld xmlns:a="http://schemas.openxmlformats.org/drawingml/2006/main" xmlns:r="http://schemas.openxmlformats.org/officeDocument/2006/relationships" xmlns:p="http://schemas.openxmlformats.org/presentationml/2006/main" show="0">
+<p:sld xmlns:a="http://schemas.openxmlformats.org/drawingml/2006/main" xmlns:r="http://schemas.openxmlformats.org/officeDocument/2006/relationships" xmlns:p="http://schemas.openxmlformats.org/presentationml/2006/main">
   <p:cSld>
     <p:bg>
       <p:bgPr>
@@ -3364,8 +3014,8 @@
         </p:nvSpPr>
         <p:spPr>
           <a:xfrm>
-            <a:off x="870625" y="1413315"/>
-            <a:ext cx="10450749" cy="1655762"/>
+            <a:off x="624681" y="3178290"/>
+            <a:ext cx="10363200" cy="1876531"/>
           </a:xfrm>
         </p:spPr>
         <p:txBody>
@@ -3375,56 +3025,19 @@
           <a:lstStyle/>
           <a:p>
             <a:r>
-              <a:rPr lang="en-US" sz="2000" dirty="0"/>
-              <a:t>During the experiment I will also track your gaze, so lets calibrate the </a:t>
-            </a:r>
-            <a:r>
-              <a:rPr lang="en-US" sz="2000" dirty="0" err="1"/>
-              <a:t>eyetracker</a:t>
-            </a:r>
-            <a:r>
-              <a:rPr lang="en-US" sz="2000" dirty="0"/>
-              <a:t> first </a:t>
-            </a:r>
-          </a:p>
-          <a:p>
-            <a:endParaRPr lang="en-US" sz="2000" dirty="0"/>
-          </a:p>
-          <a:p>
-            <a:r>
-              <a:rPr lang="en-US" sz="2000" dirty="0"/>
-              <a:t>The eye tracking only works properly if you keep your head in the same position afterwards, so please make sure </a:t>
-            </a:r>
-            <a:r>
-              <a:rPr lang="en-US" sz="2000" dirty="0" err="1"/>
-              <a:t>youre</a:t>
-            </a:r>
-            <a:r>
-              <a:rPr lang="en-US" sz="2000" dirty="0"/>
-              <a:t> comfortable and can hold the position for the next 20 minutes</a:t>
-            </a:r>
-          </a:p>
-          <a:p>
-            <a:endParaRPr lang="en-US" sz="2000" dirty="0"/>
-          </a:p>
-          <a:p>
-            <a:r>
-              <a:rPr lang="en-US" sz="2000" dirty="0"/>
-              <a:t>    'Remember: your goal is to find the uniquely oriented bar and press the corresponding key' ...</a:t>
-            </a:r>
-          </a:p>
-          <a:p>
-            <a:r>
-              <a:rPr lang="en-US" sz="2000" dirty="0"/>
-              <a:t>    'During the experiment once you have found the uniquely oriented bar remember to press the corresponding button</a:t>
-            </a:r>
+              <a:rPr lang="en-US" sz="2267" dirty="0"/>
+              <a:t>Welcome :) </a:t>
+            </a:r>
+          </a:p>
+          <a:p>
+            <a:endParaRPr lang="en-US" sz="2267" dirty="0"/>
           </a:p>
         </p:txBody>
       </p:sp>
     </p:spTree>
     <p:extLst>
       <p:ext uri="{BB962C8B-B14F-4D97-AF65-F5344CB8AC3E}">
-        <p14:creationId xmlns:p14="http://schemas.microsoft.com/office/powerpoint/2010/main" val="2864506475"/>
+        <p14:creationId xmlns:p14="http://schemas.microsoft.com/office/powerpoint/2010/main" val="3664044118"/>
       </p:ext>
     </p:extLst>
   </p:cSld>
@@ -3477,8 +3090,8 @@
         </p:nvSpPr>
         <p:spPr>
           <a:xfrm>
-            <a:off x="870625" y="2682775"/>
-            <a:ext cx="10450749" cy="1655762"/>
+            <a:off x="-115810" y="1623810"/>
+            <a:ext cx="11844182" cy="1876531"/>
           </a:xfrm>
         </p:spPr>
         <p:txBody>
@@ -3488,1211 +3101,40 @@
           <a:lstStyle/>
           <a:p>
             <a:r>
-              <a:rPr lang="en-US" sz="2000" dirty="0"/>
-              <a:t>There are several trials so this will repeat for roughly 20 minutes. </a:t>
-            </a:r>
-          </a:p>
-          <a:p>
-            <a:endParaRPr lang="en-US" sz="2000" dirty="0"/>
-          </a:p>
-          <a:p>
-            <a:endParaRPr lang="en-US" sz="2000" dirty="0"/>
-          </a:p>
-        </p:txBody>
-      </p:sp>
-    </p:spTree>
-    <p:extLst>
-      <p:ext uri="{BB962C8B-B14F-4D97-AF65-F5344CB8AC3E}">
-        <p14:creationId xmlns:p14="http://schemas.microsoft.com/office/powerpoint/2010/main" val="2911845913"/>
-      </p:ext>
-    </p:extLst>
-  </p:cSld>
-  <p:clrMapOvr>
-    <a:masterClrMapping/>
-  </p:clrMapOvr>
-</p:sld>
-</file>
-
-<file path=ppt/slides/slide11.xml><?xml version="1.0" encoding="utf-8"?>
-<p:sld xmlns:a="http://schemas.openxmlformats.org/drawingml/2006/main" xmlns:r="http://schemas.openxmlformats.org/officeDocument/2006/relationships" xmlns:p="http://schemas.openxmlformats.org/presentationml/2006/main">
-  <p:cSld>
-    <p:bg>
-      <p:bgPr>
-        <a:solidFill>
-          <a:schemeClr val="bg1"/>
-        </a:solidFill>
-        <a:effectLst/>
-      </p:bgPr>
-    </p:bg>
-    <p:spTree>
-      <p:nvGrpSpPr>
-        <p:cNvPr id="1" name=""/>
-        <p:cNvGrpSpPr/>
-        <p:nvPr/>
-      </p:nvGrpSpPr>
-      <p:grpSpPr>
-        <a:xfrm>
-          <a:off x="0" y="0"/>
-          <a:ext cx="0" cy="0"/>
-          <a:chOff x="0" y="0"/>
-          <a:chExt cx="0" cy="0"/>
-        </a:xfrm>
-      </p:grpSpPr>
-      <p:sp>
-        <p:nvSpPr>
-          <p:cNvPr id="3" name="Subtitle 2">
-            <a:extLst>
-              <a:ext uri="{FF2B5EF4-FFF2-40B4-BE49-F238E27FC236}">
-                <a16:creationId xmlns:a16="http://schemas.microsoft.com/office/drawing/2014/main" id="{4150058A-3ED2-402F-80BC-2329C314E54D}"/>
-              </a:ext>
-            </a:extLst>
-          </p:cNvPr>
-          <p:cNvSpPr>
-            <a:spLocks noGrp="1"/>
-          </p:cNvSpPr>
-          <p:nvPr>
-            <p:ph type="subTitle" idx="1"/>
-          </p:nvPr>
-        </p:nvSpPr>
-        <p:spPr>
-          <a:xfrm>
-            <a:off x="870625" y="2682775"/>
-            <a:ext cx="10450749" cy="1655762"/>
-          </a:xfrm>
-        </p:spPr>
-        <p:txBody>
-          <a:bodyPr>
-            <a:noAutofit/>
-          </a:bodyPr>
-          <a:lstStyle/>
-          <a:p>
-            <a:r>
-              <a:rPr lang="en-US" sz="2000" dirty="0"/>
-              <a:t>Do you have any questions? </a:t>
-            </a:r>
-          </a:p>
-          <a:p>
-            <a:endParaRPr lang="en-US" sz="2000" dirty="0"/>
-          </a:p>
-          <a:p>
-            <a:r>
-              <a:rPr lang="en-US" sz="2000" dirty="0"/>
-              <a:t>If you feel ready let me know and I will start the experiment for you :)</a:t>
-            </a:r>
-          </a:p>
-        </p:txBody>
-      </p:sp>
-    </p:spTree>
-    <p:extLst>
-      <p:ext uri="{BB962C8B-B14F-4D97-AF65-F5344CB8AC3E}">
-        <p14:creationId xmlns:p14="http://schemas.microsoft.com/office/powerpoint/2010/main" val="3705023647"/>
-      </p:ext>
-    </p:extLst>
-  </p:cSld>
-  <p:clrMapOvr>
-    <a:masterClrMapping/>
-  </p:clrMapOvr>
-</p:sld>
-</file>
-
-<file path=ppt/slides/slide12.xml><?xml version="1.0" encoding="utf-8"?>
-<p:sld xmlns:a="http://schemas.openxmlformats.org/drawingml/2006/main" xmlns:r="http://schemas.openxmlformats.org/officeDocument/2006/relationships" xmlns:p="http://schemas.openxmlformats.org/presentationml/2006/main">
-  <p:cSld>
-    <p:bg>
-      <p:bgPr>
-        <a:solidFill>
-          <a:schemeClr val="bg1"/>
-        </a:solidFill>
-        <a:effectLst/>
-      </p:bgPr>
-    </p:bg>
-    <p:spTree>
-      <p:nvGrpSpPr>
-        <p:cNvPr id="1" name=""/>
-        <p:cNvGrpSpPr/>
-        <p:nvPr/>
-      </p:nvGrpSpPr>
-      <p:grpSpPr>
-        <a:xfrm>
-          <a:off x="0" y="0"/>
-          <a:ext cx="0" cy="0"/>
-          <a:chOff x="0" y="0"/>
-          <a:chExt cx="0" cy="0"/>
-        </a:xfrm>
-      </p:grpSpPr>
-      <p:sp>
-        <p:nvSpPr>
-          <p:cNvPr id="3" name="Subtitle 2">
-            <a:extLst>
-              <a:ext uri="{FF2B5EF4-FFF2-40B4-BE49-F238E27FC236}">
-                <a16:creationId xmlns:a16="http://schemas.microsoft.com/office/drawing/2014/main" id="{4150058A-3ED2-402F-80BC-2329C314E54D}"/>
-              </a:ext>
-            </a:extLst>
-          </p:cNvPr>
-          <p:cNvSpPr>
-            <a:spLocks noGrp="1"/>
-          </p:cNvSpPr>
-          <p:nvPr>
-            <p:ph type="subTitle" idx="1"/>
-          </p:nvPr>
-        </p:nvSpPr>
-        <p:spPr>
-          <a:xfrm>
-            <a:off x="870625" y="2682775"/>
-            <a:ext cx="10450749" cy="1655762"/>
-          </a:xfrm>
-        </p:spPr>
-        <p:txBody>
-          <a:bodyPr>
-            <a:noAutofit/>
-          </a:bodyPr>
-          <a:lstStyle/>
-          <a:p>
-            <a:r>
-              <a:rPr lang="en-US" sz="2000" dirty="0"/>
-              <a:t>Please remember to be as</a:t>
-            </a:r>
-            <a:r>
-              <a:rPr lang="en-US" sz="2000" b="1" dirty="0"/>
-              <a:t> fast </a:t>
-            </a:r>
-            <a:r>
-              <a:rPr lang="en-US" sz="2000" dirty="0"/>
-              <a:t>and</a:t>
-            </a:r>
-            <a:r>
-              <a:rPr lang="en-US" sz="2000" b="1" dirty="0"/>
-              <a:t> accurate</a:t>
-            </a:r>
-            <a:r>
-              <a:rPr lang="en-US" sz="2000" dirty="0"/>
-              <a:t> as possible</a:t>
-            </a:r>
-          </a:p>
-          <a:p>
-            <a:endParaRPr lang="en-US" sz="2000" dirty="0"/>
-          </a:p>
-        </p:txBody>
-      </p:sp>
-    </p:spTree>
-    <p:extLst>
-      <p:ext uri="{BB962C8B-B14F-4D97-AF65-F5344CB8AC3E}">
-        <p14:creationId xmlns:p14="http://schemas.microsoft.com/office/powerpoint/2010/main" val="1997797013"/>
-      </p:ext>
-    </p:extLst>
-  </p:cSld>
-  <p:clrMapOvr>
-    <a:masterClrMapping/>
-  </p:clrMapOvr>
-</p:sld>
-</file>
-
-<file path=ppt/slides/slide13.xml><?xml version="1.0" encoding="utf-8"?>
-<p:sld xmlns:a="http://schemas.openxmlformats.org/drawingml/2006/main" xmlns:r="http://schemas.openxmlformats.org/officeDocument/2006/relationships" xmlns:p="http://schemas.openxmlformats.org/presentationml/2006/main">
-  <p:cSld>
-    <p:bg>
-      <p:bgPr>
-        <a:solidFill>
-          <a:schemeClr val="bg1"/>
-        </a:solidFill>
-        <a:effectLst/>
-      </p:bgPr>
-    </p:bg>
-    <p:spTree>
-      <p:nvGrpSpPr>
-        <p:cNvPr id="1" name=""/>
-        <p:cNvGrpSpPr/>
-        <p:nvPr/>
-      </p:nvGrpSpPr>
-      <p:grpSpPr>
-        <a:xfrm>
-          <a:off x="0" y="0"/>
-          <a:ext cx="0" cy="0"/>
-          <a:chOff x="0" y="0"/>
-          <a:chExt cx="0" cy="0"/>
-        </a:xfrm>
-      </p:grpSpPr>
-      <p:sp>
-        <p:nvSpPr>
-          <p:cNvPr id="3" name="Subtitle 2">
-            <a:extLst>
-              <a:ext uri="{FF2B5EF4-FFF2-40B4-BE49-F238E27FC236}">
-                <a16:creationId xmlns:a16="http://schemas.microsoft.com/office/drawing/2014/main" id="{4150058A-3ED2-402F-80BC-2329C314E54D}"/>
-              </a:ext>
-            </a:extLst>
-          </p:cNvPr>
-          <p:cNvSpPr>
-            <a:spLocks noGrp="1"/>
-          </p:cNvSpPr>
-          <p:nvPr>
-            <p:ph type="subTitle" idx="1"/>
-          </p:nvPr>
-        </p:nvSpPr>
-        <p:spPr>
-          <a:xfrm>
-            <a:off x="870625" y="2682775"/>
-            <a:ext cx="10450749" cy="1655762"/>
-          </a:xfrm>
-        </p:spPr>
-        <p:txBody>
-          <a:bodyPr>
-            <a:noAutofit/>
-          </a:bodyPr>
-          <a:lstStyle/>
-          <a:p>
-            <a:r>
-              <a:rPr lang="en-US" sz="2000" dirty="0"/>
-              <a:t>End of Experiment</a:t>
-            </a:r>
-          </a:p>
-          <a:p>
-            <a:r>
-              <a:rPr lang="en-US" sz="2000" dirty="0"/>
-              <a:t>Thank you for your participation:)</a:t>
-            </a:r>
-          </a:p>
-        </p:txBody>
-      </p:sp>
-    </p:spTree>
-    <p:extLst>
-      <p:ext uri="{BB962C8B-B14F-4D97-AF65-F5344CB8AC3E}">
-        <p14:creationId xmlns:p14="http://schemas.microsoft.com/office/powerpoint/2010/main" val="1654644813"/>
-      </p:ext>
-    </p:extLst>
-  </p:cSld>
-  <p:clrMapOvr>
-    <a:masterClrMapping/>
-  </p:clrMapOvr>
-</p:sld>
-</file>
-
-<file path=ppt/slides/slide2.xml><?xml version="1.0" encoding="utf-8"?>
-<p:sld xmlns:a="http://schemas.openxmlformats.org/drawingml/2006/main" xmlns:r="http://schemas.openxmlformats.org/officeDocument/2006/relationships" xmlns:p="http://schemas.openxmlformats.org/presentationml/2006/main">
-  <p:cSld>
-    <p:bg>
-      <p:bgPr>
-        <a:solidFill>
-          <a:schemeClr val="bg1"/>
-        </a:solidFill>
-        <a:effectLst/>
-      </p:bgPr>
-    </p:bg>
-    <p:spTree>
-      <p:nvGrpSpPr>
-        <p:cNvPr id="1" name=""/>
-        <p:cNvGrpSpPr/>
-        <p:nvPr/>
-      </p:nvGrpSpPr>
-      <p:grpSpPr>
-        <a:xfrm>
-          <a:off x="0" y="0"/>
-          <a:ext cx="0" cy="0"/>
-          <a:chOff x="0" y="0"/>
-          <a:chExt cx="0" cy="0"/>
-        </a:xfrm>
-      </p:grpSpPr>
-      <p:sp>
-        <p:nvSpPr>
-          <p:cNvPr id="3" name="Subtitle 2">
-            <a:extLst>
-              <a:ext uri="{FF2B5EF4-FFF2-40B4-BE49-F238E27FC236}">
-                <a16:creationId xmlns:a16="http://schemas.microsoft.com/office/drawing/2014/main" id="{4150058A-3ED2-402F-80BC-2329C314E54D}"/>
-              </a:ext>
-            </a:extLst>
-          </p:cNvPr>
-          <p:cNvSpPr>
-            <a:spLocks noGrp="1"/>
-          </p:cNvSpPr>
-          <p:nvPr>
-            <p:ph type="subTitle" idx="1"/>
-          </p:nvPr>
-        </p:nvSpPr>
-        <p:spPr>
-          <a:xfrm>
-            <a:off x="1524000" y="2804370"/>
-            <a:ext cx="9144000" cy="1655762"/>
-          </a:xfrm>
-        </p:spPr>
-        <p:txBody>
-          <a:bodyPr>
-            <a:noAutofit/>
-          </a:bodyPr>
-          <a:lstStyle/>
-          <a:p>
-            <a:r>
-              <a:rPr lang="en-US" sz="2000" dirty="0"/>
-              <a:t>Welcome :) </a:t>
-            </a:r>
-          </a:p>
-          <a:p>
-            <a:endParaRPr lang="en-US" sz="2000" dirty="0"/>
-          </a:p>
-        </p:txBody>
-      </p:sp>
-    </p:spTree>
-    <p:extLst>
-      <p:ext uri="{BB962C8B-B14F-4D97-AF65-F5344CB8AC3E}">
-        <p14:creationId xmlns:p14="http://schemas.microsoft.com/office/powerpoint/2010/main" val="3664044118"/>
-      </p:ext>
-    </p:extLst>
-  </p:cSld>
-  <p:clrMapOvr>
-    <a:masterClrMapping/>
-  </p:clrMapOvr>
-</p:sld>
-</file>
-
-<file path=ppt/slides/slide3.xml><?xml version="1.0" encoding="utf-8"?>
-<p:sld xmlns:a="http://schemas.openxmlformats.org/drawingml/2006/main" xmlns:r="http://schemas.openxmlformats.org/officeDocument/2006/relationships" xmlns:p="http://schemas.openxmlformats.org/presentationml/2006/main">
-  <p:cSld>
-    <p:bg>
-      <p:bgPr>
-        <a:solidFill>
-          <a:schemeClr val="bg1"/>
-        </a:solidFill>
-        <a:effectLst/>
-      </p:bgPr>
-    </p:bg>
-    <p:spTree>
-      <p:nvGrpSpPr>
-        <p:cNvPr id="1" name=""/>
-        <p:cNvGrpSpPr/>
-        <p:nvPr/>
-      </p:nvGrpSpPr>
-      <p:grpSpPr>
-        <a:xfrm>
-          <a:off x="0" y="0"/>
-          <a:ext cx="0" cy="0"/>
-          <a:chOff x="0" y="0"/>
-          <a:chExt cx="0" cy="0"/>
-        </a:xfrm>
-      </p:grpSpPr>
-      <p:sp>
-        <p:nvSpPr>
-          <p:cNvPr id="3" name="Subtitle 2">
-            <a:extLst>
-              <a:ext uri="{FF2B5EF4-FFF2-40B4-BE49-F238E27FC236}">
-                <a16:creationId xmlns:a16="http://schemas.microsoft.com/office/drawing/2014/main" id="{4150058A-3ED2-402F-80BC-2329C314E54D}"/>
-              </a:ext>
-            </a:extLst>
-          </p:cNvPr>
-          <p:cNvSpPr>
-            <a:spLocks noGrp="1"/>
-          </p:cNvSpPr>
-          <p:nvPr>
-            <p:ph type="subTitle" idx="1"/>
-          </p:nvPr>
-        </p:nvSpPr>
-        <p:spPr>
-          <a:xfrm>
-            <a:off x="870625" y="2541724"/>
-            <a:ext cx="10450749" cy="1655762"/>
-          </a:xfrm>
-        </p:spPr>
-        <p:txBody>
-          <a:bodyPr>
-            <a:noAutofit/>
-          </a:bodyPr>
-          <a:lstStyle/>
-          <a:p>
-            <a:r>
-              <a:rPr lang="en-US" sz="2000" dirty="0"/>
-              <a:t>In this experiment you will be presented with a grid of bars.</a:t>
-            </a:r>
-          </a:p>
-          <a:p>
-            <a:r>
-              <a:rPr lang="en-US" sz="2000" dirty="0"/>
-              <a:t>Press the </a:t>
-            </a:r>
-            <a:r>
-              <a:rPr lang="en-US" sz="2000" b="1" dirty="0"/>
-              <a:t>Left Shift Key </a:t>
-            </a:r>
-            <a:r>
-              <a:rPr lang="en-US" sz="2000" dirty="0"/>
-              <a:t>if you can see a uniquely oriented bar on the l</a:t>
-            </a:r>
-            <a:r>
-              <a:rPr lang="en-US" sz="2000" b="1" dirty="0"/>
-              <a:t>eft side of the screen </a:t>
-            </a:r>
-          </a:p>
-          <a:p>
-            <a:r>
-              <a:rPr lang="en-US" sz="2000" dirty="0"/>
-              <a:t>and the </a:t>
-            </a:r>
-            <a:r>
-              <a:rPr lang="en-US" sz="2000" b="1" dirty="0"/>
-              <a:t>Right Shift Key</a:t>
-            </a:r>
-            <a:r>
-              <a:rPr lang="en-US" sz="2000" dirty="0"/>
-              <a:t> if you can see a uniquely oriented bar on the </a:t>
-            </a:r>
-            <a:r>
-              <a:rPr lang="en-US" sz="2000" b="1" dirty="0"/>
-              <a:t>right side of the screen</a:t>
-            </a:r>
-          </a:p>
-          <a:p>
-            <a:r>
-              <a:rPr lang="en-US" sz="2000" dirty="0"/>
-              <a:t>Try to be as fast and as accurate as possible!</a:t>
-            </a:r>
-          </a:p>
-          <a:p>
-            <a:endParaRPr lang="en-US" sz="2000" b="1" dirty="0"/>
-          </a:p>
-          <a:p>
-            <a:r>
-              <a:rPr lang="en-US" sz="2000" dirty="0"/>
-              <a:t>    </a:t>
-            </a:r>
-          </a:p>
-        </p:txBody>
-      </p:sp>
-    </p:spTree>
-    <p:extLst>
-      <p:ext uri="{BB962C8B-B14F-4D97-AF65-F5344CB8AC3E}">
-        <p14:creationId xmlns:p14="http://schemas.microsoft.com/office/powerpoint/2010/main" val="1586270535"/>
-      </p:ext>
-    </p:extLst>
-  </p:cSld>
-  <p:clrMapOvr>
-    <a:masterClrMapping/>
-  </p:clrMapOvr>
-</p:sld>
-</file>
-
-<file path=ppt/slides/slide4.xml><?xml version="1.0" encoding="utf-8"?>
-<p:sld xmlns:a="http://schemas.openxmlformats.org/drawingml/2006/main" xmlns:r="http://schemas.openxmlformats.org/officeDocument/2006/relationships" xmlns:p="http://schemas.openxmlformats.org/presentationml/2006/main">
-  <p:cSld>
-    <p:bg>
-      <p:bgPr>
-        <a:solidFill>
-          <a:schemeClr val="bg1"/>
-        </a:solidFill>
-        <a:effectLst/>
-      </p:bgPr>
-    </p:bg>
-    <p:spTree>
-      <p:nvGrpSpPr>
-        <p:cNvPr id="1" name=""/>
-        <p:cNvGrpSpPr/>
-        <p:nvPr/>
-      </p:nvGrpSpPr>
-      <p:grpSpPr>
-        <a:xfrm>
-          <a:off x="0" y="0"/>
-          <a:ext cx="0" cy="0"/>
-          <a:chOff x="0" y="0"/>
-          <a:chExt cx="0" cy="0"/>
-        </a:xfrm>
-      </p:grpSpPr>
-      <p:sp>
-        <p:nvSpPr>
-          <p:cNvPr id="3" name="Subtitle 2">
-            <a:extLst>
-              <a:ext uri="{FF2B5EF4-FFF2-40B4-BE49-F238E27FC236}">
-                <a16:creationId xmlns:a16="http://schemas.microsoft.com/office/drawing/2014/main" id="{4150058A-3ED2-402F-80BC-2329C314E54D}"/>
-              </a:ext>
-            </a:extLst>
-          </p:cNvPr>
-          <p:cNvSpPr>
-            <a:spLocks noGrp="1"/>
-          </p:cNvSpPr>
-          <p:nvPr>
-            <p:ph type="subTitle" idx="1"/>
-          </p:nvPr>
-        </p:nvSpPr>
-        <p:spPr>
-          <a:xfrm>
-            <a:off x="870625" y="3169158"/>
-            <a:ext cx="10450749" cy="1655762"/>
-          </a:xfrm>
-        </p:spPr>
-        <p:txBody>
-          <a:bodyPr>
-            <a:noAutofit/>
-          </a:bodyPr>
-          <a:lstStyle/>
-          <a:p>
-            <a:r>
-              <a:rPr lang="en-US" sz="2000" dirty="0"/>
-              <a:t>Lets look at a possible images you will see later</a:t>
-            </a:r>
-          </a:p>
-          <a:p>
-            <a:r>
-              <a:rPr lang="en-US" sz="2000" dirty="0"/>
-              <a:t>    </a:t>
-            </a:r>
-          </a:p>
-        </p:txBody>
-      </p:sp>
-    </p:spTree>
-    <p:extLst>
-      <p:ext uri="{BB962C8B-B14F-4D97-AF65-F5344CB8AC3E}">
-        <p14:creationId xmlns:p14="http://schemas.microsoft.com/office/powerpoint/2010/main" val="1376146073"/>
-      </p:ext>
-    </p:extLst>
-  </p:cSld>
-  <p:clrMapOvr>
-    <a:masterClrMapping/>
-  </p:clrMapOvr>
-</p:sld>
-</file>
-
-<file path=ppt/slides/slide5.xml><?xml version="1.0" encoding="utf-8"?>
-<p:sld xmlns:a="http://schemas.openxmlformats.org/drawingml/2006/main" xmlns:r="http://schemas.openxmlformats.org/officeDocument/2006/relationships" xmlns:p="http://schemas.openxmlformats.org/presentationml/2006/main">
-  <p:cSld>
-    <p:bg>
-      <p:bgPr>
-        <a:solidFill>
-          <a:schemeClr val="bg1"/>
-        </a:solidFill>
-        <a:effectLst/>
-      </p:bgPr>
-    </p:bg>
-    <p:spTree>
-      <p:nvGrpSpPr>
-        <p:cNvPr id="1" name=""/>
-        <p:cNvGrpSpPr/>
-        <p:nvPr/>
-      </p:nvGrpSpPr>
-      <p:grpSpPr>
-        <a:xfrm>
-          <a:off x="0" y="0"/>
-          <a:ext cx="0" cy="0"/>
-          <a:chOff x="0" y="0"/>
-          <a:chExt cx="0" cy="0"/>
-        </a:xfrm>
-      </p:grpSpPr>
-      <p:pic>
-        <p:nvPicPr>
-          <p:cNvPr id="18" name="Picture 17">
-            <a:extLst>
-              <a:ext uri="{FF2B5EF4-FFF2-40B4-BE49-F238E27FC236}">
-                <a16:creationId xmlns:a16="http://schemas.microsoft.com/office/drawing/2014/main" id="{1BF39550-62EE-48A3-A5F1-B027A0CAAD4B}"/>
-              </a:ext>
-            </a:extLst>
-          </p:cNvPr>
-          <p:cNvPicPr>
-            <a:picLocks noChangeAspect="1"/>
-          </p:cNvPicPr>
-          <p:nvPr/>
-        </p:nvPicPr>
-        <p:blipFill>
-          <a:blip r:embed="rId2">
-            <a:extLst>
-              <a:ext uri="{28A0092B-C50C-407E-A947-70E740481C1C}">
-                <a14:useLocalDpi xmlns:a14="http://schemas.microsoft.com/office/drawing/2010/main" val="0"/>
-              </a:ext>
-            </a:extLst>
-          </a:blip>
-          <a:stretch>
-            <a:fillRect/>
-          </a:stretch>
-        </p:blipFill>
-        <p:spPr>
-          <a:xfrm>
-            <a:off x="952500" y="0"/>
-            <a:ext cx="10287000" cy="6858000"/>
-          </a:xfrm>
-          <a:prstGeom prst="rect">
-            <a:avLst/>
-          </a:prstGeom>
-        </p:spPr>
-      </p:pic>
-      <p:sp>
-        <p:nvSpPr>
-          <p:cNvPr id="8" name="Subtitle 2">
-            <a:extLst>
-              <a:ext uri="{FF2B5EF4-FFF2-40B4-BE49-F238E27FC236}">
-                <a16:creationId xmlns:a16="http://schemas.microsoft.com/office/drawing/2014/main" id="{533A36A2-6DFB-4247-B4BE-821AB1C99F30}"/>
-              </a:ext>
-            </a:extLst>
-          </p:cNvPr>
-          <p:cNvSpPr txBox="1">
-            <a:spLocks/>
-          </p:cNvSpPr>
-          <p:nvPr/>
-        </p:nvSpPr>
-        <p:spPr>
-          <a:xfrm>
-            <a:off x="3946112" y="3013556"/>
-            <a:ext cx="4299775" cy="830887"/>
-          </a:xfrm>
-          <a:prstGeom prst="rect">
-            <a:avLst/>
-          </a:prstGeom>
-          <a:solidFill>
-            <a:schemeClr val="bg1">
-              <a:alpha val="84000"/>
-            </a:schemeClr>
-          </a:solidFill>
-        </p:spPr>
-        <p:txBody>
-          <a:bodyPr vert="horz" lIns="91440" tIns="45720" rIns="91440" bIns="45720" rtlCol="0">
-            <a:noAutofit/>
-          </a:bodyPr>
-          <a:lstStyle>
-            <a:lvl1pPr marL="0" indent="0" algn="ctr" defTabSz="914400" rtl="0" eaLnBrk="1" latinLnBrk="0" hangingPunct="1">
-              <a:lnSpc>
-                <a:spcPct val="90000"/>
-              </a:lnSpc>
-              <a:spcBef>
-                <a:spcPts val="1000"/>
-              </a:spcBef>
-              <a:buFont typeface="Arial" panose="020B0604020202020204" pitchFamily="34" charset="0"/>
-              <a:buNone/>
-              <a:defRPr sz="2400" kern="1200">
-                <a:solidFill>
-                  <a:schemeClr val="tx1"/>
-                </a:solidFill>
-                <a:latin typeface="+mn-lt"/>
-                <a:ea typeface="+mn-ea"/>
-                <a:cs typeface="+mn-cs"/>
-              </a:defRPr>
-            </a:lvl1pPr>
-            <a:lvl2pPr marL="457200" indent="0" algn="ctr" defTabSz="914400" rtl="0" eaLnBrk="1" latinLnBrk="0" hangingPunct="1">
-              <a:lnSpc>
-                <a:spcPct val="90000"/>
-              </a:lnSpc>
-              <a:spcBef>
-                <a:spcPts val="500"/>
-              </a:spcBef>
-              <a:buFont typeface="Arial" panose="020B0604020202020204" pitchFamily="34" charset="0"/>
-              <a:buNone/>
-              <a:defRPr sz="2000" kern="1200">
-                <a:solidFill>
-                  <a:schemeClr val="tx1"/>
-                </a:solidFill>
-                <a:latin typeface="+mn-lt"/>
-                <a:ea typeface="+mn-ea"/>
-                <a:cs typeface="+mn-cs"/>
-              </a:defRPr>
-            </a:lvl2pPr>
-            <a:lvl3pPr marL="914400" indent="0" algn="ctr" defTabSz="914400" rtl="0" eaLnBrk="1" latinLnBrk="0" hangingPunct="1">
-              <a:lnSpc>
-                <a:spcPct val="90000"/>
-              </a:lnSpc>
-              <a:spcBef>
-                <a:spcPts val="500"/>
-              </a:spcBef>
-              <a:buFont typeface="Arial" panose="020B0604020202020204" pitchFamily="34" charset="0"/>
-              <a:buNone/>
-              <a:defRPr sz="1800" kern="1200">
-                <a:solidFill>
-                  <a:schemeClr val="tx1"/>
-                </a:solidFill>
-                <a:latin typeface="+mn-lt"/>
-                <a:ea typeface="+mn-ea"/>
-                <a:cs typeface="+mn-cs"/>
-              </a:defRPr>
-            </a:lvl3pPr>
-            <a:lvl4pPr marL="1371600" indent="0" algn="ctr" defTabSz="914400" rtl="0" eaLnBrk="1" latinLnBrk="0" hangingPunct="1">
-              <a:lnSpc>
-                <a:spcPct val="90000"/>
-              </a:lnSpc>
-              <a:spcBef>
-                <a:spcPts val="500"/>
-              </a:spcBef>
-              <a:buFont typeface="Arial" panose="020B0604020202020204" pitchFamily="34" charset="0"/>
-              <a:buNone/>
-              <a:defRPr sz="1600" kern="1200">
-                <a:solidFill>
-                  <a:schemeClr val="tx1"/>
-                </a:solidFill>
-                <a:latin typeface="+mn-lt"/>
-                <a:ea typeface="+mn-ea"/>
-                <a:cs typeface="+mn-cs"/>
-              </a:defRPr>
-            </a:lvl4pPr>
-            <a:lvl5pPr marL="1828800" indent="0" algn="ctr" defTabSz="914400" rtl="0" eaLnBrk="1" latinLnBrk="0" hangingPunct="1">
-              <a:lnSpc>
-                <a:spcPct val="90000"/>
-              </a:lnSpc>
-              <a:spcBef>
-                <a:spcPts val="500"/>
-              </a:spcBef>
-              <a:buFont typeface="Arial" panose="020B0604020202020204" pitchFamily="34" charset="0"/>
-              <a:buNone/>
-              <a:defRPr sz="1600" kern="1200">
-                <a:solidFill>
-                  <a:schemeClr val="tx1"/>
-                </a:solidFill>
-                <a:latin typeface="+mn-lt"/>
-                <a:ea typeface="+mn-ea"/>
-                <a:cs typeface="+mn-cs"/>
-              </a:defRPr>
-            </a:lvl5pPr>
-            <a:lvl6pPr marL="2286000" indent="0" algn="ctr" defTabSz="914400" rtl="0" eaLnBrk="1" latinLnBrk="0" hangingPunct="1">
-              <a:lnSpc>
-                <a:spcPct val="90000"/>
-              </a:lnSpc>
-              <a:spcBef>
-                <a:spcPts val="500"/>
-              </a:spcBef>
-              <a:buFont typeface="Arial" panose="020B0604020202020204" pitchFamily="34" charset="0"/>
-              <a:buNone/>
-              <a:defRPr sz="1600" kern="1200">
-                <a:solidFill>
-                  <a:schemeClr val="tx1"/>
-                </a:solidFill>
-                <a:latin typeface="+mn-lt"/>
-                <a:ea typeface="+mn-ea"/>
-                <a:cs typeface="+mn-cs"/>
-              </a:defRPr>
-            </a:lvl6pPr>
-            <a:lvl7pPr marL="2743200" indent="0" algn="ctr" defTabSz="914400" rtl="0" eaLnBrk="1" latinLnBrk="0" hangingPunct="1">
-              <a:lnSpc>
-                <a:spcPct val="90000"/>
-              </a:lnSpc>
-              <a:spcBef>
-                <a:spcPts val="500"/>
-              </a:spcBef>
-              <a:buFont typeface="Arial" panose="020B0604020202020204" pitchFamily="34" charset="0"/>
-              <a:buNone/>
-              <a:defRPr sz="1600" kern="1200">
-                <a:solidFill>
-                  <a:schemeClr val="tx1"/>
-                </a:solidFill>
-                <a:latin typeface="+mn-lt"/>
-                <a:ea typeface="+mn-ea"/>
-                <a:cs typeface="+mn-cs"/>
-              </a:defRPr>
-            </a:lvl7pPr>
-            <a:lvl8pPr marL="3200400" indent="0" algn="ctr" defTabSz="914400" rtl="0" eaLnBrk="1" latinLnBrk="0" hangingPunct="1">
-              <a:lnSpc>
-                <a:spcPct val="90000"/>
-              </a:lnSpc>
-              <a:spcBef>
-                <a:spcPts val="500"/>
-              </a:spcBef>
-              <a:buFont typeface="Arial" panose="020B0604020202020204" pitchFamily="34" charset="0"/>
-              <a:buNone/>
-              <a:defRPr sz="1600" kern="1200">
-                <a:solidFill>
-                  <a:schemeClr val="tx1"/>
-                </a:solidFill>
-                <a:latin typeface="+mn-lt"/>
-                <a:ea typeface="+mn-ea"/>
-                <a:cs typeface="+mn-cs"/>
-              </a:defRPr>
-            </a:lvl8pPr>
-            <a:lvl9pPr marL="3657600" indent="0" algn="ctr" defTabSz="914400" rtl="0" eaLnBrk="1" latinLnBrk="0" hangingPunct="1">
-              <a:lnSpc>
-                <a:spcPct val="90000"/>
-              </a:lnSpc>
-              <a:spcBef>
-                <a:spcPts val="500"/>
-              </a:spcBef>
-              <a:buFont typeface="Arial" panose="020B0604020202020204" pitchFamily="34" charset="0"/>
-              <a:buNone/>
-              <a:defRPr sz="1600" kern="1200">
-                <a:solidFill>
-                  <a:schemeClr val="tx1"/>
-                </a:solidFill>
-                <a:latin typeface="+mn-lt"/>
-                <a:ea typeface="+mn-ea"/>
-                <a:cs typeface="+mn-cs"/>
-              </a:defRPr>
-            </a:lvl9pPr>
-          </a:lstStyle>
-          <a:p>
-            <a:r>
-              <a:rPr lang="en-US" sz="2000" dirty="0"/>
-              <a:t>Trials can look like this for example. </a:t>
-            </a:r>
-          </a:p>
-          <a:p>
-            <a:r>
-              <a:rPr lang="en-US" sz="2000" dirty="0"/>
-              <a:t>Can you find the uniquely oriented bar?</a:t>
-            </a:r>
-          </a:p>
-        </p:txBody>
-      </p:sp>
-    </p:spTree>
-    <p:extLst>
-      <p:ext uri="{BB962C8B-B14F-4D97-AF65-F5344CB8AC3E}">
-        <p14:creationId xmlns:p14="http://schemas.microsoft.com/office/powerpoint/2010/main" val="730195967"/>
-      </p:ext>
-    </p:extLst>
-  </p:cSld>
-  <p:clrMapOvr>
-    <a:masterClrMapping/>
-  </p:clrMapOvr>
-</p:sld>
-</file>
-
-<file path=ppt/slides/slide6.xml><?xml version="1.0" encoding="utf-8"?>
-<p:sld xmlns:a="http://schemas.openxmlformats.org/drawingml/2006/main" xmlns:r="http://schemas.openxmlformats.org/officeDocument/2006/relationships" xmlns:p="http://schemas.openxmlformats.org/presentationml/2006/main">
-  <p:cSld>
-    <p:bg>
-      <p:bgPr>
-        <a:solidFill>
-          <a:schemeClr val="bg1"/>
-        </a:solidFill>
-        <a:effectLst/>
-      </p:bgPr>
-    </p:bg>
-    <p:spTree>
-      <p:nvGrpSpPr>
-        <p:cNvPr id="1" name=""/>
-        <p:cNvGrpSpPr/>
-        <p:nvPr/>
-      </p:nvGrpSpPr>
-      <p:grpSpPr>
-        <a:xfrm>
-          <a:off x="0" y="0"/>
-          <a:ext cx="0" cy="0"/>
-          <a:chOff x="0" y="0"/>
-          <a:chExt cx="0" cy="0"/>
-        </a:xfrm>
-      </p:grpSpPr>
-      <p:pic>
-        <p:nvPicPr>
-          <p:cNvPr id="14" name="Picture 13">
-            <a:extLst>
-              <a:ext uri="{FF2B5EF4-FFF2-40B4-BE49-F238E27FC236}">
-                <a16:creationId xmlns:a16="http://schemas.microsoft.com/office/drawing/2014/main" id="{1B53E8EB-C830-43B7-A9AF-25B365065B58}"/>
-              </a:ext>
-            </a:extLst>
-          </p:cNvPr>
-          <p:cNvPicPr>
-            <a:picLocks noChangeAspect="1"/>
-          </p:cNvPicPr>
-          <p:nvPr/>
-        </p:nvPicPr>
-        <p:blipFill>
-          <a:blip r:embed="rId2">
-            <a:extLst>
-              <a:ext uri="{28A0092B-C50C-407E-A947-70E740481C1C}">
-                <a14:useLocalDpi xmlns:a14="http://schemas.microsoft.com/office/drawing/2010/main" val="0"/>
-              </a:ext>
-            </a:extLst>
-          </a:blip>
-          <a:stretch>
-            <a:fillRect/>
-          </a:stretch>
-        </p:blipFill>
-        <p:spPr>
-          <a:xfrm>
-            <a:off x="952500" y="0"/>
-            <a:ext cx="10287000" cy="6858000"/>
-          </a:xfrm>
-          <a:prstGeom prst="rect">
-            <a:avLst/>
-          </a:prstGeom>
-        </p:spPr>
-      </p:pic>
-      <p:sp>
-        <p:nvSpPr>
-          <p:cNvPr id="10" name="Subtitle 2">
-            <a:extLst>
-              <a:ext uri="{FF2B5EF4-FFF2-40B4-BE49-F238E27FC236}">
-                <a16:creationId xmlns:a16="http://schemas.microsoft.com/office/drawing/2014/main" id="{9B7C3DE0-6742-4AFB-9E2C-B8C6780D6763}"/>
-              </a:ext>
-            </a:extLst>
-          </p:cNvPr>
-          <p:cNvSpPr txBox="1">
-            <a:spLocks/>
-          </p:cNvSpPr>
-          <p:nvPr/>
-        </p:nvSpPr>
-        <p:spPr>
-          <a:xfrm>
-            <a:off x="2039082" y="3013556"/>
-            <a:ext cx="8113836" cy="830887"/>
-          </a:xfrm>
-          <a:prstGeom prst="rect">
-            <a:avLst/>
-          </a:prstGeom>
-          <a:solidFill>
-            <a:schemeClr val="bg1">
-              <a:alpha val="84000"/>
-            </a:schemeClr>
-          </a:solidFill>
-        </p:spPr>
-        <p:txBody>
-          <a:bodyPr vert="horz" lIns="91440" tIns="45720" rIns="91440" bIns="45720" rtlCol="0">
-            <a:noAutofit/>
-          </a:bodyPr>
-          <a:lstStyle>
-            <a:lvl1pPr marL="0" indent="0" algn="ctr" defTabSz="914400" rtl="0" eaLnBrk="1" latinLnBrk="0" hangingPunct="1">
-              <a:lnSpc>
-                <a:spcPct val="90000"/>
-              </a:lnSpc>
-              <a:spcBef>
-                <a:spcPts val="1000"/>
-              </a:spcBef>
-              <a:buFont typeface="Arial" panose="020B0604020202020204" pitchFamily="34" charset="0"/>
-              <a:buNone/>
-              <a:defRPr sz="2400" kern="1200">
-                <a:solidFill>
-                  <a:schemeClr val="tx1"/>
-                </a:solidFill>
-                <a:latin typeface="+mn-lt"/>
-                <a:ea typeface="+mn-ea"/>
-                <a:cs typeface="+mn-cs"/>
-              </a:defRPr>
-            </a:lvl1pPr>
-            <a:lvl2pPr marL="457200" indent="0" algn="ctr" defTabSz="914400" rtl="0" eaLnBrk="1" latinLnBrk="0" hangingPunct="1">
-              <a:lnSpc>
-                <a:spcPct val="90000"/>
-              </a:lnSpc>
-              <a:spcBef>
-                <a:spcPts val="500"/>
-              </a:spcBef>
-              <a:buFont typeface="Arial" panose="020B0604020202020204" pitchFamily="34" charset="0"/>
-              <a:buNone/>
-              <a:defRPr sz="2000" kern="1200">
-                <a:solidFill>
-                  <a:schemeClr val="tx1"/>
-                </a:solidFill>
-                <a:latin typeface="+mn-lt"/>
-                <a:ea typeface="+mn-ea"/>
-                <a:cs typeface="+mn-cs"/>
-              </a:defRPr>
-            </a:lvl2pPr>
-            <a:lvl3pPr marL="914400" indent="0" algn="ctr" defTabSz="914400" rtl="0" eaLnBrk="1" latinLnBrk="0" hangingPunct="1">
-              <a:lnSpc>
-                <a:spcPct val="90000"/>
-              </a:lnSpc>
-              <a:spcBef>
-                <a:spcPts val="500"/>
-              </a:spcBef>
-              <a:buFont typeface="Arial" panose="020B0604020202020204" pitchFamily="34" charset="0"/>
-              <a:buNone/>
-              <a:defRPr sz="1800" kern="1200">
-                <a:solidFill>
-                  <a:schemeClr val="tx1"/>
-                </a:solidFill>
-                <a:latin typeface="+mn-lt"/>
-                <a:ea typeface="+mn-ea"/>
-                <a:cs typeface="+mn-cs"/>
-              </a:defRPr>
-            </a:lvl3pPr>
-            <a:lvl4pPr marL="1371600" indent="0" algn="ctr" defTabSz="914400" rtl="0" eaLnBrk="1" latinLnBrk="0" hangingPunct="1">
-              <a:lnSpc>
-                <a:spcPct val="90000"/>
-              </a:lnSpc>
-              <a:spcBef>
-                <a:spcPts val="500"/>
-              </a:spcBef>
-              <a:buFont typeface="Arial" panose="020B0604020202020204" pitchFamily="34" charset="0"/>
-              <a:buNone/>
-              <a:defRPr sz="1600" kern="1200">
-                <a:solidFill>
-                  <a:schemeClr val="tx1"/>
-                </a:solidFill>
-                <a:latin typeface="+mn-lt"/>
-                <a:ea typeface="+mn-ea"/>
-                <a:cs typeface="+mn-cs"/>
-              </a:defRPr>
-            </a:lvl4pPr>
-            <a:lvl5pPr marL="1828800" indent="0" algn="ctr" defTabSz="914400" rtl="0" eaLnBrk="1" latinLnBrk="0" hangingPunct="1">
-              <a:lnSpc>
-                <a:spcPct val="90000"/>
-              </a:lnSpc>
-              <a:spcBef>
-                <a:spcPts val="500"/>
-              </a:spcBef>
-              <a:buFont typeface="Arial" panose="020B0604020202020204" pitchFamily="34" charset="0"/>
-              <a:buNone/>
-              <a:defRPr sz="1600" kern="1200">
-                <a:solidFill>
-                  <a:schemeClr val="tx1"/>
-                </a:solidFill>
-                <a:latin typeface="+mn-lt"/>
-                <a:ea typeface="+mn-ea"/>
-                <a:cs typeface="+mn-cs"/>
-              </a:defRPr>
-            </a:lvl5pPr>
-            <a:lvl6pPr marL="2286000" indent="0" algn="ctr" defTabSz="914400" rtl="0" eaLnBrk="1" latinLnBrk="0" hangingPunct="1">
-              <a:lnSpc>
-                <a:spcPct val="90000"/>
-              </a:lnSpc>
-              <a:spcBef>
-                <a:spcPts val="500"/>
-              </a:spcBef>
-              <a:buFont typeface="Arial" panose="020B0604020202020204" pitchFamily="34" charset="0"/>
-              <a:buNone/>
-              <a:defRPr sz="1600" kern="1200">
-                <a:solidFill>
-                  <a:schemeClr val="tx1"/>
-                </a:solidFill>
-                <a:latin typeface="+mn-lt"/>
-                <a:ea typeface="+mn-ea"/>
-                <a:cs typeface="+mn-cs"/>
-              </a:defRPr>
-            </a:lvl6pPr>
-            <a:lvl7pPr marL="2743200" indent="0" algn="ctr" defTabSz="914400" rtl="0" eaLnBrk="1" latinLnBrk="0" hangingPunct="1">
-              <a:lnSpc>
-                <a:spcPct val="90000"/>
-              </a:lnSpc>
-              <a:spcBef>
-                <a:spcPts val="500"/>
-              </a:spcBef>
-              <a:buFont typeface="Arial" panose="020B0604020202020204" pitchFamily="34" charset="0"/>
-              <a:buNone/>
-              <a:defRPr sz="1600" kern="1200">
-                <a:solidFill>
-                  <a:schemeClr val="tx1"/>
-                </a:solidFill>
-                <a:latin typeface="+mn-lt"/>
-                <a:ea typeface="+mn-ea"/>
-                <a:cs typeface="+mn-cs"/>
-              </a:defRPr>
-            </a:lvl7pPr>
-            <a:lvl8pPr marL="3200400" indent="0" algn="ctr" defTabSz="914400" rtl="0" eaLnBrk="1" latinLnBrk="0" hangingPunct="1">
-              <a:lnSpc>
-                <a:spcPct val="90000"/>
-              </a:lnSpc>
-              <a:spcBef>
-                <a:spcPts val="500"/>
-              </a:spcBef>
-              <a:buFont typeface="Arial" panose="020B0604020202020204" pitchFamily="34" charset="0"/>
-              <a:buNone/>
-              <a:defRPr sz="1600" kern="1200">
-                <a:solidFill>
-                  <a:schemeClr val="tx1"/>
-                </a:solidFill>
-                <a:latin typeface="+mn-lt"/>
-                <a:ea typeface="+mn-ea"/>
-                <a:cs typeface="+mn-cs"/>
-              </a:defRPr>
-            </a:lvl8pPr>
-            <a:lvl9pPr marL="3657600" indent="0" algn="ctr" defTabSz="914400" rtl="0" eaLnBrk="1" latinLnBrk="0" hangingPunct="1">
-              <a:lnSpc>
-                <a:spcPct val="90000"/>
-              </a:lnSpc>
-              <a:spcBef>
-                <a:spcPts val="500"/>
-              </a:spcBef>
-              <a:buFont typeface="Arial" panose="020B0604020202020204" pitchFamily="34" charset="0"/>
-              <a:buNone/>
-              <a:defRPr sz="1600" kern="1200">
-                <a:solidFill>
-                  <a:schemeClr val="tx1"/>
-                </a:solidFill>
-                <a:latin typeface="+mn-lt"/>
-                <a:ea typeface="+mn-ea"/>
-                <a:cs typeface="+mn-cs"/>
-              </a:defRPr>
-            </a:lvl9pPr>
-          </a:lstStyle>
-          <a:p>
-            <a:r>
-              <a:rPr lang="en-US" sz="2000" dirty="0"/>
-              <a:t>Some trials have horizontal &amp; vertical bars added on top of the relevant bars.</a:t>
-            </a:r>
-          </a:p>
-          <a:p>
-            <a:r>
-              <a:rPr lang="en-US" sz="2000" dirty="0"/>
-              <a:t>Can you still see the uniquely oriented bar?</a:t>
-            </a:r>
-          </a:p>
-        </p:txBody>
-      </p:sp>
-    </p:spTree>
-    <p:extLst>
-      <p:ext uri="{BB962C8B-B14F-4D97-AF65-F5344CB8AC3E}">
-        <p14:creationId xmlns:p14="http://schemas.microsoft.com/office/powerpoint/2010/main" val="674618842"/>
-      </p:ext>
-    </p:extLst>
-  </p:cSld>
-  <p:clrMapOvr>
-    <a:masterClrMapping/>
-  </p:clrMapOvr>
-</p:sld>
-</file>
-
-<file path=ppt/slides/slide7.xml><?xml version="1.0" encoding="utf-8"?>
-<p:sld xmlns:a="http://schemas.openxmlformats.org/drawingml/2006/main" xmlns:r="http://schemas.openxmlformats.org/officeDocument/2006/relationships" xmlns:p="http://schemas.openxmlformats.org/presentationml/2006/main">
-  <p:cSld>
-    <p:bg>
-      <p:bgPr>
-        <a:solidFill>
-          <a:schemeClr val="bg1"/>
-        </a:solidFill>
-        <a:effectLst/>
-      </p:bgPr>
-    </p:bg>
-    <p:spTree>
-      <p:nvGrpSpPr>
-        <p:cNvPr id="1" name=""/>
-        <p:cNvGrpSpPr/>
-        <p:nvPr/>
-      </p:nvGrpSpPr>
-      <p:grpSpPr>
-        <a:xfrm>
-          <a:off x="0" y="0"/>
-          <a:ext cx="0" cy="0"/>
-          <a:chOff x="0" y="0"/>
-          <a:chExt cx="0" cy="0"/>
-        </a:xfrm>
-      </p:grpSpPr>
-      <p:sp>
-        <p:nvSpPr>
-          <p:cNvPr id="3" name="Subtitle 2">
-            <a:extLst>
-              <a:ext uri="{FF2B5EF4-FFF2-40B4-BE49-F238E27FC236}">
-                <a16:creationId xmlns:a16="http://schemas.microsoft.com/office/drawing/2014/main" id="{4150058A-3ED2-402F-80BC-2329C314E54D}"/>
-              </a:ext>
-            </a:extLst>
-          </p:cNvPr>
-          <p:cNvSpPr>
-            <a:spLocks noGrp="1"/>
-          </p:cNvSpPr>
-          <p:nvPr>
-            <p:ph type="subTitle" idx="1"/>
-          </p:nvPr>
-        </p:nvSpPr>
-        <p:spPr>
-          <a:xfrm>
-            <a:off x="870625" y="1432770"/>
-            <a:ext cx="10450749" cy="1655762"/>
-          </a:xfrm>
-        </p:spPr>
-        <p:txBody>
-          <a:bodyPr>
-            <a:noAutofit/>
-          </a:bodyPr>
-          <a:lstStyle/>
-          <a:p>
-            <a:r>
-              <a:rPr lang="en-US" sz="2000" dirty="0"/>
-              <a:t>Each trial starts with a prompt: </a:t>
-            </a:r>
-          </a:p>
-          <a:p>
-            <a:endParaRPr lang="de-DE" sz="2000" dirty="0"/>
-          </a:p>
-          <a:p>
-            <a:endParaRPr lang="en-US" sz="2000" dirty="0"/>
-          </a:p>
-          <a:p>
-            <a:endParaRPr lang="en-US" sz="2000" dirty="0"/>
-          </a:p>
-          <a:p>
-            <a:r>
-              <a:rPr lang="en-US" sz="2000" dirty="0">
+              <a:rPr lang="en-US" sz="2267" dirty="0"/>
+              <a:t>Each trial starts with a prompt</a:t>
+            </a:r>
+          </a:p>
+          <a:p>
+            <a:endParaRPr lang="en-US" sz="2267" dirty="0"/>
+          </a:p>
+          <a:p>
+            <a:endParaRPr lang="de-DE" sz="2267" dirty="0"/>
+          </a:p>
+          <a:p>
+            <a:endParaRPr lang="en-US" sz="2267" dirty="0"/>
+          </a:p>
+          <a:p>
+            <a:r>
+              <a:rPr lang="en-US" sz="2267" dirty="0">
                 <a:latin typeface="+mj-lt"/>
               </a:rPr>
-              <a:t>Press any button to continue with the next trial</a:t>
-            </a:r>
-          </a:p>
-          <a:p>
-            <a:endParaRPr lang="en-US" sz="2000" dirty="0"/>
-          </a:p>
-          <a:p>
-            <a:endParaRPr lang="en-US" sz="2000" dirty="0"/>
+              <a:t>Put your two index fingers on the shift buttons to get ready</a:t>
+            </a:r>
+          </a:p>
+          <a:p>
+            <a:r>
+              <a:rPr lang="en-US" sz="2267" dirty="0">
+                <a:latin typeface="+mj-lt"/>
+              </a:rPr>
+              <a:t>and press either of them to continue with the next trial</a:t>
+            </a:r>
+          </a:p>
+          <a:p>
+            <a:endParaRPr lang="en-US" sz="2267" dirty="0"/>
+          </a:p>
+          <a:p>
+            <a:endParaRPr lang="en-US" sz="2267" dirty="0"/>
           </a:p>
         </p:txBody>
       </p:sp>
@@ -4709,7 +3151,7 @@
 </p:sld>
 </file>
 
-<file path=ppt/slides/slide8.xml><?xml version="1.0" encoding="utf-8"?>
+<file path=ppt/slides/slide11.xml><?xml version="1.0" encoding="utf-8"?>
 <p:sld xmlns:a="http://schemas.openxmlformats.org/drawingml/2006/main" xmlns:r="http://schemas.openxmlformats.org/officeDocument/2006/relationships" xmlns:p="http://schemas.openxmlformats.org/presentationml/2006/main">
   <p:cSld>
     <p:bg>
@@ -4762,8 +3204,82 @@
         </p:blipFill>
         <p:spPr>
           <a:xfrm>
-            <a:off x="952500" y="0"/>
-            <a:ext cx="10287000" cy="6858000"/>
+            <a:off x="-23018" y="0"/>
+            <a:ext cx="11658600" cy="7772400"/>
+          </a:xfrm>
+          <a:prstGeom prst="rect">
+            <a:avLst/>
+          </a:prstGeom>
+        </p:spPr>
+      </p:pic>
+    </p:spTree>
+    <p:extLst>
+      <p:ext uri="{BB962C8B-B14F-4D97-AF65-F5344CB8AC3E}">
+        <p14:creationId xmlns:p14="http://schemas.microsoft.com/office/powerpoint/2010/main" val="1553076183"/>
+      </p:ext>
+    </p:extLst>
+  </p:cSld>
+  <p:clrMapOvr>
+    <a:masterClrMapping/>
+  </p:clrMapOvr>
+</p:sld>
+</file>
+
+<file path=ppt/slides/slide12.xml><?xml version="1.0" encoding="utf-8"?>
+<p:sld xmlns:a="http://schemas.openxmlformats.org/drawingml/2006/main" xmlns:r="http://schemas.openxmlformats.org/officeDocument/2006/relationships" xmlns:p="http://schemas.openxmlformats.org/presentationml/2006/main">
+  <p:cSld>
+    <p:bg>
+      <p:bgPr>
+        <a:solidFill>
+          <a:schemeClr val="bg1"/>
+        </a:solidFill>
+        <a:effectLst/>
+      </p:bgPr>
+    </p:bg>
+    <p:spTree>
+      <p:nvGrpSpPr>
+        <p:cNvPr id="1" name=""/>
+        <p:cNvGrpSpPr/>
+        <p:nvPr/>
+      </p:nvGrpSpPr>
+      <p:grpSpPr>
+        <a:xfrm>
+          <a:off x="0" y="0"/>
+          <a:ext cx="0" cy="0"/>
+          <a:chOff x="0" y="0"/>
+          <a:chExt cx="0" cy="0"/>
+        </a:xfrm>
+      </p:grpSpPr>
+      <p:pic>
+        <p:nvPicPr>
+          <p:cNvPr id="6" name="Picture 5">
+            <a:extLst>
+              <a:ext uri="{FF2B5EF4-FFF2-40B4-BE49-F238E27FC236}">
+                <a16:creationId xmlns:a16="http://schemas.microsoft.com/office/drawing/2014/main" id="{95BE0D30-982B-44DE-8745-1F76C56225F9}"/>
+              </a:ext>
+            </a:extLst>
+          </p:cNvPr>
+          <p:cNvPicPr>
+            <a:picLocks noChangeAspect="1"/>
+          </p:cNvPicPr>
+          <p:nvPr/>
+        </p:nvPicPr>
+        <p:blipFill>
+          <a:blip r:embed="rId2">
+            <a:extLst>
+              <a:ext uri="{28A0092B-C50C-407E-A947-70E740481C1C}">
+                <a14:useLocalDpi xmlns:a14="http://schemas.microsoft.com/office/drawing/2010/main" val="0"/>
+              </a:ext>
+            </a:extLst>
+          </a:blip>
+          <a:stretch>
+            <a:fillRect/>
+          </a:stretch>
+        </p:blipFill>
+        <p:spPr>
+          <a:xfrm>
+            <a:off x="-23018" y="0"/>
+            <a:ext cx="11658600" cy="7772400"/>
           </a:xfrm>
           <a:prstGeom prst="rect">
             <a:avLst/>
@@ -4788,8 +3304,8 @@
         </p:nvSpPr>
         <p:spPr>
           <a:xfrm>
-            <a:off x="870625" y="1413315"/>
-            <a:ext cx="10450749" cy="1655762"/>
+            <a:off x="-115810" y="1601761"/>
+            <a:ext cx="11844182" cy="1876531"/>
           </a:xfrm>
         </p:spPr>
         <p:txBody>
@@ -4799,33 +3315,2347 @@
           <a:lstStyle/>
           <a:p>
             <a:r>
-              <a:rPr lang="de-DE" sz="2000" dirty="0"/>
+              <a:rPr lang="de-DE" sz="2267" dirty="0"/>
               <a:t>O</a:t>
             </a:r>
             <a:r>
-              <a:rPr lang="en-US" sz="2000" dirty="0" err="1"/>
+              <a:rPr lang="en-US" sz="2267" dirty="0" err="1"/>
               <a:t>nce</a:t>
             </a:r>
             <a:r>
-              <a:rPr lang="en-US" sz="2000" dirty="0"/>
-              <a:t> you press a button you will be presented with a fixation dot in the middle of the screen.</a:t>
-            </a:r>
-          </a:p>
-          <a:p>
-            <a:r>
-              <a:rPr lang="en-US" sz="2000" dirty="0"/>
-              <a:t>It will disappear after around half a second and the search task will start. </a:t>
-            </a:r>
-          </a:p>
-          <a:p>
-            <a:endParaRPr lang="en-US" sz="2000" dirty="0"/>
+              <a:rPr lang="en-US" sz="2267" dirty="0"/>
+              <a:t> you press a button you will be presented with a fixation dot to look at</a:t>
+            </a:r>
+          </a:p>
+          <a:p>
+            <a:r>
+              <a:rPr lang="en-US" sz="2267" dirty="0"/>
+              <a:t> in the middle of the screen.</a:t>
+            </a:r>
+          </a:p>
+          <a:p>
+            <a:r>
+              <a:rPr lang="en-US" sz="2267" dirty="0"/>
+              <a:t>It will disappear after half a second and the search task will start. </a:t>
+            </a:r>
+          </a:p>
+          <a:p>
+            <a:endParaRPr lang="en-US" sz="2267" dirty="0"/>
           </a:p>
         </p:txBody>
       </p:sp>
     </p:spTree>
     <p:extLst>
       <p:ext uri="{BB962C8B-B14F-4D97-AF65-F5344CB8AC3E}">
-        <p14:creationId xmlns:p14="http://schemas.microsoft.com/office/powerpoint/2010/main" val="1553076183"/>
+        <p14:creationId xmlns:p14="http://schemas.microsoft.com/office/powerpoint/2010/main" val="2229888297"/>
+      </p:ext>
+    </p:extLst>
+  </p:cSld>
+  <p:clrMapOvr>
+    <a:masterClrMapping/>
+  </p:clrMapOvr>
+</p:sld>
+</file>
+
+<file path=ppt/slides/slide13.xml><?xml version="1.0" encoding="utf-8"?>
+<p:sld xmlns:a="http://schemas.openxmlformats.org/drawingml/2006/main" xmlns:r="http://schemas.openxmlformats.org/officeDocument/2006/relationships" xmlns:p="http://schemas.openxmlformats.org/presentationml/2006/main">
+  <p:cSld>
+    <p:bg>
+      <p:bgPr>
+        <a:solidFill>
+          <a:schemeClr val="bg1"/>
+        </a:solidFill>
+        <a:effectLst/>
+      </p:bgPr>
+    </p:bg>
+    <p:spTree>
+      <p:nvGrpSpPr>
+        <p:cNvPr id="1" name=""/>
+        <p:cNvGrpSpPr/>
+        <p:nvPr/>
+      </p:nvGrpSpPr>
+      <p:grpSpPr>
+        <a:xfrm>
+          <a:off x="0" y="0"/>
+          <a:ext cx="0" cy="0"/>
+          <a:chOff x="0" y="0"/>
+          <a:chExt cx="0" cy="0"/>
+        </a:xfrm>
+      </p:grpSpPr>
+      <p:pic>
+        <p:nvPicPr>
+          <p:cNvPr id="6" name="Picture 5">
+            <a:extLst>
+              <a:ext uri="{FF2B5EF4-FFF2-40B4-BE49-F238E27FC236}">
+                <a16:creationId xmlns:a16="http://schemas.microsoft.com/office/drawing/2014/main" id="{51D7FBD5-F979-4129-B13B-C8961A91F45A}"/>
+              </a:ext>
+            </a:extLst>
+          </p:cNvPr>
+          <p:cNvPicPr>
+            <a:picLocks noChangeAspect="1"/>
+          </p:cNvPicPr>
+          <p:nvPr/>
+        </p:nvPicPr>
+        <p:blipFill>
+          <a:blip r:embed="rId2">
+            <a:extLst>
+              <a:ext uri="{28A0092B-C50C-407E-A947-70E740481C1C}">
+                <a14:useLocalDpi xmlns:a14="http://schemas.microsoft.com/office/drawing/2010/main" val="0"/>
+              </a:ext>
+            </a:extLst>
+          </a:blip>
+          <a:stretch>
+            <a:fillRect/>
+          </a:stretch>
+        </p:blipFill>
+        <p:spPr>
+          <a:xfrm>
+            <a:off x="0" y="15345"/>
+            <a:ext cx="11612562" cy="7741708"/>
+          </a:xfrm>
+          <a:prstGeom prst="rect">
+            <a:avLst/>
+          </a:prstGeom>
+        </p:spPr>
+      </p:pic>
+    </p:spTree>
+    <p:extLst>
+      <p:ext uri="{BB962C8B-B14F-4D97-AF65-F5344CB8AC3E}">
+        <p14:creationId xmlns:p14="http://schemas.microsoft.com/office/powerpoint/2010/main" val="4165867385"/>
+      </p:ext>
+    </p:extLst>
+  </p:cSld>
+  <p:clrMapOvr>
+    <a:masterClrMapping/>
+  </p:clrMapOvr>
+</p:sld>
+</file>
+
+<file path=ppt/slides/slide14.xml><?xml version="1.0" encoding="utf-8"?>
+<p:sld xmlns:a="http://schemas.openxmlformats.org/drawingml/2006/main" xmlns:r="http://schemas.openxmlformats.org/officeDocument/2006/relationships" xmlns:p="http://schemas.openxmlformats.org/presentationml/2006/main">
+  <p:cSld>
+    <p:bg>
+      <p:bgPr>
+        <a:solidFill>
+          <a:schemeClr val="bg1"/>
+        </a:solidFill>
+        <a:effectLst/>
+      </p:bgPr>
+    </p:bg>
+    <p:spTree>
+      <p:nvGrpSpPr>
+        <p:cNvPr id="1" name=""/>
+        <p:cNvGrpSpPr/>
+        <p:nvPr/>
+      </p:nvGrpSpPr>
+      <p:grpSpPr>
+        <a:xfrm>
+          <a:off x="0" y="0"/>
+          <a:ext cx="0" cy="0"/>
+          <a:chOff x="0" y="0"/>
+          <a:chExt cx="0" cy="0"/>
+        </a:xfrm>
+      </p:grpSpPr>
+      <p:pic>
+        <p:nvPicPr>
+          <p:cNvPr id="6" name="Picture 5">
+            <a:extLst>
+              <a:ext uri="{FF2B5EF4-FFF2-40B4-BE49-F238E27FC236}">
+                <a16:creationId xmlns:a16="http://schemas.microsoft.com/office/drawing/2014/main" id="{51D7FBD5-F979-4129-B13B-C8961A91F45A}"/>
+              </a:ext>
+            </a:extLst>
+          </p:cNvPr>
+          <p:cNvPicPr>
+            <a:picLocks noChangeAspect="1"/>
+          </p:cNvPicPr>
+          <p:nvPr/>
+        </p:nvPicPr>
+        <p:blipFill>
+          <a:blip r:embed="rId2">
+            <a:extLst>
+              <a:ext uri="{28A0092B-C50C-407E-A947-70E740481C1C}">
+                <a14:useLocalDpi xmlns:a14="http://schemas.microsoft.com/office/drawing/2010/main" val="0"/>
+              </a:ext>
+            </a:extLst>
+          </a:blip>
+          <a:stretch>
+            <a:fillRect/>
+          </a:stretch>
+        </p:blipFill>
+        <p:spPr>
+          <a:xfrm>
+            <a:off x="0" y="15345"/>
+            <a:ext cx="11612562" cy="7741708"/>
+          </a:xfrm>
+          <a:prstGeom prst="rect">
+            <a:avLst/>
+          </a:prstGeom>
+        </p:spPr>
+      </p:pic>
+      <p:sp>
+        <p:nvSpPr>
+          <p:cNvPr id="7" name="Subtitle 2">
+            <a:extLst>
+              <a:ext uri="{FF2B5EF4-FFF2-40B4-BE49-F238E27FC236}">
+                <a16:creationId xmlns:a16="http://schemas.microsoft.com/office/drawing/2014/main" id="{F5105DAE-1065-43D1-844E-30D079D6CA6F}"/>
+              </a:ext>
+            </a:extLst>
+          </p:cNvPr>
+          <p:cNvSpPr txBox="1">
+            <a:spLocks/>
+          </p:cNvSpPr>
+          <p:nvPr/>
+        </p:nvSpPr>
+        <p:spPr>
+          <a:xfrm>
+            <a:off x="1370701" y="3415364"/>
+            <a:ext cx="8871159" cy="941672"/>
+          </a:xfrm>
+          <a:prstGeom prst="rect">
+            <a:avLst/>
+          </a:prstGeom>
+          <a:solidFill>
+            <a:schemeClr val="bg1">
+              <a:alpha val="84000"/>
+            </a:schemeClr>
+          </a:solidFill>
+        </p:spPr>
+        <p:txBody>
+          <a:bodyPr vert="horz" lIns="103632" tIns="51816" rIns="103632" bIns="51816" rtlCol="0">
+            <a:noAutofit/>
+          </a:bodyPr>
+          <a:lstStyle>
+            <a:lvl1pPr marL="0" indent="0" algn="ctr" defTabSz="914400" rtl="0" eaLnBrk="1" latinLnBrk="0" hangingPunct="1">
+              <a:lnSpc>
+                <a:spcPct val="90000"/>
+              </a:lnSpc>
+              <a:spcBef>
+                <a:spcPts val="1000"/>
+              </a:spcBef>
+              <a:buFont typeface="Arial" panose="020B0604020202020204" pitchFamily="34" charset="0"/>
+              <a:buNone/>
+              <a:defRPr sz="2400" kern="1200">
+                <a:solidFill>
+                  <a:schemeClr val="tx1"/>
+                </a:solidFill>
+                <a:latin typeface="+mn-lt"/>
+                <a:ea typeface="+mn-ea"/>
+                <a:cs typeface="+mn-cs"/>
+              </a:defRPr>
+            </a:lvl1pPr>
+            <a:lvl2pPr marL="457200" indent="0" algn="ctr" defTabSz="914400" rtl="0" eaLnBrk="1" latinLnBrk="0" hangingPunct="1">
+              <a:lnSpc>
+                <a:spcPct val="90000"/>
+              </a:lnSpc>
+              <a:spcBef>
+                <a:spcPts val="500"/>
+              </a:spcBef>
+              <a:buFont typeface="Arial" panose="020B0604020202020204" pitchFamily="34" charset="0"/>
+              <a:buNone/>
+              <a:defRPr sz="2000" kern="1200">
+                <a:solidFill>
+                  <a:schemeClr val="tx1"/>
+                </a:solidFill>
+                <a:latin typeface="+mn-lt"/>
+                <a:ea typeface="+mn-ea"/>
+                <a:cs typeface="+mn-cs"/>
+              </a:defRPr>
+            </a:lvl2pPr>
+            <a:lvl3pPr marL="914400" indent="0" algn="ctr" defTabSz="914400" rtl="0" eaLnBrk="1" latinLnBrk="0" hangingPunct="1">
+              <a:lnSpc>
+                <a:spcPct val="90000"/>
+              </a:lnSpc>
+              <a:spcBef>
+                <a:spcPts val="500"/>
+              </a:spcBef>
+              <a:buFont typeface="Arial" panose="020B0604020202020204" pitchFamily="34" charset="0"/>
+              <a:buNone/>
+              <a:defRPr sz="1800" kern="1200">
+                <a:solidFill>
+                  <a:schemeClr val="tx1"/>
+                </a:solidFill>
+                <a:latin typeface="+mn-lt"/>
+                <a:ea typeface="+mn-ea"/>
+                <a:cs typeface="+mn-cs"/>
+              </a:defRPr>
+            </a:lvl3pPr>
+            <a:lvl4pPr marL="1371600" indent="0" algn="ctr" defTabSz="914400" rtl="0" eaLnBrk="1" latinLnBrk="0" hangingPunct="1">
+              <a:lnSpc>
+                <a:spcPct val="90000"/>
+              </a:lnSpc>
+              <a:spcBef>
+                <a:spcPts val="500"/>
+              </a:spcBef>
+              <a:buFont typeface="Arial" panose="020B0604020202020204" pitchFamily="34" charset="0"/>
+              <a:buNone/>
+              <a:defRPr sz="1600" kern="1200">
+                <a:solidFill>
+                  <a:schemeClr val="tx1"/>
+                </a:solidFill>
+                <a:latin typeface="+mn-lt"/>
+                <a:ea typeface="+mn-ea"/>
+                <a:cs typeface="+mn-cs"/>
+              </a:defRPr>
+            </a:lvl4pPr>
+            <a:lvl5pPr marL="1828800" indent="0" algn="ctr" defTabSz="914400" rtl="0" eaLnBrk="1" latinLnBrk="0" hangingPunct="1">
+              <a:lnSpc>
+                <a:spcPct val="90000"/>
+              </a:lnSpc>
+              <a:spcBef>
+                <a:spcPts val="500"/>
+              </a:spcBef>
+              <a:buFont typeface="Arial" panose="020B0604020202020204" pitchFamily="34" charset="0"/>
+              <a:buNone/>
+              <a:defRPr sz="1600" kern="1200">
+                <a:solidFill>
+                  <a:schemeClr val="tx1"/>
+                </a:solidFill>
+                <a:latin typeface="+mn-lt"/>
+                <a:ea typeface="+mn-ea"/>
+                <a:cs typeface="+mn-cs"/>
+              </a:defRPr>
+            </a:lvl5pPr>
+            <a:lvl6pPr marL="2286000" indent="0" algn="ctr" defTabSz="914400" rtl="0" eaLnBrk="1" latinLnBrk="0" hangingPunct="1">
+              <a:lnSpc>
+                <a:spcPct val="90000"/>
+              </a:lnSpc>
+              <a:spcBef>
+                <a:spcPts val="500"/>
+              </a:spcBef>
+              <a:buFont typeface="Arial" panose="020B0604020202020204" pitchFamily="34" charset="0"/>
+              <a:buNone/>
+              <a:defRPr sz="1600" kern="1200">
+                <a:solidFill>
+                  <a:schemeClr val="tx1"/>
+                </a:solidFill>
+                <a:latin typeface="+mn-lt"/>
+                <a:ea typeface="+mn-ea"/>
+                <a:cs typeface="+mn-cs"/>
+              </a:defRPr>
+            </a:lvl6pPr>
+            <a:lvl7pPr marL="2743200" indent="0" algn="ctr" defTabSz="914400" rtl="0" eaLnBrk="1" latinLnBrk="0" hangingPunct="1">
+              <a:lnSpc>
+                <a:spcPct val="90000"/>
+              </a:lnSpc>
+              <a:spcBef>
+                <a:spcPts val="500"/>
+              </a:spcBef>
+              <a:buFont typeface="Arial" panose="020B0604020202020204" pitchFamily="34" charset="0"/>
+              <a:buNone/>
+              <a:defRPr sz="1600" kern="1200">
+                <a:solidFill>
+                  <a:schemeClr val="tx1"/>
+                </a:solidFill>
+                <a:latin typeface="+mn-lt"/>
+                <a:ea typeface="+mn-ea"/>
+                <a:cs typeface="+mn-cs"/>
+              </a:defRPr>
+            </a:lvl7pPr>
+            <a:lvl8pPr marL="3200400" indent="0" algn="ctr" defTabSz="914400" rtl="0" eaLnBrk="1" latinLnBrk="0" hangingPunct="1">
+              <a:lnSpc>
+                <a:spcPct val="90000"/>
+              </a:lnSpc>
+              <a:spcBef>
+                <a:spcPts val="500"/>
+              </a:spcBef>
+              <a:buFont typeface="Arial" panose="020B0604020202020204" pitchFamily="34" charset="0"/>
+              <a:buNone/>
+              <a:defRPr sz="1600" kern="1200">
+                <a:solidFill>
+                  <a:schemeClr val="tx1"/>
+                </a:solidFill>
+                <a:latin typeface="+mn-lt"/>
+                <a:ea typeface="+mn-ea"/>
+                <a:cs typeface="+mn-cs"/>
+              </a:defRPr>
+            </a:lvl8pPr>
+            <a:lvl9pPr marL="3657600" indent="0" algn="ctr" defTabSz="914400" rtl="0" eaLnBrk="1" latinLnBrk="0" hangingPunct="1">
+              <a:lnSpc>
+                <a:spcPct val="90000"/>
+              </a:lnSpc>
+              <a:spcBef>
+                <a:spcPts val="500"/>
+              </a:spcBef>
+              <a:buFont typeface="Arial" panose="020B0604020202020204" pitchFamily="34" charset="0"/>
+              <a:buNone/>
+              <a:defRPr sz="1600" kern="1200">
+                <a:solidFill>
+                  <a:schemeClr val="tx1"/>
+                </a:solidFill>
+                <a:latin typeface="+mn-lt"/>
+                <a:ea typeface="+mn-ea"/>
+                <a:cs typeface="+mn-cs"/>
+              </a:defRPr>
+            </a:lvl9pPr>
+          </a:lstStyle>
+          <a:p>
+            <a:r>
+              <a:rPr lang="en-US" sz="2267" dirty="0"/>
+              <a:t>During the search task you have to look for the </a:t>
+            </a:r>
+            <a:r>
+              <a:rPr lang="en-US" sz="2267" b="1" dirty="0"/>
+              <a:t>uniquely oriented </a:t>
+            </a:r>
+          </a:p>
+          <a:p>
+            <a:r>
+              <a:rPr lang="en-US" sz="2267" dirty="0"/>
+              <a:t>bar and </a:t>
+            </a:r>
+            <a:r>
+              <a:rPr lang="en-US" sz="2267" b="1" dirty="0"/>
+              <a:t>press</a:t>
+            </a:r>
+            <a:r>
+              <a:rPr lang="en-US" sz="2267" dirty="0"/>
+              <a:t> the corresponding </a:t>
+            </a:r>
+            <a:r>
+              <a:rPr lang="en-US" sz="2267" b="1" dirty="0"/>
+              <a:t>button</a:t>
+            </a:r>
+            <a:endParaRPr lang="en-US" sz="2267" dirty="0"/>
+          </a:p>
+        </p:txBody>
+      </p:sp>
+    </p:spTree>
+    <p:extLst>
+      <p:ext uri="{BB962C8B-B14F-4D97-AF65-F5344CB8AC3E}">
+        <p14:creationId xmlns:p14="http://schemas.microsoft.com/office/powerpoint/2010/main" val="3060612858"/>
+      </p:ext>
+    </p:extLst>
+  </p:cSld>
+  <p:clrMapOvr>
+    <a:masterClrMapping/>
+  </p:clrMapOvr>
+</p:sld>
+</file>
+
+<file path=ppt/slides/slide15.xml><?xml version="1.0" encoding="utf-8"?>
+<p:sld xmlns:a="http://schemas.openxmlformats.org/drawingml/2006/main" xmlns:r="http://schemas.openxmlformats.org/officeDocument/2006/relationships" xmlns:p="http://schemas.openxmlformats.org/presentationml/2006/main">
+  <p:cSld>
+    <p:bg>
+      <p:bgPr>
+        <a:solidFill>
+          <a:schemeClr val="bg1"/>
+        </a:solidFill>
+        <a:effectLst/>
+      </p:bgPr>
+    </p:bg>
+    <p:spTree>
+      <p:nvGrpSpPr>
+        <p:cNvPr id="1" name=""/>
+        <p:cNvGrpSpPr/>
+        <p:nvPr/>
+      </p:nvGrpSpPr>
+      <p:grpSpPr>
+        <a:xfrm>
+          <a:off x="0" y="0"/>
+          <a:ext cx="0" cy="0"/>
+          <a:chOff x="0" y="0"/>
+          <a:chExt cx="0" cy="0"/>
+        </a:xfrm>
+      </p:grpSpPr>
+      <p:sp>
+        <p:nvSpPr>
+          <p:cNvPr id="3" name="Subtitle 2">
+            <a:extLst>
+              <a:ext uri="{FF2B5EF4-FFF2-40B4-BE49-F238E27FC236}">
+                <a16:creationId xmlns:a16="http://schemas.microsoft.com/office/drawing/2014/main" id="{4150058A-3ED2-402F-80BC-2329C314E54D}"/>
+              </a:ext>
+            </a:extLst>
+          </p:cNvPr>
+          <p:cNvSpPr>
+            <a:spLocks noGrp="1"/>
+          </p:cNvSpPr>
+          <p:nvPr>
+            <p:ph type="subTitle" idx="1"/>
+          </p:nvPr>
+        </p:nvSpPr>
+        <p:spPr>
+          <a:xfrm>
+            <a:off x="1181893" y="3064294"/>
+            <a:ext cx="9248775" cy="1876531"/>
+          </a:xfrm>
+        </p:spPr>
+        <p:txBody>
+          <a:bodyPr>
+            <a:noAutofit/>
+          </a:bodyPr>
+          <a:lstStyle/>
+          <a:p>
+            <a:r>
+              <a:rPr lang="en-US" sz="2267" dirty="0"/>
+              <a:t>This pattern will repeat for roughly 20 minutes. </a:t>
+            </a:r>
+          </a:p>
+          <a:p>
+            <a:endParaRPr lang="de-DE" sz="2267" dirty="0"/>
+          </a:p>
+          <a:p>
+            <a:r>
+              <a:rPr lang="de-DE" sz="2267" dirty="0" err="1"/>
+              <a:t>We</a:t>
+            </a:r>
+            <a:r>
+              <a:rPr lang="de-DE" sz="2267" dirty="0"/>
+              <a:t> </a:t>
+            </a:r>
+            <a:r>
+              <a:rPr lang="de-DE" sz="2267" dirty="0" err="1"/>
+              <a:t>measure</a:t>
+            </a:r>
+            <a:r>
+              <a:rPr lang="de-DE" sz="2267" dirty="0"/>
+              <a:t> </a:t>
+            </a:r>
+            <a:r>
+              <a:rPr lang="de-DE" sz="2267" dirty="0" err="1"/>
+              <a:t>the</a:t>
+            </a:r>
+            <a:r>
+              <a:rPr lang="de-DE" sz="2267" dirty="0"/>
+              <a:t> </a:t>
+            </a:r>
+            <a:r>
+              <a:rPr lang="de-DE" sz="2267" dirty="0" err="1"/>
+              <a:t>speed</a:t>
+            </a:r>
+            <a:r>
+              <a:rPr lang="de-DE" sz="2267" dirty="0"/>
+              <a:t> at </a:t>
+            </a:r>
+            <a:r>
+              <a:rPr lang="de-DE" sz="2267" dirty="0" err="1"/>
+              <a:t>which</a:t>
+            </a:r>
+            <a:r>
+              <a:rPr lang="de-DE" sz="2267" dirty="0"/>
+              <a:t> </a:t>
+            </a:r>
+            <a:r>
+              <a:rPr lang="de-DE" sz="2267" dirty="0" err="1"/>
+              <a:t>you</a:t>
+            </a:r>
+            <a:r>
+              <a:rPr lang="de-DE" sz="2267" dirty="0"/>
+              <a:t> press </a:t>
+            </a:r>
+            <a:r>
+              <a:rPr lang="de-DE" sz="2267" dirty="0" err="1"/>
+              <a:t>the</a:t>
+            </a:r>
+            <a:r>
+              <a:rPr lang="de-DE" sz="2267" dirty="0"/>
+              <a:t> </a:t>
+            </a:r>
+            <a:r>
+              <a:rPr lang="de-DE" sz="2267" dirty="0" err="1"/>
+              <a:t>button</a:t>
+            </a:r>
+            <a:r>
+              <a:rPr lang="de-DE" sz="2267" dirty="0"/>
+              <a:t>, so </a:t>
+            </a:r>
+            <a:r>
+              <a:rPr lang="de-DE" sz="2267" dirty="0" err="1"/>
+              <a:t>please</a:t>
+            </a:r>
+            <a:r>
+              <a:rPr lang="de-DE" sz="2267" dirty="0"/>
+              <a:t> </a:t>
+            </a:r>
+            <a:r>
+              <a:rPr lang="de-DE" sz="2267" dirty="0" err="1"/>
+              <a:t>remember</a:t>
+            </a:r>
+            <a:r>
+              <a:rPr lang="de-DE" sz="2267" dirty="0"/>
+              <a:t> </a:t>
+            </a:r>
+            <a:r>
+              <a:rPr lang="de-DE" sz="2267" dirty="0" err="1"/>
+              <a:t>to</a:t>
+            </a:r>
+            <a:r>
+              <a:rPr lang="de-DE" sz="2267" dirty="0"/>
+              <a:t> </a:t>
+            </a:r>
+            <a:r>
+              <a:rPr lang="de-DE" sz="2267" dirty="0" err="1"/>
+              <a:t>be</a:t>
+            </a:r>
+            <a:r>
+              <a:rPr lang="de-DE" sz="2267" b="1" dirty="0"/>
+              <a:t> </a:t>
+            </a:r>
+            <a:r>
+              <a:rPr lang="de-DE" sz="2267" b="1" dirty="0" err="1"/>
+              <a:t>as</a:t>
+            </a:r>
+            <a:r>
+              <a:rPr lang="de-DE" sz="2267" b="1" dirty="0"/>
+              <a:t> fast and </a:t>
+            </a:r>
+            <a:r>
+              <a:rPr lang="de-DE" sz="2267" b="1" dirty="0" err="1"/>
+              <a:t>accurate</a:t>
+            </a:r>
+            <a:r>
+              <a:rPr lang="de-DE" sz="2267" b="1" dirty="0"/>
+              <a:t> </a:t>
+            </a:r>
+            <a:r>
+              <a:rPr lang="de-DE" sz="2267" b="1" dirty="0" err="1"/>
+              <a:t>as</a:t>
+            </a:r>
+            <a:r>
+              <a:rPr lang="de-DE" sz="2267" b="1" dirty="0"/>
+              <a:t> possible.</a:t>
+            </a:r>
+            <a:endParaRPr lang="en-US" sz="2267" b="1" dirty="0"/>
+          </a:p>
+          <a:p>
+            <a:endParaRPr lang="en-US" sz="2267" dirty="0"/>
+          </a:p>
+          <a:p>
+            <a:endParaRPr lang="en-US" sz="2267" dirty="0"/>
+          </a:p>
+        </p:txBody>
+      </p:sp>
+    </p:spTree>
+    <p:extLst>
+      <p:ext uri="{BB962C8B-B14F-4D97-AF65-F5344CB8AC3E}">
+        <p14:creationId xmlns:p14="http://schemas.microsoft.com/office/powerpoint/2010/main" val="2911845913"/>
+      </p:ext>
+    </p:extLst>
+  </p:cSld>
+  <p:clrMapOvr>
+    <a:masterClrMapping/>
+  </p:clrMapOvr>
+</p:sld>
+</file>
+
+<file path=ppt/slides/slide16.xml><?xml version="1.0" encoding="utf-8"?>
+<p:sld xmlns:a="http://schemas.openxmlformats.org/drawingml/2006/main" xmlns:r="http://schemas.openxmlformats.org/officeDocument/2006/relationships" xmlns:p="http://schemas.openxmlformats.org/presentationml/2006/main">
+  <p:cSld>
+    <p:bg>
+      <p:bgPr>
+        <a:solidFill>
+          <a:schemeClr val="bg1"/>
+        </a:solidFill>
+        <a:effectLst/>
+      </p:bgPr>
+    </p:bg>
+    <p:spTree>
+      <p:nvGrpSpPr>
+        <p:cNvPr id="1" name=""/>
+        <p:cNvGrpSpPr/>
+        <p:nvPr/>
+      </p:nvGrpSpPr>
+      <p:grpSpPr>
+        <a:xfrm>
+          <a:off x="0" y="0"/>
+          <a:ext cx="0" cy="0"/>
+          <a:chOff x="0" y="0"/>
+          <a:chExt cx="0" cy="0"/>
+        </a:xfrm>
+      </p:grpSpPr>
+      <p:sp>
+        <p:nvSpPr>
+          <p:cNvPr id="3" name="Subtitle 2">
+            <a:extLst>
+              <a:ext uri="{FF2B5EF4-FFF2-40B4-BE49-F238E27FC236}">
+                <a16:creationId xmlns:a16="http://schemas.microsoft.com/office/drawing/2014/main" id="{4150058A-3ED2-402F-80BC-2329C314E54D}"/>
+              </a:ext>
+            </a:extLst>
+          </p:cNvPr>
+          <p:cNvSpPr>
+            <a:spLocks noGrp="1"/>
+          </p:cNvSpPr>
+          <p:nvPr>
+            <p:ph type="subTitle" idx="1"/>
+          </p:nvPr>
+        </p:nvSpPr>
+        <p:spPr>
+          <a:xfrm>
+            <a:off x="-115810" y="3040482"/>
+            <a:ext cx="11844182" cy="1876531"/>
+          </a:xfrm>
+        </p:spPr>
+        <p:txBody>
+          <a:bodyPr>
+            <a:noAutofit/>
+          </a:bodyPr>
+          <a:lstStyle/>
+          <a:p>
+            <a:r>
+              <a:rPr lang="en-US" sz="2267" dirty="0"/>
+              <a:t>Do you have any questions? </a:t>
+            </a:r>
+          </a:p>
+          <a:p>
+            <a:endParaRPr lang="en-US" sz="2267" dirty="0"/>
+          </a:p>
+          <a:p>
+            <a:r>
+              <a:rPr lang="en-US" sz="2267" dirty="0"/>
+              <a:t>If you feel ready let me know and I will start the experiment for you</a:t>
+            </a:r>
+          </a:p>
+        </p:txBody>
+      </p:sp>
+    </p:spTree>
+    <p:extLst>
+      <p:ext uri="{BB962C8B-B14F-4D97-AF65-F5344CB8AC3E}">
+        <p14:creationId xmlns:p14="http://schemas.microsoft.com/office/powerpoint/2010/main" val="3705023647"/>
+      </p:ext>
+    </p:extLst>
+  </p:cSld>
+  <p:clrMapOvr>
+    <a:masterClrMapping/>
+  </p:clrMapOvr>
+</p:sld>
+</file>
+
+<file path=ppt/slides/slide17.xml><?xml version="1.0" encoding="utf-8"?>
+<p:sld xmlns:a="http://schemas.openxmlformats.org/drawingml/2006/main" xmlns:r="http://schemas.openxmlformats.org/officeDocument/2006/relationships" xmlns:p="http://schemas.openxmlformats.org/presentationml/2006/main">
+  <p:cSld>
+    <p:bg>
+      <p:bgPr>
+        <a:solidFill>
+          <a:schemeClr val="bg1"/>
+        </a:solidFill>
+        <a:effectLst/>
+      </p:bgPr>
+    </p:bg>
+    <p:spTree>
+      <p:nvGrpSpPr>
+        <p:cNvPr id="1" name=""/>
+        <p:cNvGrpSpPr/>
+        <p:nvPr/>
+      </p:nvGrpSpPr>
+      <p:grpSpPr>
+        <a:xfrm>
+          <a:off x="0" y="0"/>
+          <a:ext cx="0" cy="0"/>
+          <a:chOff x="0" y="0"/>
+          <a:chExt cx="0" cy="0"/>
+        </a:xfrm>
+      </p:grpSpPr>
+      <p:sp>
+        <p:nvSpPr>
+          <p:cNvPr id="3" name="Subtitle 2">
+            <a:extLst>
+              <a:ext uri="{FF2B5EF4-FFF2-40B4-BE49-F238E27FC236}">
+                <a16:creationId xmlns:a16="http://schemas.microsoft.com/office/drawing/2014/main" id="{4150058A-3ED2-402F-80BC-2329C314E54D}"/>
+              </a:ext>
+            </a:extLst>
+          </p:cNvPr>
+          <p:cNvSpPr>
+            <a:spLocks noGrp="1"/>
+          </p:cNvSpPr>
+          <p:nvPr>
+            <p:ph type="subTitle" idx="1"/>
+          </p:nvPr>
+        </p:nvSpPr>
+        <p:spPr>
+          <a:xfrm>
+            <a:off x="-115810" y="3040482"/>
+            <a:ext cx="11844182" cy="1876531"/>
+          </a:xfrm>
+        </p:spPr>
+        <p:txBody>
+          <a:bodyPr>
+            <a:noAutofit/>
+          </a:bodyPr>
+          <a:lstStyle/>
+          <a:p>
+            <a:r>
+              <a:rPr lang="en-US" sz="2267" dirty="0"/>
+              <a:t>Please remember to be as</a:t>
+            </a:r>
+            <a:r>
+              <a:rPr lang="en-US" sz="2267" b="1" dirty="0"/>
+              <a:t> fast </a:t>
+            </a:r>
+            <a:r>
+              <a:rPr lang="en-US" sz="2267" dirty="0"/>
+              <a:t>and</a:t>
+            </a:r>
+            <a:r>
+              <a:rPr lang="en-US" sz="2267" b="1" dirty="0"/>
+              <a:t> accurate</a:t>
+            </a:r>
+            <a:r>
+              <a:rPr lang="en-US" sz="2267" dirty="0"/>
+              <a:t> as possible</a:t>
+            </a:r>
+          </a:p>
+          <a:p>
+            <a:endParaRPr lang="en-US" sz="2267" dirty="0"/>
+          </a:p>
+        </p:txBody>
+      </p:sp>
+    </p:spTree>
+    <p:extLst>
+      <p:ext uri="{BB962C8B-B14F-4D97-AF65-F5344CB8AC3E}">
+        <p14:creationId xmlns:p14="http://schemas.microsoft.com/office/powerpoint/2010/main" val="1997797013"/>
+      </p:ext>
+    </p:extLst>
+  </p:cSld>
+  <p:clrMapOvr>
+    <a:masterClrMapping/>
+  </p:clrMapOvr>
+</p:sld>
+</file>
+
+<file path=ppt/slides/slide18.xml><?xml version="1.0" encoding="utf-8"?>
+<p:sld xmlns:a="http://schemas.openxmlformats.org/drawingml/2006/main" xmlns:r="http://schemas.openxmlformats.org/officeDocument/2006/relationships" xmlns:p="http://schemas.openxmlformats.org/presentationml/2006/main">
+  <p:cSld>
+    <p:bg>
+      <p:bgPr>
+        <a:solidFill>
+          <a:schemeClr val="bg1"/>
+        </a:solidFill>
+        <a:effectLst/>
+      </p:bgPr>
+    </p:bg>
+    <p:spTree>
+      <p:nvGrpSpPr>
+        <p:cNvPr id="1" name=""/>
+        <p:cNvGrpSpPr/>
+        <p:nvPr/>
+      </p:nvGrpSpPr>
+      <p:grpSpPr>
+        <a:xfrm>
+          <a:off x="0" y="0"/>
+          <a:ext cx="0" cy="0"/>
+          <a:chOff x="0" y="0"/>
+          <a:chExt cx="0" cy="0"/>
+        </a:xfrm>
+      </p:grpSpPr>
+      <p:sp>
+        <p:nvSpPr>
+          <p:cNvPr id="3" name="Subtitle 2">
+            <a:extLst>
+              <a:ext uri="{FF2B5EF4-FFF2-40B4-BE49-F238E27FC236}">
+                <a16:creationId xmlns:a16="http://schemas.microsoft.com/office/drawing/2014/main" id="{4150058A-3ED2-402F-80BC-2329C314E54D}"/>
+              </a:ext>
+            </a:extLst>
+          </p:cNvPr>
+          <p:cNvSpPr>
+            <a:spLocks noGrp="1"/>
+          </p:cNvSpPr>
+          <p:nvPr>
+            <p:ph type="subTitle" idx="1"/>
+          </p:nvPr>
+        </p:nvSpPr>
+        <p:spPr>
+          <a:xfrm>
+            <a:off x="-115810" y="3040482"/>
+            <a:ext cx="11844182" cy="1876531"/>
+          </a:xfrm>
+        </p:spPr>
+        <p:txBody>
+          <a:bodyPr>
+            <a:noAutofit/>
+          </a:bodyPr>
+          <a:lstStyle/>
+          <a:p>
+            <a:r>
+              <a:rPr lang="en-US" sz="2267" dirty="0"/>
+              <a:t>End of Experiment</a:t>
+            </a:r>
+          </a:p>
+          <a:p>
+            <a:r>
+              <a:rPr lang="en-US" sz="2267" dirty="0"/>
+              <a:t>Thank you for your participation :)</a:t>
+            </a:r>
+          </a:p>
+        </p:txBody>
+      </p:sp>
+    </p:spTree>
+    <p:extLst>
+      <p:ext uri="{BB962C8B-B14F-4D97-AF65-F5344CB8AC3E}">
+        <p14:creationId xmlns:p14="http://schemas.microsoft.com/office/powerpoint/2010/main" val="1654644813"/>
+      </p:ext>
+    </p:extLst>
+  </p:cSld>
+  <p:clrMapOvr>
+    <a:masterClrMapping/>
+  </p:clrMapOvr>
+</p:sld>
+</file>
+
+<file path=ppt/slides/slide2.xml><?xml version="1.0" encoding="utf-8"?>
+<p:sld xmlns:a="http://schemas.openxmlformats.org/drawingml/2006/main" xmlns:r="http://schemas.openxmlformats.org/officeDocument/2006/relationships" xmlns:p="http://schemas.openxmlformats.org/presentationml/2006/main">
+  <p:cSld>
+    <p:bg>
+      <p:bgPr>
+        <a:solidFill>
+          <a:schemeClr val="bg1"/>
+        </a:solidFill>
+        <a:effectLst/>
+      </p:bgPr>
+    </p:bg>
+    <p:spTree>
+      <p:nvGrpSpPr>
+        <p:cNvPr id="1" name=""/>
+        <p:cNvGrpSpPr/>
+        <p:nvPr/>
+      </p:nvGrpSpPr>
+      <p:grpSpPr>
+        <a:xfrm>
+          <a:off x="0" y="0"/>
+          <a:ext cx="0" cy="0"/>
+          <a:chOff x="0" y="0"/>
+          <a:chExt cx="0" cy="0"/>
+        </a:xfrm>
+      </p:grpSpPr>
+      <p:sp>
+        <p:nvSpPr>
+          <p:cNvPr id="3" name="Subtitle 2">
+            <a:extLst>
+              <a:ext uri="{FF2B5EF4-FFF2-40B4-BE49-F238E27FC236}">
+                <a16:creationId xmlns:a16="http://schemas.microsoft.com/office/drawing/2014/main" id="{4150058A-3ED2-402F-80BC-2329C314E54D}"/>
+              </a:ext>
+            </a:extLst>
+          </p:cNvPr>
+          <p:cNvSpPr>
+            <a:spLocks noGrp="1"/>
+          </p:cNvSpPr>
+          <p:nvPr>
+            <p:ph type="subTitle" idx="1"/>
+          </p:nvPr>
+        </p:nvSpPr>
+        <p:spPr>
+          <a:xfrm>
+            <a:off x="624681" y="1978128"/>
+            <a:ext cx="10363200" cy="2455748"/>
+          </a:xfrm>
+        </p:spPr>
+        <p:txBody>
+          <a:bodyPr>
+            <a:noAutofit/>
+          </a:bodyPr>
+          <a:lstStyle/>
+          <a:p>
+            <a:r>
+              <a:rPr lang="en-US" sz="2267" dirty="0"/>
+              <a:t>During the experiment I will track your gaze, so lets </a:t>
+            </a:r>
+            <a:r>
+              <a:rPr lang="en-US" sz="2267" b="1" dirty="0"/>
+              <a:t>calibrate</a:t>
+            </a:r>
+            <a:r>
+              <a:rPr lang="en-US" sz="2267" dirty="0"/>
+              <a:t> the </a:t>
+            </a:r>
+            <a:r>
+              <a:rPr lang="en-US" sz="2267" dirty="0" err="1"/>
+              <a:t>eyetracker</a:t>
+            </a:r>
+            <a:r>
+              <a:rPr lang="en-US" sz="2267" dirty="0"/>
+              <a:t> first </a:t>
+            </a:r>
+          </a:p>
+          <a:p>
+            <a:endParaRPr lang="de-DE" sz="2267" dirty="0"/>
+          </a:p>
+          <a:p>
+            <a:r>
+              <a:rPr lang="de-DE" sz="2267" dirty="0"/>
+              <a:t>At </a:t>
+            </a:r>
+            <a:r>
+              <a:rPr lang="de-DE" sz="2267" dirty="0" err="1"/>
+              <a:t>the</a:t>
+            </a:r>
+            <a:r>
+              <a:rPr lang="de-DE" sz="2267" dirty="0"/>
+              <a:t> </a:t>
+            </a:r>
+            <a:r>
+              <a:rPr lang="de-DE" sz="2267" dirty="0" err="1"/>
+              <a:t>beginning</a:t>
+            </a:r>
+            <a:r>
+              <a:rPr lang="de-DE" sz="2267" dirty="0"/>
+              <a:t> </a:t>
+            </a:r>
+            <a:r>
+              <a:rPr lang="de-DE" sz="2267" dirty="0" err="1"/>
+              <a:t>you</a:t>
+            </a:r>
+            <a:r>
+              <a:rPr lang="de-DE" sz="2267" dirty="0"/>
+              <a:t> will </a:t>
+            </a:r>
+            <a:r>
+              <a:rPr lang="de-DE" sz="2267" dirty="0" err="1"/>
+              <a:t>be</a:t>
+            </a:r>
+            <a:r>
+              <a:rPr lang="de-DE" sz="2267" dirty="0"/>
+              <a:t> </a:t>
+            </a:r>
+            <a:r>
+              <a:rPr lang="de-DE" sz="2267" dirty="0" err="1"/>
+              <a:t>able</a:t>
+            </a:r>
+            <a:r>
+              <a:rPr lang="de-DE" sz="2267" dirty="0"/>
+              <a:t> </a:t>
+            </a:r>
+            <a:r>
+              <a:rPr lang="de-DE" sz="2267" dirty="0" err="1"/>
+              <a:t>to</a:t>
+            </a:r>
+            <a:r>
+              <a:rPr lang="de-DE" sz="2267" dirty="0"/>
+              <a:t> </a:t>
+            </a:r>
+            <a:r>
+              <a:rPr lang="de-DE" sz="2267" dirty="0" err="1"/>
+              <a:t>see</a:t>
+            </a:r>
+            <a:r>
+              <a:rPr lang="de-DE" sz="2267" dirty="0"/>
+              <a:t> </a:t>
+            </a:r>
+            <a:r>
+              <a:rPr lang="de-DE" sz="2267" b="1" dirty="0" err="1"/>
+              <a:t>how</a:t>
+            </a:r>
+            <a:r>
+              <a:rPr lang="de-DE" sz="2267" b="1" dirty="0"/>
+              <a:t> </a:t>
+            </a:r>
+            <a:r>
+              <a:rPr lang="de-DE" sz="2267" b="1" dirty="0" err="1"/>
+              <a:t>far</a:t>
+            </a:r>
+            <a:r>
+              <a:rPr lang="de-DE" sz="2267" b="1" dirty="0"/>
+              <a:t> </a:t>
+            </a:r>
+            <a:r>
+              <a:rPr lang="de-DE" sz="2267" b="1" dirty="0" err="1"/>
+              <a:t>you</a:t>
+            </a:r>
+            <a:r>
+              <a:rPr lang="de-DE" sz="2267" b="1" dirty="0"/>
+              <a:t> </a:t>
+            </a:r>
+            <a:r>
+              <a:rPr lang="de-DE" sz="2267" b="1" dirty="0" err="1"/>
+              <a:t>can</a:t>
+            </a:r>
+            <a:r>
+              <a:rPr lang="de-DE" sz="2267" b="1" dirty="0"/>
+              <a:t> </a:t>
+            </a:r>
+            <a:r>
+              <a:rPr lang="de-DE" sz="2267" b="1" dirty="0" err="1"/>
+              <a:t>move</a:t>
+            </a:r>
+            <a:r>
+              <a:rPr lang="de-DE" sz="2267" b="1" dirty="0"/>
+              <a:t> </a:t>
+            </a:r>
+            <a:r>
+              <a:rPr lang="de-DE" sz="2267" b="1" dirty="0" err="1"/>
+              <a:t>your</a:t>
+            </a:r>
+            <a:r>
+              <a:rPr lang="de-DE" sz="2267" b="1" dirty="0"/>
+              <a:t> </a:t>
+            </a:r>
+            <a:r>
+              <a:rPr lang="de-DE" sz="2267" b="1" dirty="0" err="1"/>
+              <a:t>head</a:t>
+            </a:r>
+            <a:r>
+              <a:rPr lang="de-DE" sz="2267" b="1" dirty="0"/>
+              <a:t> </a:t>
+            </a:r>
+            <a:r>
+              <a:rPr lang="de-DE" sz="2267" dirty="0" err="1"/>
+              <a:t>for</a:t>
+            </a:r>
+            <a:r>
+              <a:rPr lang="de-DE" sz="2267" dirty="0"/>
+              <a:t> </a:t>
+            </a:r>
+            <a:r>
+              <a:rPr lang="de-DE" sz="2267" dirty="0" err="1"/>
+              <a:t>the</a:t>
+            </a:r>
+            <a:r>
+              <a:rPr lang="de-DE" sz="2267" dirty="0"/>
+              <a:t> </a:t>
+            </a:r>
+            <a:r>
+              <a:rPr lang="de-DE" sz="2267" dirty="0" err="1"/>
+              <a:t>eyetracker</a:t>
+            </a:r>
+            <a:r>
+              <a:rPr lang="de-DE" sz="2267" dirty="0"/>
+              <a:t> </a:t>
+            </a:r>
+            <a:r>
+              <a:rPr lang="de-DE" sz="2267" dirty="0" err="1"/>
+              <a:t>to</a:t>
+            </a:r>
+            <a:r>
+              <a:rPr lang="de-DE" sz="2267" dirty="0"/>
+              <a:t> still track </a:t>
+            </a:r>
+            <a:r>
+              <a:rPr lang="de-DE" sz="2267" dirty="0" err="1"/>
+              <a:t>your</a:t>
+            </a:r>
+            <a:r>
+              <a:rPr lang="de-DE" sz="2267" dirty="0"/>
+              <a:t> </a:t>
+            </a:r>
+            <a:r>
+              <a:rPr lang="de-DE" sz="2267" dirty="0" err="1"/>
+              <a:t>gaze</a:t>
+            </a:r>
+            <a:r>
+              <a:rPr lang="de-DE" sz="2267" dirty="0"/>
+              <a:t>.</a:t>
+            </a:r>
+          </a:p>
+          <a:p>
+            <a:r>
+              <a:rPr lang="de-DE" sz="2267" dirty="0"/>
+              <a:t>Move </a:t>
+            </a:r>
+            <a:r>
+              <a:rPr lang="de-DE" sz="2267" dirty="0" err="1"/>
+              <a:t>around</a:t>
+            </a:r>
+            <a:r>
+              <a:rPr lang="de-DE" sz="2267" dirty="0"/>
+              <a:t> a </a:t>
+            </a:r>
+            <a:r>
+              <a:rPr lang="de-DE" sz="2267" dirty="0" err="1"/>
+              <a:t>little</a:t>
+            </a:r>
+            <a:r>
+              <a:rPr lang="de-DE" sz="2267" dirty="0"/>
+              <a:t> </a:t>
+            </a:r>
+            <a:r>
+              <a:rPr lang="de-DE" sz="2267" dirty="0" err="1"/>
+              <a:t>to</a:t>
+            </a:r>
+            <a:r>
+              <a:rPr lang="de-DE" sz="2267" dirty="0"/>
+              <a:t> </a:t>
+            </a:r>
+            <a:r>
+              <a:rPr lang="de-DE" sz="2267" dirty="0" err="1"/>
+              <a:t>get</a:t>
+            </a:r>
+            <a:r>
+              <a:rPr lang="de-DE" sz="2267" dirty="0"/>
+              <a:t> a </a:t>
+            </a:r>
+            <a:r>
+              <a:rPr lang="de-DE" sz="2267" dirty="0" err="1"/>
+              <a:t>feeling</a:t>
+            </a:r>
+            <a:r>
+              <a:rPr lang="de-DE" sz="2267" dirty="0"/>
+              <a:t> </a:t>
+            </a:r>
+            <a:r>
+              <a:rPr lang="de-DE" sz="2267" dirty="0" err="1"/>
+              <a:t>for</a:t>
+            </a:r>
+            <a:r>
+              <a:rPr lang="de-DE" sz="2267" dirty="0"/>
+              <a:t> </a:t>
+            </a:r>
+            <a:r>
+              <a:rPr lang="de-DE" sz="2267" dirty="0" err="1"/>
+              <a:t>it</a:t>
+            </a:r>
+            <a:r>
+              <a:rPr lang="de-DE" sz="2267" dirty="0"/>
+              <a:t> </a:t>
+            </a:r>
+            <a:r>
+              <a:rPr lang="de-DE" sz="2267" dirty="0" err="1"/>
+              <a:t>while</a:t>
+            </a:r>
+            <a:r>
+              <a:rPr lang="de-DE" sz="2267" dirty="0"/>
+              <a:t> </a:t>
+            </a:r>
+            <a:r>
+              <a:rPr lang="de-DE" sz="2267" dirty="0" err="1"/>
+              <a:t>finding</a:t>
+            </a:r>
+            <a:r>
+              <a:rPr lang="de-DE" sz="2267" dirty="0"/>
+              <a:t> a </a:t>
+            </a:r>
+            <a:r>
+              <a:rPr lang="de-DE" sz="2267" dirty="0" err="1"/>
+              <a:t>position</a:t>
+            </a:r>
+            <a:r>
+              <a:rPr lang="de-DE" sz="2267" dirty="0"/>
+              <a:t> </a:t>
+            </a:r>
+            <a:r>
+              <a:rPr lang="de-DE" sz="2267" dirty="0" err="1"/>
+              <a:t>that</a:t>
+            </a:r>
+            <a:r>
+              <a:rPr lang="de-DE" sz="2267" dirty="0"/>
+              <a:t> </a:t>
+            </a:r>
+            <a:r>
+              <a:rPr lang="de-DE" sz="2267" dirty="0" err="1"/>
+              <a:t>feels</a:t>
+            </a:r>
+            <a:r>
+              <a:rPr lang="de-DE" sz="2267" dirty="0"/>
+              <a:t> </a:t>
+            </a:r>
+            <a:r>
+              <a:rPr lang="de-DE" sz="2267" b="1" dirty="0" err="1"/>
+              <a:t>comfortable</a:t>
+            </a:r>
+            <a:r>
+              <a:rPr lang="de-DE" sz="2267" dirty="0"/>
+              <a:t> </a:t>
+            </a:r>
+            <a:r>
+              <a:rPr lang="de-DE" sz="2267" dirty="0" err="1"/>
+              <a:t>for</a:t>
+            </a:r>
+            <a:r>
+              <a:rPr lang="de-DE" sz="2267" dirty="0"/>
+              <a:t> </a:t>
+            </a:r>
+            <a:r>
+              <a:rPr lang="de-DE" sz="2267" dirty="0" err="1"/>
+              <a:t>you</a:t>
+            </a:r>
+            <a:endParaRPr lang="de-DE" sz="2267" dirty="0"/>
+          </a:p>
+          <a:p>
+            <a:endParaRPr lang="de-DE" sz="2267" dirty="0"/>
+          </a:p>
+          <a:p>
+            <a:r>
+              <a:rPr lang="de-DE" sz="2267" dirty="0" err="1"/>
+              <a:t>Once</a:t>
+            </a:r>
+            <a:r>
+              <a:rPr lang="de-DE" sz="2267" dirty="0"/>
+              <a:t> </a:t>
+            </a:r>
+            <a:r>
+              <a:rPr lang="de-DE" sz="2267" dirty="0" err="1"/>
+              <a:t>you</a:t>
+            </a:r>
+            <a:r>
+              <a:rPr lang="de-DE" sz="2267" dirty="0"/>
+              <a:t> </a:t>
+            </a:r>
+            <a:r>
+              <a:rPr lang="de-DE" sz="2267" dirty="0" err="1"/>
+              <a:t>have</a:t>
+            </a:r>
+            <a:r>
+              <a:rPr lang="de-DE" sz="2267" dirty="0"/>
+              <a:t> </a:t>
+            </a:r>
+            <a:r>
+              <a:rPr lang="de-DE" sz="2267" dirty="0" err="1"/>
+              <a:t>found</a:t>
+            </a:r>
+            <a:r>
+              <a:rPr lang="de-DE" sz="2267" dirty="0"/>
+              <a:t> a </a:t>
+            </a:r>
+            <a:r>
+              <a:rPr lang="de-DE" sz="2267" dirty="0" err="1"/>
+              <a:t>comfortable</a:t>
+            </a:r>
+            <a:r>
+              <a:rPr lang="de-DE" sz="2267" dirty="0"/>
+              <a:t> </a:t>
+            </a:r>
+            <a:r>
+              <a:rPr lang="de-DE" sz="2267" dirty="0" err="1"/>
+              <a:t>position</a:t>
+            </a:r>
+            <a:r>
+              <a:rPr lang="de-DE" sz="2267" dirty="0"/>
+              <a:t> I will </a:t>
+            </a:r>
+            <a:r>
+              <a:rPr lang="de-DE" sz="2267" dirty="0" err="1"/>
+              <a:t>start</a:t>
+            </a:r>
+            <a:r>
+              <a:rPr lang="de-DE" sz="2267" dirty="0"/>
+              <a:t> </a:t>
+            </a:r>
+            <a:r>
+              <a:rPr lang="de-DE" sz="2267" dirty="0" err="1"/>
+              <a:t>the</a:t>
+            </a:r>
+            <a:r>
+              <a:rPr lang="de-DE" sz="2267" dirty="0"/>
+              <a:t> </a:t>
+            </a:r>
+            <a:r>
+              <a:rPr lang="de-DE" sz="2267" b="1" dirty="0" err="1"/>
+              <a:t>calibration</a:t>
+            </a:r>
+            <a:r>
+              <a:rPr lang="de-DE" sz="2267" dirty="0"/>
+              <a:t> </a:t>
+            </a:r>
+          </a:p>
+          <a:p>
+            <a:r>
+              <a:rPr lang="de-DE" sz="2267" dirty="0"/>
+              <a:t>Here </a:t>
+            </a:r>
+            <a:r>
+              <a:rPr lang="de-DE" sz="2267" dirty="0" err="1"/>
+              <a:t>you</a:t>
+            </a:r>
+            <a:r>
+              <a:rPr lang="de-DE" sz="2267" dirty="0"/>
+              <a:t> will </a:t>
+            </a:r>
+            <a:r>
+              <a:rPr lang="de-DE" sz="2267" dirty="0" err="1"/>
+              <a:t>have</a:t>
+            </a:r>
+            <a:r>
+              <a:rPr lang="de-DE" sz="2267" dirty="0"/>
+              <a:t> </a:t>
+            </a:r>
+            <a:r>
+              <a:rPr lang="de-DE" sz="2267" dirty="0" err="1"/>
+              <a:t>to</a:t>
+            </a:r>
+            <a:r>
+              <a:rPr lang="de-DE" sz="2267" dirty="0"/>
+              <a:t> </a:t>
+            </a:r>
+            <a:r>
+              <a:rPr lang="de-DE" sz="2267" b="1" dirty="0" err="1"/>
+              <a:t>look</a:t>
+            </a:r>
+            <a:r>
+              <a:rPr lang="de-DE" sz="2267" b="1" dirty="0"/>
+              <a:t> at </a:t>
+            </a:r>
+            <a:r>
+              <a:rPr lang="de-DE" sz="2267" b="1" dirty="0" err="1"/>
+              <a:t>circles</a:t>
+            </a:r>
+            <a:r>
+              <a:rPr lang="de-DE" sz="2267" dirty="0"/>
+              <a:t> </a:t>
+            </a:r>
+            <a:r>
+              <a:rPr lang="de-DE" sz="2267" dirty="0" err="1"/>
+              <a:t>appearing</a:t>
+            </a:r>
+            <a:r>
+              <a:rPr lang="de-DE" sz="2267" dirty="0"/>
+              <a:t> at different </a:t>
+            </a:r>
+            <a:r>
+              <a:rPr lang="de-DE" sz="2267" dirty="0" err="1"/>
+              <a:t>positions</a:t>
+            </a:r>
+            <a:r>
+              <a:rPr lang="de-DE" sz="2267" dirty="0"/>
+              <a:t> on </a:t>
+            </a:r>
+            <a:r>
+              <a:rPr lang="de-DE" sz="2267" dirty="0" err="1"/>
+              <a:t>the</a:t>
+            </a:r>
+            <a:r>
+              <a:rPr lang="de-DE" sz="2267" dirty="0"/>
+              <a:t> screen </a:t>
+            </a:r>
+            <a:r>
+              <a:rPr lang="de-DE" sz="2267" b="1" dirty="0" err="1"/>
+              <a:t>until</a:t>
+            </a:r>
+            <a:r>
+              <a:rPr lang="de-DE" sz="2267" b="1" dirty="0"/>
+              <a:t> </a:t>
+            </a:r>
+            <a:r>
+              <a:rPr lang="de-DE" sz="2267" b="1" dirty="0" err="1"/>
+              <a:t>they</a:t>
+            </a:r>
+            <a:r>
+              <a:rPr lang="de-DE" sz="2267" b="1" dirty="0"/>
+              <a:t> </a:t>
+            </a:r>
+            <a:r>
+              <a:rPr lang="de-DE" sz="2267" b="1" dirty="0" err="1"/>
+              <a:t>disappear</a:t>
+            </a:r>
+            <a:r>
+              <a:rPr lang="de-DE" sz="2267" dirty="0"/>
+              <a:t>.</a:t>
+            </a:r>
+            <a:endParaRPr lang="en-US" sz="2267" dirty="0"/>
+          </a:p>
+          <a:p>
+            <a:endParaRPr lang="en-US" sz="2267" dirty="0"/>
+          </a:p>
+        </p:txBody>
+      </p:sp>
+    </p:spTree>
+    <p:extLst>
+      <p:ext uri="{BB962C8B-B14F-4D97-AF65-F5344CB8AC3E}">
+        <p14:creationId xmlns:p14="http://schemas.microsoft.com/office/powerpoint/2010/main" val="50255588"/>
+      </p:ext>
+    </p:extLst>
+  </p:cSld>
+  <p:clrMapOvr>
+    <a:masterClrMapping/>
+  </p:clrMapOvr>
+</p:sld>
+</file>
+
+<file path=ppt/slides/slide3.xml><?xml version="1.0" encoding="utf-8"?>
+<p:sld xmlns:a="http://schemas.openxmlformats.org/drawingml/2006/main" xmlns:r="http://schemas.openxmlformats.org/officeDocument/2006/relationships" xmlns:p="http://schemas.openxmlformats.org/presentationml/2006/main">
+  <p:cSld>
+    <p:bg>
+      <p:bgPr>
+        <a:solidFill>
+          <a:schemeClr val="bg1"/>
+        </a:solidFill>
+        <a:effectLst/>
+      </p:bgPr>
+    </p:bg>
+    <p:spTree>
+      <p:nvGrpSpPr>
+        <p:cNvPr id="1" name=""/>
+        <p:cNvGrpSpPr/>
+        <p:nvPr/>
+      </p:nvGrpSpPr>
+      <p:grpSpPr>
+        <a:xfrm>
+          <a:off x="0" y="0"/>
+          <a:ext cx="0" cy="0"/>
+          <a:chOff x="0" y="0"/>
+          <a:chExt cx="0" cy="0"/>
+        </a:xfrm>
+      </p:grpSpPr>
+      <p:sp>
+        <p:nvSpPr>
+          <p:cNvPr id="3" name="Subtitle 2">
+            <a:extLst>
+              <a:ext uri="{FF2B5EF4-FFF2-40B4-BE49-F238E27FC236}">
+                <a16:creationId xmlns:a16="http://schemas.microsoft.com/office/drawing/2014/main" id="{4150058A-3ED2-402F-80BC-2329C314E54D}"/>
+              </a:ext>
+            </a:extLst>
+          </p:cNvPr>
+          <p:cNvSpPr>
+            <a:spLocks noGrp="1"/>
+          </p:cNvSpPr>
+          <p:nvPr>
+            <p:ph type="subTitle" idx="1"/>
+          </p:nvPr>
+        </p:nvSpPr>
+        <p:spPr>
+          <a:xfrm>
+            <a:off x="-115810" y="2880624"/>
+            <a:ext cx="11844182" cy="1876531"/>
+          </a:xfrm>
+        </p:spPr>
+        <p:txBody>
+          <a:bodyPr>
+            <a:noAutofit/>
+          </a:bodyPr>
+          <a:lstStyle/>
+          <a:p>
+            <a:r>
+              <a:rPr lang="en-US" sz="2267" dirty="0"/>
+              <a:t>In this experiment you will be presented with a grid of bars.</a:t>
+            </a:r>
+          </a:p>
+          <a:p>
+            <a:r>
+              <a:rPr lang="en-US" sz="2267" dirty="0"/>
+              <a:t>Press the </a:t>
+            </a:r>
+            <a:r>
+              <a:rPr lang="en-US" sz="2267" b="1" dirty="0"/>
+              <a:t>Left Shift Key </a:t>
+            </a:r>
+            <a:r>
+              <a:rPr lang="en-US" sz="2267" dirty="0"/>
+              <a:t>if you can see a uniquely oriented bar in the </a:t>
+            </a:r>
+            <a:r>
+              <a:rPr lang="en-US" sz="2267" b="1" dirty="0"/>
+              <a:t>left half of the screen </a:t>
+            </a:r>
+          </a:p>
+          <a:p>
+            <a:r>
+              <a:rPr lang="en-US" sz="2267" dirty="0"/>
+              <a:t>and the </a:t>
+            </a:r>
+            <a:r>
+              <a:rPr lang="en-US" sz="2267" b="1" dirty="0"/>
+              <a:t>Right Shift Key</a:t>
+            </a:r>
+            <a:r>
+              <a:rPr lang="en-US" sz="2267" dirty="0"/>
+              <a:t> if you can see a uniquely oriented bar in the </a:t>
+            </a:r>
+            <a:r>
+              <a:rPr lang="en-US" sz="2267" b="1" dirty="0"/>
+              <a:t>right half of the screen</a:t>
+            </a:r>
+          </a:p>
+          <a:p>
+            <a:r>
+              <a:rPr lang="en-US" sz="2267" dirty="0"/>
+              <a:t>Try to be as fast and as accurate as possible!</a:t>
+            </a:r>
+          </a:p>
+          <a:p>
+            <a:endParaRPr lang="en-US" sz="2267" b="1" dirty="0"/>
+          </a:p>
+          <a:p>
+            <a:r>
+              <a:rPr lang="en-US" sz="2267" dirty="0"/>
+              <a:t>    </a:t>
+            </a:r>
+          </a:p>
+        </p:txBody>
+      </p:sp>
+    </p:spTree>
+    <p:extLst>
+      <p:ext uri="{BB962C8B-B14F-4D97-AF65-F5344CB8AC3E}">
+        <p14:creationId xmlns:p14="http://schemas.microsoft.com/office/powerpoint/2010/main" val="1586270535"/>
+      </p:ext>
+    </p:extLst>
+  </p:cSld>
+  <p:clrMapOvr>
+    <a:masterClrMapping/>
+  </p:clrMapOvr>
+</p:sld>
+</file>
+
+<file path=ppt/slides/slide4.xml><?xml version="1.0" encoding="utf-8"?>
+<p:sld xmlns:a="http://schemas.openxmlformats.org/drawingml/2006/main" xmlns:r="http://schemas.openxmlformats.org/officeDocument/2006/relationships" xmlns:p="http://schemas.openxmlformats.org/presentationml/2006/main">
+  <p:cSld>
+    <p:bg>
+      <p:bgPr>
+        <a:solidFill>
+          <a:schemeClr val="bg1"/>
+        </a:solidFill>
+        <a:effectLst/>
+      </p:bgPr>
+    </p:bg>
+    <p:spTree>
+      <p:nvGrpSpPr>
+        <p:cNvPr id="1" name=""/>
+        <p:cNvGrpSpPr/>
+        <p:nvPr/>
+      </p:nvGrpSpPr>
+      <p:grpSpPr>
+        <a:xfrm>
+          <a:off x="0" y="0"/>
+          <a:ext cx="0" cy="0"/>
+          <a:chOff x="0" y="0"/>
+          <a:chExt cx="0" cy="0"/>
+        </a:xfrm>
+      </p:grpSpPr>
+      <p:sp>
+        <p:nvSpPr>
+          <p:cNvPr id="3" name="Subtitle 2">
+            <a:extLst>
+              <a:ext uri="{FF2B5EF4-FFF2-40B4-BE49-F238E27FC236}">
+                <a16:creationId xmlns:a16="http://schemas.microsoft.com/office/drawing/2014/main" id="{4150058A-3ED2-402F-80BC-2329C314E54D}"/>
+              </a:ext>
+            </a:extLst>
+          </p:cNvPr>
+          <p:cNvSpPr>
+            <a:spLocks noGrp="1"/>
+          </p:cNvSpPr>
+          <p:nvPr>
+            <p:ph type="subTitle" idx="1"/>
+          </p:nvPr>
+        </p:nvSpPr>
+        <p:spPr>
+          <a:xfrm>
+            <a:off x="-115810" y="3591716"/>
+            <a:ext cx="11844182" cy="1876531"/>
+          </a:xfrm>
+        </p:spPr>
+        <p:txBody>
+          <a:bodyPr>
+            <a:noAutofit/>
+          </a:bodyPr>
+          <a:lstStyle/>
+          <a:p>
+            <a:r>
+              <a:rPr lang="en-US" sz="2267" dirty="0"/>
+              <a:t>Let’s look at possible images you will see later</a:t>
+            </a:r>
+          </a:p>
+          <a:p>
+            <a:r>
+              <a:rPr lang="en-US" sz="2267" dirty="0"/>
+              <a:t>    </a:t>
+            </a:r>
+          </a:p>
+        </p:txBody>
+      </p:sp>
+    </p:spTree>
+    <p:extLst>
+      <p:ext uri="{BB962C8B-B14F-4D97-AF65-F5344CB8AC3E}">
+        <p14:creationId xmlns:p14="http://schemas.microsoft.com/office/powerpoint/2010/main" val="1376146073"/>
+      </p:ext>
+    </p:extLst>
+  </p:cSld>
+  <p:clrMapOvr>
+    <a:masterClrMapping/>
+  </p:clrMapOvr>
+</p:sld>
+</file>
+
+<file path=ppt/slides/slide5.xml><?xml version="1.0" encoding="utf-8"?>
+<p:sld xmlns:a="http://schemas.openxmlformats.org/drawingml/2006/main" xmlns:r="http://schemas.openxmlformats.org/officeDocument/2006/relationships" xmlns:p="http://schemas.openxmlformats.org/presentationml/2006/main">
+  <p:cSld>
+    <p:bg>
+      <p:bgPr>
+        <a:solidFill>
+          <a:schemeClr val="bg1"/>
+        </a:solidFill>
+        <a:effectLst/>
+      </p:bgPr>
+    </p:bg>
+    <p:spTree>
+      <p:nvGrpSpPr>
+        <p:cNvPr id="1" name=""/>
+        <p:cNvGrpSpPr/>
+        <p:nvPr/>
+      </p:nvGrpSpPr>
+      <p:grpSpPr>
+        <a:xfrm>
+          <a:off x="0" y="0"/>
+          <a:ext cx="0" cy="0"/>
+          <a:chOff x="0" y="0"/>
+          <a:chExt cx="0" cy="0"/>
+        </a:xfrm>
+      </p:grpSpPr>
+      <p:pic>
+        <p:nvPicPr>
+          <p:cNvPr id="3" name="Picture 2">
+            <a:extLst>
+              <a:ext uri="{FF2B5EF4-FFF2-40B4-BE49-F238E27FC236}">
+                <a16:creationId xmlns:a16="http://schemas.microsoft.com/office/drawing/2014/main" id="{D04E6684-3BDF-46C6-82E4-2D6030BB8CEC}"/>
+              </a:ext>
+            </a:extLst>
+          </p:cNvPr>
+          <p:cNvPicPr>
+            <a:picLocks noChangeAspect="1"/>
+          </p:cNvPicPr>
+          <p:nvPr/>
+        </p:nvPicPr>
+        <p:blipFill>
+          <a:blip r:embed="rId2">
+            <a:extLst>
+              <a:ext uri="{28A0092B-C50C-407E-A947-70E740481C1C}">
+                <a14:useLocalDpi xmlns:a14="http://schemas.microsoft.com/office/drawing/2010/main" val="0"/>
+              </a:ext>
+            </a:extLst>
+          </a:blip>
+          <a:stretch>
+            <a:fillRect/>
+          </a:stretch>
+        </p:blipFill>
+        <p:spPr>
+          <a:xfrm>
+            <a:off x="0" y="15345"/>
+            <a:ext cx="11612563" cy="7741708"/>
+          </a:xfrm>
+          <a:prstGeom prst="rect">
+            <a:avLst/>
+          </a:prstGeom>
+        </p:spPr>
+      </p:pic>
+    </p:spTree>
+    <p:extLst>
+      <p:ext uri="{BB962C8B-B14F-4D97-AF65-F5344CB8AC3E}">
+        <p14:creationId xmlns:p14="http://schemas.microsoft.com/office/powerpoint/2010/main" val="730195967"/>
+      </p:ext>
+    </p:extLst>
+  </p:cSld>
+  <p:clrMapOvr>
+    <a:masterClrMapping/>
+  </p:clrMapOvr>
+</p:sld>
+</file>
+
+<file path=ppt/slides/slide6.xml><?xml version="1.0" encoding="utf-8"?>
+<p:sld xmlns:a="http://schemas.openxmlformats.org/drawingml/2006/main" xmlns:r="http://schemas.openxmlformats.org/officeDocument/2006/relationships" xmlns:p="http://schemas.openxmlformats.org/presentationml/2006/main">
+  <p:cSld>
+    <p:bg>
+      <p:bgPr>
+        <a:solidFill>
+          <a:schemeClr val="bg1"/>
+        </a:solidFill>
+        <a:effectLst/>
+      </p:bgPr>
+    </p:bg>
+    <p:spTree>
+      <p:nvGrpSpPr>
+        <p:cNvPr id="1" name=""/>
+        <p:cNvGrpSpPr/>
+        <p:nvPr/>
+      </p:nvGrpSpPr>
+      <p:grpSpPr>
+        <a:xfrm>
+          <a:off x="0" y="0"/>
+          <a:ext cx="0" cy="0"/>
+          <a:chOff x="0" y="0"/>
+          <a:chExt cx="0" cy="0"/>
+        </a:xfrm>
+      </p:grpSpPr>
+      <p:pic>
+        <p:nvPicPr>
+          <p:cNvPr id="3" name="Picture 2">
+            <a:extLst>
+              <a:ext uri="{FF2B5EF4-FFF2-40B4-BE49-F238E27FC236}">
+                <a16:creationId xmlns:a16="http://schemas.microsoft.com/office/drawing/2014/main" id="{D04E6684-3BDF-46C6-82E4-2D6030BB8CEC}"/>
+              </a:ext>
+            </a:extLst>
+          </p:cNvPr>
+          <p:cNvPicPr>
+            <a:picLocks noChangeAspect="1"/>
+          </p:cNvPicPr>
+          <p:nvPr/>
+        </p:nvPicPr>
+        <p:blipFill>
+          <a:blip r:embed="rId2">
+            <a:extLst>
+              <a:ext uri="{28A0092B-C50C-407E-A947-70E740481C1C}">
+                <a14:useLocalDpi xmlns:a14="http://schemas.microsoft.com/office/drawing/2010/main" val="0"/>
+              </a:ext>
+            </a:extLst>
+          </a:blip>
+          <a:stretch>
+            <a:fillRect/>
+          </a:stretch>
+        </p:blipFill>
+        <p:spPr>
+          <a:xfrm>
+            <a:off x="0" y="15345"/>
+            <a:ext cx="11612563" cy="7741708"/>
+          </a:xfrm>
+          <a:prstGeom prst="rect">
+            <a:avLst/>
+          </a:prstGeom>
+        </p:spPr>
+      </p:pic>
+      <p:sp>
+        <p:nvSpPr>
+          <p:cNvPr id="8" name="Subtitle 2">
+            <a:extLst>
+              <a:ext uri="{FF2B5EF4-FFF2-40B4-BE49-F238E27FC236}">
+                <a16:creationId xmlns:a16="http://schemas.microsoft.com/office/drawing/2014/main" id="{533A36A2-6DFB-4247-B4BE-821AB1C99F30}"/>
+              </a:ext>
+            </a:extLst>
+          </p:cNvPr>
+          <p:cNvSpPr txBox="1">
+            <a:spLocks/>
+          </p:cNvSpPr>
+          <p:nvPr/>
+        </p:nvSpPr>
+        <p:spPr>
+          <a:xfrm>
+            <a:off x="3369743" y="3415365"/>
+            <a:ext cx="4873078" cy="941672"/>
+          </a:xfrm>
+          <a:prstGeom prst="rect">
+            <a:avLst/>
+          </a:prstGeom>
+          <a:solidFill>
+            <a:schemeClr val="bg1">
+              <a:alpha val="84000"/>
+            </a:schemeClr>
+          </a:solidFill>
+        </p:spPr>
+        <p:txBody>
+          <a:bodyPr vert="horz" lIns="103632" tIns="51816" rIns="103632" bIns="51816" rtlCol="0">
+            <a:noAutofit/>
+          </a:bodyPr>
+          <a:lstStyle>
+            <a:lvl1pPr marL="0" indent="0" algn="ctr" defTabSz="914400" rtl="0" eaLnBrk="1" latinLnBrk="0" hangingPunct="1">
+              <a:lnSpc>
+                <a:spcPct val="90000"/>
+              </a:lnSpc>
+              <a:spcBef>
+                <a:spcPts val="1000"/>
+              </a:spcBef>
+              <a:buFont typeface="Arial" panose="020B0604020202020204" pitchFamily="34" charset="0"/>
+              <a:buNone/>
+              <a:defRPr sz="2400" kern="1200">
+                <a:solidFill>
+                  <a:schemeClr val="tx1"/>
+                </a:solidFill>
+                <a:latin typeface="+mn-lt"/>
+                <a:ea typeface="+mn-ea"/>
+                <a:cs typeface="+mn-cs"/>
+              </a:defRPr>
+            </a:lvl1pPr>
+            <a:lvl2pPr marL="457200" indent="0" algn="ctr" defTabSz="914400" rtl="0" eaLnBrk="1" latinLnBrk="0" hangingPunct="1">
+              <a:lnSpc>
+                <a:spcPct val="90000"/>
+              </a:lnSpc>
+              <a:spcBef>
+                <a:spcPts val="500"/>
+              </a:spcBef>
+              <a:buFont typeface="Arial" panose="020B0604020202020204" pitchFamily="34" charset="0"/>
+              <a:buNone/>
+              <a:defRPr sz="2000" kern="1200">
+                <a:solidFill>
+                  <a:schemeClr val="tx1"/>
+                </a:solidFill>
+                <a:latin typeface="+mn-lt"/>
+                <a:ea typeface="+mn-ea"/>
+                <a:cs typeface="+mn-cs"/>
+              </a:defRPr>
+            </a:lvl2pPr>
+            <a:lvl3pPr marL="914400" indent="0" algn="ctr" defTabSz="914400" rtl="0" eaLnBrk="1" latinLnBrk="0" hangingPunct="1">
+              <a:lnSpc>
+                <a:spcPct val="90000"/>
+              </a:lnSpc>
+              <a:spcBef>
+                <a:spcPts val="500"/>
+              </a:spcBef>
+              <a:buFont typeface="Arial" panose="020B0604020202020204" pitchFamily="34" charset="0"/>
+              <a:buNone/>
+              <a:defRPr sz="1800" kern="1200">
+                <a:solidFill>
+                  <a:schemeClr val="tx1"/>
+                </a:solidFill>
+                <a:latin typeface="+mn-lt"/>
+                <a:ea typeface="+mn-ea"/>
+                <a:cs typeface="+mn-cs"/>
+              </a:defRPr>
+            </a:lvl3pPr>
+            <a:lvl4pPr marL="1371600" indent="0" algn="ctr" defTabSz="914400" rtl="0" eaLnBrk="1" latinLnBrk="0" hangingPunct="1">
+              <a:lnSpc>
+                <a:spcPct val="90000"/>
+              </a:lnSpc>
+              <a:spcBef>
+                <a:spcPts val="500"/>
+              </a:spcBef>
+              <a:buFont typeface="Arial" panose="020B0604020202020204" pitchFamily="34" charset="0"/>
+              <a:buNone/>
+              <a:defRPr sz="1600" kern="1200">
+                <a:solidFill>
+                  <a:schemeClr val="tx1"/>
+                </a:solidFill>
+                <a:latin typeface="+mn-lt"/>
+                <a:ea typeface="+mn-ea"/>
+                <a:cs typeface="+mn-cs"/>
+              </a:defRPr>
+            </a:lvl4pPr>
+            <a:lvl5pPr marL="1828800" indent="0" algn="ctr" defTabSz="914400" rtl="0" eaLnBrk="1" latinLnBrk="0" hangingPunct="1">
+              <a:lnSpc>
+                <a:spcPct val="90000"/>
+              </a:lnSpc>
+              <a:spcBef>
+                <a:spcPts val="500"/>
+              </a:spcBef>
+              <a:buFont typeface="Arial" panose="020B0604020202020204" pitchFamily="34" charset="0"/>
+              <a:buNone/>
+              <a:defRPr sz="1600" kern="1200">
+                <a:solidFill>
+                  <a:schemeClr val="tx1"/>
+                </a:solidFill>
+                <a:latin typeface="+mn-lt"/>
+                <a:ea typeface="+mn-ea"/>
+                <a:cs typeface="+mn-cs"/>
+              </a:defRPr>
+            </a:lvl5pPr>
+            <a:lvl6pPr marL="2286000" indent="0" algn="ctr" defTabSz="914400" rtl="0" eaLnBrk="1" latinLnBrk="0" hangingPunct="1">
+              <a:lnSpc>
+                <a:spcPct val="90000"/>
+              </a:lnSpc>
+              <a:spcBef>
+                <a:spcPts val="500"/>
+              </a:spcBef>
+              <a:buFont typeface="Arial" panose="020B0604020202020204" pitchFamily="34" charset="0"/>
+              <a:buNone/>
+              <a:defRPr sz="1600" kern="1200">
+                <a:solidFill>
+                  <a:schemeClr val="tx1"/>
+                </a:solidFill>
+                <a:latin typeface="+mn-lt"/>
+                <a:ea typeface="+mn-ea"/>
+                <a:cs typeface="+mn-cs"/>
+              </a:defRPr>
+            </a:lvl6pPr>
+            <a:lvl7pPr marL="2743200" indent="0" algn="ctr" defTabSz="914400" rtl="0" eaLnBrk="1" latinLnBrk="0" hangingPunct="1">
+              <a:lnSpc>
+                <a:spcPct val="90000"/>
+              </a:lnSpc>
+              <a:spcBef>
+                <a:spcPts val="500"/>
+              </a:spcBef>
+              <a:buFont typeface="Arial" panose="020B0604020202020204" pitchFamily="34" charset="0"/>
+              <a:buNone/>
+              <a:defRPr sz="1600" kern="1200">
+                <a:solidFill>
+                  <a:schemeClr val="tx1"/>
+                </a:solidFill>
+                <a:latin typeface="+mn-lt"/>
+                <a:ea typeface="+mn-ea"/>
+                <a:cs typeface="+mn-cs"/>
+              </a:defRPr>
+            </a:lvl7pPr>
+            <a:lvl8pPr marL="3200400" indent="0" algn="ctr" defTabSz="914400" rtl="0" eaLnBrk="1" latinLnBrk="0" hangingPunct="1">
+              <a:lnSpc>
+                <a:spcPct val="90000"/>
+              </a:lnSpc>
+              <a:spcBef>
+                <a:spcPts val="500"/>
+              </a:spcBef>
+              <a:buFont typeface="Arial" panose="020B0604020202020204" pitchFamily="34" charset="0"/>
+              <a:buNone/>
+              <a:defRPr sz="1600" kern="1200">
+                <a:solidFill>
+                  <a:schemeClr val="tx1"/>
+                </a:solidFill>
+                <a:latin typeface="+mn-lt"/>
+                <a:ea typeface="+mn-ea"/>
+                <a:cs typeface="+mn-cs"/>
+              </a:defRPr>
+            </a:lvl8pPr>
+            <a:lvl9pPr marL="3657600" indent="0" algn="ctr" defTabSz="914400" rtl="0" eaLnBrk="1" latinLnBrk="0" hangingPunct="1">
+              <a:lnSpc>
+                <a:spcPct val="90000"/>
+              </a:lnSpc>
+              <a:spcBef>
+                <a:spcPts val="500"/>
+              </a:spcBef>
+              <a:buFont typeface="Arial" panose="020B0604020202020204" pitchFamily="34" charset="0"/>
+              <a:buNone/>
+              <a:defRPr sz="1600" kern="1200">
+                <a:solidFill>
+                  <a:schemeClr val="tx1"/>
+                </a:solidFill>
+                <a:latin typeface="+mn-lt"/>
+                <a:ea typeface="+mn-ea"/>
+                <a:cs typeface="+mn-cs"/>
+              </a:defRPr>
+            </a:lvl9pPr>
+          </a:lstStyle>
+          <a:p>
+            <a:r>
+              <a:rPr lang="en-US" sz="2267" dirty="0"/>
+              <a:t>Trials can look like this for example. </a:t>
+            </a:r>
+          </a:p>
+          <a:p>
+            <a:r>
+              <a:rPr lang="en-US" sz="2267" dirty="0"/>
+              <a:t>Can you find the uniquely oriented bar?</a:t>
+            </a:r>
+          </a:p>
+        </p:txBody>
+      </p:sp>
+    </p:spTree>
+    <p:extLst>
+      <p:ext uri="{BB962C8B-B14F-4D97-AF65-F5344CB8AC3E}">
+        <p14:creationId xmlns:p14="http://schemas.microsoft.com/office/powerpoint/2010/main" val="2844826810"/>
+      </p:ext>
+    </p:extLst>
+  </p:cSld>
+  <p:clrMapOvr>
+    <a:masterClrMapping/>
+  </p:clrMapOvr>
+</p:sld>
+</file>
+
+<file path=ppt/slides/slide7.xml><?xml version="1.0" encoding="utf-8"?>
+<p:sld xmlns:a="http://schemas.openxmlformats.org/drawingml/2006/main" xmlns:r="http://schemas.openxmlformats.org/officeDocument/2006/relationships" xmlns:p="http://schemas.openxmlformats.org/presentationml/2006/main">
+  <p:cSld>
+    <p:bg>
+      <p:bgPr>
+        <a:solidFill>
+          <a:schemeClr val="bg1"/>
+        </a:solidFill>
+        <a:effectLst/>
+      </p:bgPr>
+    </p:bg>
+    <p:spTree>
+      <p:nvGrpSpPr>
+        <p:cNvPr id="1" name=""/>
+        <p:cNvGrpSpPr/>
+        <p:nvPr/>
+      </p:nvGrpSpPr>
+      <p:grpSpPr>
+        <a:xfrm>
+          <a:off x="0" y="0"/>
+          <a:ext cx="0" cy="0"/>
+          <a:chOff x="0" y="0"/>
+          <a:chExt cx="0" cy="0"/>
+        </a:xfrm>
+      </p:grpSpPr>
+      <p:pic>
+        <p:nvPicPr>
+          <p:cNvPr id="3" name="Picture 2">
+            <a:extLst>
+              <a:ext uri="{FF2B5EF4-FFF2-40B4-BE49-F238E27FC236}">
+                <a16:creationId xmlns:a16="http://schemas.microsoft.com/office/drawing/2014/main" id="{6C66C3DA-323D-4E48-9792-C2EC514F4493}"/>
+              </a:ext>
+            </a:extLst>
+          </p:cNvPr>
+          <p:cNvPicPr>
+            <a:picLocks noChangeAspect="1"/>
+          </p:cNvPicPr>
+          <p:nvPr/>
+        </p:nvPicPr>
+        <p:blipFill>
+          <a:blip r:embed="rId2">
+            <a:extLst>
+              <a:ext uri="{28A0092B-C50C-407E-A947-70E740481C1C}">
+                <a14:useLocalDpi xmlns:a14="http://schemas.microsoft.com/office/drawing/2010/main" val="0"/>
+              </a:ext>
+            </a:extLst>
+          </a:blip>
+          <a:stretch>
+            <a:fillRect/>
+          </a:stretch>
+        </p:blipFill>
+        <p:spPr>
+          <a:xfrm>
+            <a:off x="0" y="15345"/>
+            <a:ext cx="11612563" cy="7741708"/>
+          </a:xfrm>
+          <a:prstGeom prst="rect">
+            <a:avLst/>
+          </a:prstGeom>
+        </p:spPr>
+      </p:pic>
+    </p:spTree>
+    <p:extLst>
+      <p:ext uri="{BB962C8B-B14F-4D97-AF65-F5344CB8AC3E}">
+        <p14:creationId xmlns:p14="http://schemas.microsoft.com/office/powerpoint/2010/main" val="674618842"/>
+      </p:ext>
+    </p:extLst>
+  </p:cSld>
+  <p:clrMapOvr>
+    <a:masterClrMapping/>
+  </p:clrMapOvr>
+</p:sld>
+</file>
+
+<file path=ppt/slides/slide8.xml><?xml version="1.0" encoding="utf-8"?>
+<p:sld xmlns:a="http://schemas.openxmlformats.org/drawingml/2006/main" xmlns:r="http://schemas.openxmlformats.org/officeDocument/2006/relationships" xmlns:p="http://schemas.openxmlformats.org/presentationml/2006/main">
+  <p:cSld>
+    <p:bg>
+      <p:bgPr>
+        <a:solidFill>
+          <a:schemeClr val="bg1"/>
+        </a:solidFill>
+        <a:effectLst/>
+      </p:bgPr>
+    </p:bg>
+    <p:spTree>
+      <p:nvGrpSpPr>
+        <p:cNvPr id="1" name=""/>
+        <p:cNvGrpSpPr/>
+        <p:nvPr/>
+      </p:nvGrpSpPr>
+      <p:grpSpPr>
+        <a:xfrm>
+          <a:off x="0" y="0"/>
+          <a:ext cx="0" cy="0"/>
+          <a:chOff x="0" y="0"/>
+          <a:chExt cx="0" cy="0"/>
+        </a:xfrm>
+      </p:grpSpPr>
+      <p:pic>
+        <p:nvPicPr>
+          <p:cNvPr id="3" name="Picture 2">
+            <a:extLst>
+              <a:ext uri="{FF2B5EF4-FFF2-40B4-BE49-F238E27FC236}">
+                <a16:creationId xmlns:a16="http://schemas.microsoft.com/office/drawing/2014/main" id="{6C66C3DA-323D-4E48-9792-C2EC514F4493}"/>
+              </a:ext>
+            </a:extLst>
+          </p:cNvPr>
+          <p:cNvPicPr>
+            <a:picLocks noChangeAspect="1"/>
+          </p:cNvPicPr>
+          <p:nvPr/>
+        </p:nvPicPr>
+        <p:blipFill>
+          <a:blip r:embed="rId2">
+            <a:extLst>
+              <a:ext uri="{28A0092B-C50C-407E-A947-70E740481C1C}">
+                <a14:useLocalDpi xmlns:a14="http://schemas.microsoft.com/office/drawing/2010/main" val="0"/>
+              </a:ext>
+            </a:extLst>
+          </a:blip>
+          <a:stretch>
+            <a:fillRect/>
+          </a:stretch>
+        </p:blipFill>
+        <p:spPr>
+          <a:xfrm>
+            <a:off x="0" y="15345"/>
+            <a:ext cx="11612563" cy="7741708"/>
+          </a:xfrm>
+          <a:prstGeom prst="rect">
+            <a:avLst/>
+          </a:prstGeom>
+        </p:spPr>
+      </p:pic>
+      <p:sp>
+        <p:nvSpPr>
+          <p:cNvPr id="10" name="Subtitle 2">
+            <a:extLst>
+              <a:ext uri="{FF2B5EF4-FFF2-40B4-BE49-F238E27FC236}">
+                <a16:creationId xmlns:a16="http://schemas.microsoft.com/office/drawing/2014/main" id="{9B7C3DE0-6742-4AFB-9E2C-B8C6780D6763}"/>
+              </a:ext>
+            </a:extLst>
+          </p:cNvPr>
+          <p:cNvSpPr txBox="1">
+            <a:spLocks/>
+          </p:cNvSpPr>
+          <p:nvPr/>
+        </p:nvSpPr>
+        <p:spPr>
+          <a:xfrm>
+            <a:off x="1208447" y="3415365"/>
+            <a:ext cx="9195681" cy="941672"/>
+          </a:xfrm>
+          <a:prstGeom prst="rect">
+            <a:avLst/>
+          </a:prstGeom>
+          <a:solidFill>
+            <a:schemeClr val="bg1">
+              <a:alpha val="84000"/>
+            </a:schemeClr>
+          </a:solidFill>
+        </p:spPr>
+        <p:txBody>
+          <a:bodyPr vert="horz" lIns="103632" tIns="51816" rIns="103632" bIns="51816" rtlCol="0">
+            <a:noAutofit/>
+          </a:bodyPr>
+          <a:lstStyle>
+            <a:lvl1pPr marL="0" indent="0" algn="ctr" defTabSz="914400" rtl="0" eaLnBrk="1" latinLnBrk="0" hangingPunct="1">
+              <a:lnSpc>
+                <a:spcPct val="90000"/>
+              </a:lnSpc>
+              <a:spcBef>
+                <a:spcPts val="1000"/>
+              </a:spcBef>
+              <a:buFont typeface="Arial" panose="020B0604020202020204" pitchFamily="34" charset="0"/>
+              <a:buNone/>
+              <a:defRPr sz="2400" kern="1200">
+                <a:solidFill>
+                  <a:schemeClr val="tx1"/>
+                </a:solidFill>
+                <a:latin typeface="+mn-lt"/>
+                <a:ea typeface="+mn-ea"/>
+                <a:cs typeface="+mn-cs"/>
+              </a:defRPr>
+            </a:lvl1pPr>
+            <a:lvl2pPr marL="457200" indent="0" algn="ctr" defTabSz="914400" rtl="0" eaLnBrk="1" latinLnBrk="0" hangingPunct="1">
+              <a:lnSpc>
+                <a:spcPct val="90000"/>
+              </a:lnSpc>
+              <a:spcBef>
+                <a:spcPts val="500"/>
+              </a:spcBef>
+              <a:buFont typeface="Arial" panose="020B0604020202020204" pitchFamily="34" charset="0"/>
+              <a:buNone/>
+              <a:defRPr sz="2000" kern="1200">
+                <a:solidFill>
+                  <a:schemeClr val="tx1"/>
+                </a:solidFill>
+                <a:latin typeface="+mn-lt"/>
+                <a:ea typeface="+mn-ea"/>
+                <a:cs typeface="+mn-cs"/>
+              </a:defRPr>
+            </a:lvl2pPr>
+            <a:lvl3pPr marL="914400" indent="0" algn="ctr" defTabSz="914400" rtl="0" eaLnBrk="1" latinLnBrk="0" hangingPunct="1">
+              <a:lnSpc>
+                <a:spcPct val="90000"/>
+              </a:lnSpc>
+              <a:spcBef>
+                <a:spcPts val="500"/>
+              </a:spcBef>
+              <a:buFont typeface="Arial" panose="020B0604020202020204" pitchFamily="34" charset="0"/>
+              <a:buNone/>
+              <a:defRPr sz="1800" kern="1200">
+                <a:solidFill>
+                  <a:schemeClr val="tx1"/>
+                </a:solidFill>
+                <a:latin typeface="+mn-lt"/>
+                <a:ea typeface="+mn-ea"/>
+                <a:cs typeface="+mn-cs"/>
+              </a:defRPr>
+            </a:lvl3pPr>
+            <a:lvl4pPr marL="1371600" indent="0" algn="ctr" defTabSz="914400" rtl="0" eaLnBrk="1" latinLnBrk="0" hangingPunct="1">
+              <a:lnSpc>
+                <a:spcPct val="90000"/>
+              </a:lnSpc>
+              <a:spcBef>
+                <a:spcPts val="500"/>
+              </a:spcBef>
+              <a:buFont typeface="Arial" panose="020B0604020202020204" pitchFamily="34" charset="0"/>
+              <a:buNone/>
+              <a:defRPr sz="1600" kern="1200">
+                <a:solidFill>
+                  <a:schemeClr val="tx1"/>
+                </a:solidFill>
+                <a:latin typeface="+mn-lt"/>
+                <a:ea typeface="+mn-ea"/>
+                <a:cs typeface="+mn-cs"/>
+              </a:defRPr>
+            </a:lvl4pPr>
+            <a:lvl5pPr marL="1828800" indent="0" algn="ctr" defTabSz="914400" rtl="0" eaLnBrk="1" latinLnBrk="0" hangingPunct="1">
+              <a:lnSpc>
+                <a:spcPct val="90000"/>
+              </a:lnSpc>
+              <a:spcBef>
+                <a:spcPts val="500"/>
+              </a:spcBef>
+              <a:buFont typeface="Arial" panose="020B0604020202020204" pitchFamily="34" charset="0"/>
+              <a:buNone/>
+              <a:defRPr sz="1600" kern="1200">
+                <a:solidFill>
+                  <a:schemeClr val="tx1"/>
+                </a:solidFill>
+                <a:latin typeface="+mn-lt"/>
+                <a:ea typeface="+mn-ea"/>
+                <a:cs typeface="+mn-cs"/>
+              </a:defRPr>
+            </a:lvl5pPr>
+            <a:lvl6pPr marL="2286000" indent="0" algn="ctr" defTabSz="914400" rtl="0" eaLnBrk="1" latinLnBrk="0" hangingPunct="1">
+              <a:lnSpc>
+                <a:spcPct val="90000"/>
+              </a:lnSpc>
+              <a:spcBef>
+                <a:spcPts val="500"/>
+              </a:spcBef>
+              <a:buFont typeface="Arial" panose="020B0604020202020204" pitchFamily="34" charset="0"/>
+              <a:buNone/>
+              <a:defRPr sz="1600" kern="1200">
+                <a:solidFill>
+                  <a:schemeClr val="tx1"/>
+                </a:solidFill>
+                <a:latin typeface="+mn-lt"/>
+                <a:ea typeface="+mn-ea"/>
+                <a:cs typeface="+mn-cs"/>
+              </a:defRPr>
+            </a:lvl6pPr>
+            <a:lvl7pPr marL="2743200" indent="0" algn="ctr" defTabSz="914400" rtl="0" eaLnBrk="1" latinLnBrk="0" hangingPunct="1">
+              <a:lnSpc>
+                <a:spcPct val="90000"/>
+              </a:lnSpc>
+              <a:spcBef>
+                <a:spcPts val="500"/>
+              </a:spcBef>
+              <a:buFont typeface="Arial" panose="020B0604020202020204" pitchFamily="34" charset="0"/>
+              <a:buNone/>
+              <a:defRPr sz="1600" kern="1200">
+                <a:solidFill>
+                  <a:schemeClr val="tx1"/>
+                </a:solidFill>
+                <a:latin typeface="+mn-lt"/>
+                <a:ea typeface="+mn-ea"/>
+                <a:cs typeface="+mn-cs"/>
+              </a:defRPr>
+            </a:lvl7pPr>
+            <a:lvl8pPr marL="3200400" indent="0" algn="ctr" defTabSz="914400" rtl="0" eaLnBrk="1" latinLnBrk="0" hangingPunct="1">
+              <a:lnSpc>
+                <a:spcPct val="90000"/>
+              </a:lnSpc>
+              <a:spcBef>
+                <a:spcPts val="500"/>
+              </a:spcBef>
+              <a:buFont typeface="Arial" panose="020B0604020202020204" pitchFamily="34" charset="0"/>
+              <a:buNone/>
+              <a:defRPr sz="1600" kern="1200">
+                <a:solidFill>
+                  <a:schemeClr val="tx1"/>
+                </a:solidFill>
+                <a:latin typeface="+mn-lt"/>
+                <a:ea typeface="+mn-ea"/>
+                <a:cs typeface="+mn-cs"/>
+              </a:defRPr>
+            </a:lvl8pPr>
+            <a:lvl9pPr marL="3657600" indent="0" algn="ctr" defTabSz="914400" rtl="0" eaLnBrk="1" latinLnBrk="0" hangingPunct="1">
+              <a:lnSpc>
+                <a:spcPct val="90000"/>
+              </a:lnSpc>
+              <a:spcBef>
+                <a:spcPts val="500"/>
+              </a:spcBef>
+              <a:buFont typeface="Arial" panose="020B0604020202020204" pitchFamily="34" charset="0"/>
+              <a:buNone/>
+              <a:defRPr sz="1600" kern="1200">
+                <a:solidFill>
+                  <a:schemeClr val="tx1"/>
+                </a:solidFill>
+                <a:latin typeface="+mn-lt"/>
+                <a:ea typeface="+mn-ea"/>
+                <a:cs typeface="+mn-cs"/>
+              </a:defRPr>
+            </a:lvl9pPr>
+          </a:lstStyle>
+          <a:p>
+            <a:r>
+              <a:rPr lang="en-US" sz="2267" dirty="0"/>
+              <a:t>Some trials have horizontal &amp; vertical bars added on top of the relevant bars.</a:t>
+            </a:r>
+          </a:p>
+          <a:p>
+            <a:r>
+              <a:rPr lang="en-US" sz="2267" dirty="0"/>
+              <a:t>Can you still see the uniquely oriented bar?</a:t>
+            </a:r>
+          </a:p>
+        </p:txBody>
+      </p:sp>
+    </p:spTree>
+    <p:extLst>
+      <p:ext uri="{BB962C8B-B14F-4D97-AF65-F5344CB8AC3E}">
+        <p14:creationId xmlns:p14="http://schemas.microsoft.com/office/powerpoint/2010/main" val="536977158"/>
       </p:ext>
     </p:extLst>
   </p:cSld>
@@ -4860,273 +5690,70 @@
           <a:chExt cx="0" cy="0"/>
         </a:xfrm>
       </p:grpSpPr>
-      <p:pic>
-        <p:nvPicPr>
-          <p:cNvPr id="4" name="Picture 3">
+      <p:sp>
+        <p:nvSpPr>
+          <p:cNvPr id="3" name="Subtitle 2">
             <a:extLst>
               <a:ext uri="{FF2B5EF4-FFF2-40B4-BE49-F238E27FC236}">
-                <a16:creationId xmlns:a16="http://schemas.microsoft.com/office/drawing/2014/main" id="{7422813B-2380-4DA4-BE8A-B1CADAE87DD3}"/>
+                <a16:creationId xmlns:a16="http://schemas.microsoft.com/office/drawing/2014/main" id="{4150058A-3ED2-402F-80BC-2329C314E54D}"/>
               </a:ext>
             </a:extLst>
           </p:cNvPr>
-          <p:cNvPicPr>
-            <a:picLocks noChangeAspect="1"/>
-          </p:cNvPicPr>
-          <p:nvPr/>
-        </p:nvPicPr>
-        <p:blipFill>
-          <a:blip r:embed="rId2">
-            <a:extLst>
-              <a:ext uri="{28A0092B-C50C-407E-A947-70E740481C1C}">
-                <a14:useLocalDpi xmlns:a14="http://schemas.microsoft.com/office/drawing/2010/main" val="0"/>
-              </a:ext>
-            </a:extLst>
-          </a:blip>
-          <a:stretch>
-            <a:fillRect/>
-          </a:stretch>
-        </p:blipFill>
+          <p:cNvSpPr>
+            <a:spLocks noGrp="1"/>
+          </p:cNvSpPr>
+          <p:nvPr>
+            <p:ph type="subTitle" idx="1"/>
+          </p:nvPr>
+        </p:nvSpPr>
         <p:spPr>
           <a:xfrm>
-            <a:off x="952500" y="0"/>
-            <a:ext cx="10287000" cy="6858000"/>
+            <a:off x="-115810" y="1623810"/>
+            <a:ext cx="11844182" cy="1876531"/>
           </a:xfrm>
-          <a:prstGeom prst="rect">
-            <a:avLst/>
-          </a:prstGeom>
         </p:spPr>
-      </p:pic>
-      <p:sp>
-        <p:nvSpPr>
-          <p:cNvPr id="7" name="Subtitle 2">
-            <a:extLst>
-              <a:ext uri="{FF2B5EF4-FFF2-40B4-BE49-F238E27FC236}">
-                <a16:creationId xmlns:a16="http://schemas.microsoft.com/office/drawing/2014/main" id="{F5105DAE-1065-43D1-844E-30D079D6CA6F}"/>
-              </a:ext>
-            </a:extLst>
-          </p:cNvPr>
-          <p:cNvSpPr txBox="1">
-            <a:spLocks/>
-          </p:cNvSpPr>
-          <p:nvPr/>
-        </p:nvSpPr>
-        <p:spPr>
-          <a:xfrm>
-            <a:off x="2182253" y="3013556"/>
-            <a:ext cx="7827493" cy="830887"/>
-          </a:xfrm>
-          <a:prstGeom prst="rect">
-            <a:avLst/>
-          </a:prstGeom>
-          <a:solidFill>
-            <a:schemeClr val="bg1">
-              <a:alpha val="84000"/>
-            </a:schemeClr>
-          </a:solidFill>
-        </p:spPr>
-        <p:txBody>
-          <a:bodyPr vert="horz" lIns="91440" tIns="45720" rIns="91440" bIns="45720" rtlCol="0">
+        <p:txBody>
+          <a:bodyPr>
             <a:noAutofit/>
           </a:bodyPr>
-          <a:lstStyle>
-            <a:lvl1pPr marL="0" indent="0" algn="ctr" defTabSz="914400" rtl="0" eaLnBrk="1" latinLnBrk="0" hangingPunct="1">
-              <a:lnSpc>
-                <a:spcPct val="90000"/>
-              </a:lnSpc>
-              <a:spcBef>
-                <a:spcPts val="1000"/>
-              </a:spcBef>
-              <a:buFont typeface="Arial" panose="020B0604020202020204" pitchFamily="34" charset="0"/>
-              <a:buNone/>
-              <a:defRPr sz="2400" kern="1200">
-                <a:solidFill>
-                  <a:schemeClr val="tx1"/>
-                </a:solidFill>
-                <a:latin typeface="+mn-lt"/>
-                <a:ea typeface="+mn-ea"/>
-                <a:cs typeface="+mn-cs"/>
-              </a:defRPr>
-            </a:lvl1pPr>
-            <a:lvl2pPr marL="457200" indent="0" algn="ctr" defTabSz="914400" rtl="0" eaLnBrk="1" latinLnBrk="0" hangingPunct="1">
-              <a:lnSpc>
-                <a:spcPct val="90000"/>
-              </a:lnSpc>
-              <a:spcBef>
-                <a:spcPts val="500"/>
-              </a:spcBef>
-              <a:buFont typeface="Arial" panose="020B0604020202020204" pitchFamily="34" charset="0"/>
-              <a:buNone/>
-              <a:defRPr sz="2000" kern="1200">
-                <a:solidFill>
-                  <a:schemeClr val="tx1"/>
-                </a:solidFill>
-                <a:latin typeface="+mn-lt"/>
-                <a:ea typeface="+mn-ea"/>
-                <a:cs typeface="+mn-cs"/>
-              </a:defRPr>
-            </a:lvl2pPr>
-            <a:lvl3pPr marL="914400" indent="0" algn="ctr" defTabSz="914400" rtl="0" eaLnBrk="1" latinLnBrk="0" hangingPunct="1">
-              <a:lnSpc>
-                <a:spcPct val="90000"/>
-              </a:lnSpc>
-              <a:spcBef>
-                <a:spcPts val="500"/>
-              </a:spcBef>
-              <a:buFont typeface="Arial" panose="020B0604020202020204" pitchFamily="34" charset="0"/>
-              <a:buNone/>
-              <a:defRPr sz="1800" kern="1200">
-                <a:solidFill>
-                  <a:schemeClr val="tx1"/>
-                </a:solidFill>
-                <a:latin typeface="+mn-lt"/>
-                <a:ea typeface="+mn-ea"/>
-                <a:cs typeface="+mn-cs"/>
-              </a:defRPr>
-            </a:lvl3pPr>
-            <a:lvl4pPr marL="1371600" indent="0" algn="ctr" defTabSz="914400" rtl="0" eaLnBrk="1" latinLnBrk="0" hangingPunct="1">
-              <a:lnSpc>
-                <a:spcPct val="90000"/>
-              </a:lnSpc>
-              <a:spcBef>
-                <a:spcPts val="500"/>
-              </a:spcBef>
-              <a:buFont typeface="Arial" panose="020B0604020202020204" pitchFamily="34" charset="0"/>
-              <a:buNone/>
-              <a:defRPr sz="1600" kern="1200">
-                <a:solidFill>
-                  <a:schemeClr val="tx1"/>
-                </a:solidFill>
-                <a:latin typeface="+mn-lt"/>
-                <a:ea typeface="+mn-ea"/>
-                <a:cs typeface="+mn-cs"/>
-              </a:defRPr>
-            </a:lvl4pPr>
-            <a:lvl5pPr marL="1828800" indent="0" algn="ctr" defTabSz="914400" rtl="0" eaLnBrk="1" latinLnBrk="0" hangingPunct="1">
-              <a:lnSpc>
-                <a:spcPct val="90000"/>
-              </a:lnSpc>
-              <a:spcBef>
-                <a:spcPts val="500"/>
-              </a:spcBef>
-              <a:buFont typeface="Arial" panose="020B0604020202020204" pitchFamily="34" charset="0"/>
-              <a:buNone/>
-              <a:defRPr sz="1600" kern="1200">
-                <a:solidFill>
-                  <a:schemeClr val="tx1"/>
-                </a:solidFill>
-                <a:latin typeface="+mn-lt"/>
-                <a:ea typeface="+mn-ea"/>
-                <a:cs typeface="+mn-cs"/>
-              </a:defRPr>
-            </a:lvl5pPr>
-            <a:lvl6pPr marL="2286000" indent="0" algn="ctr" defTabSz="914400" rtl="0" eaLnBrk="1" latinLnBrk="0" hangingPunct="1">
-              <a:lnSpc>
-                <a:spcPct val="90000"/>
-              </a:lnSpc>
-              <a:spcBef>
-                <a:spcPts val="500"/>
-              </a:spcBef>
-              <a:buFont typeface="Arial" panose="020B0604020202020204" pitchFamily="34" charset="0"/>
-              <a:buNone/>
-              <a:defRPr sz="1600" kern="1200">
-                <a:solidFill>
-                  <a:schemeClr val="tx1"/>
-                </a:solidFill>
-                <a:latin typeface="+mn-lt"/>
-                <a:ea typeface="+mn-ea"/>
-                <a:cs typeface="+mn-cs"/>
-              </a:defRPr>
-            </a:lvl6pPr>
-            <a:lvl7pPr marL="2743200" indent="0" algn="ctr" defTabSz="914400" rtl="0" eaLnBrk="1" latinLnBrk="0" hangingPunct="1">
-              <a:lnSpc>
-                <a:spcPct val="90000"/>
-              </a:lnSpc>
-              <a:spcBef>
-                <a:spcPts val="500"/>
-              </a:spcBef>
-              <a:buFont typeface="Arial" panose="020B0604020202020204" pitchFamily="34" charset="0"/>
-              <a:buNone/>
-              <a:defRPr sz="1600" kern="1200">
-                <a:solidFill>
-                  <a:schemeClr val="tx1"/>
-                </a:solidFill>
-                <a:latin typeface="+mn-lt"/>
-                <a:ea typeface="+mn-ea"/>
-                <a:cs typeface="+mn-cs"/>
-              </a:defRPr>
-            </a:lvl7pPr>
-            <a:lvl8pPr marL="3200400" indent="0" algn="ctr" defTabSz="914400" rtl="0" eaLnBrk="1" latinLnBrk="0" hangingPunct="1">
-              <a:lnSpc>
-                <a:spcPct val="90000"/>
-              </a:lnSpc>
-              <a:spcBef>
-                <a:spcPts val="500"/>
-              </a:spcBef>
-              <a:buFont typeface="Arial" panose="020B0604020202020204" pitchFamily="34" charset="0"/>
-              <a:buNone/>
-              <a:defRPr sz="1600" kern="1200">
-                <a:solidFill>
-                  <a:schemeClr val="tx1"/>
-                </a:solidFill>
-                <a:latin typeface="+mn-lt"/>
-                <a:ea typeface="+mn-ea"/>
-                <a:cs typeface="+mn-cs"/>
-              </a:defRPr>
-            </a:lvl8pPr>
-            <a:lvl9pPr marL="3657600" indent="0" algn="ctr" defTabSz="914400" rtl="0" eaLnBrk="1" latinLnBrk="0" hangingPunct="1">
-              <a:lnSpc>
-                <a:spcPct val="90000"/>
-              </a:lnSpc>
-              <a:spcBef>
-                <a:spcPts val="500"/>
-              </a:spcBef>
-              <a:buFont typeface="Arial" panose="020B0604020202020204" pitchFamily="34" charset="0"/>
-              <a:buNone/>
-              <a:defRPr sz="1600" kern="1200">
-                <a:solidFill>
-                  <a:schemeClr val="tx1"/>
-                </a:solidFill>
-                <a:latin typeface="+mn-lt"/>
-                <a:ea typeface="+mn-ea"/>
-                <a:cs typeface="+mn-cs"/>
-              </a:defRPr>
-            </a:lvl9pPr>
-          </a:lstStyle>
-          <a:p>
-            <a:r>
-              <a:rPr lang="en-US" sz="2000" dirty="0"/>
-              <a:t>During the search task you have to look for the </a:t>
-            </a:r>
-            <a:r>
-              <a:rPr lang="en-US" sz="2000" b="1" dirty="0"/>
-              <a:t>uniquely oriented </a:t>
-            </a:r>
-          </a:p>
-          <a:p>
-            <a:r>
-              <a:rPr lang="en-US" sz="2000" dirty="0"/>
-              <a:t>bar and </a:t>
-            </a:r>
-            <a:r>
-              <a:rPr lang="en-US" sz="2000" b="1" dirty="0"/>
-              <a:t>press</a:t>
-            </a:r>
-            <a:r>
-              <a:rPr lang="en-US" sz="2000" dirty="0"/>
-              <a:t> the corresponding </a:t>
-            </a:r>
-            <a:r>
-              <a:rPr lang="en-US" sz="2000" b="1" dirty="0"/>
-              <a:t>button</a:t>
-            </a:r>
-            <a:endParaRPr lang="en-US" sz="2000" dirty="0"/>
+          <a:lstStyle/>
+          <a:p>
+            <a:endParaRPr lang="en-US" sz="2267" dirty="0"/>
+          </a:p>
+          <a:p>
+            <a:endParaRPr lang="de-DE" sz="2267" dirty="0"/>
+          </a:p>
+          <a:p>
+            <a:endParaRPr lang="en-US" sz="2267" dirty="0"/>
+          </a:p>
+          <a:p>
+            <a:r>
+              <a:rPr lang="en-US" sz="2267" dirty="0">
+                <a:latin typeface="+mj-lt"/>
+              </a:rPr>
+              <a:t>Put your two index fingers on the shift buttons to get ready</a:t>
+            </a:r>
+          </a:p>
+          <a:p>
+            <a:r>
+              <a:rPr lang="en-US" sz="2267" dirty="0">
+                <a:latin typeface="+mj-lt"/>
+              </a:rPr>
+              <a:t>and press either of them to continue with the next trial</a:t>
+            </a:r>
+          </a:p>
+          <a:p>
+            <a:endParaRPr lang="en-US" sz="2267" dirty="0"/>
+          </a:p>
+          <a:p>
+            <a:endParaRPr lang="en-US" sz="2267" dirty="0"/>
           </a:p>
         </p:txBody>
       </p:sp>
     </p:spTree>
     <p:extLst>
       <p:ext uri="{BB962C8B-B14F-4D97-AF65-F5344CB8AC3E}">
-        <p14:creationId xmlns:p14="http://schemas.microsoft.com/office/powerpoint/2010/main" val="4165867385"/>
+        <p14:creationId xmlns:p14="http://schemas.microsoft.com/office/powerpoint/2010/main" val="814641193"/>
       </p:ext>
     </p:extLst>
   </p:cSld>
@@ -5139,7 +5766,7 @@
 <file path=ppt/theme/theme1.xml><?xml version="1.0" encoding="utf-8"?>
 <a:theme xmlns:a="http://schemas.openxmlformats.org/drawingml/2006/main" name="Office Theme">
   <a:themeElements>
-    <a:clrScheme name="Office">
+    <a:clrScheme name="Office Theme">
       <a:dk1>
         <a:sysClr val="windowText" lastClr="000000"/>
       </a:dk1>
@@ -5177,7 +5804,7 @@
         <a:srgbClr val="954F72"/>
       </a:folHlink>
     </a:clrScheme>
-    <a:fontScheme name="Office">
+    <a:fontScheme name="Office Theme">
       <a:majorFont>
         <a:latin typeface="Calibri Light" panose="020F0302020204030204"/>
         <a:ea typeface=""/>
@@ -5212,23 +5839,6 @@
         <a:font script="Viet" typeface="Times New Roman"/>
         <a:font script="Uigh" typeface="Microsoft Uighur"/>
         <a:font script="Geor" typeface="Sylfaen"/>
-        <a:font script="Armn" typeface="Arial"/>
-        <a:font script="Bugi" typeface="Leelawadee UI"/>
-        <a:font script="Bopo" typeface="Microsoft JhengHei"/>
-        <a:font script="Java" typeface="Javanese Text"/>
-        <a:font script="Lisu" typeface="Segoe UI"/>
-        <a:font script="Mymr" typeface="Myanmar Text"/>
-        <a:font script="Nkoo" typeface="Ebrima"/>
-        <a:font script="Olck" typeface="Nirmala UI"/>
-        <a:font script="Osma" typeface="Ebrima"/>
-        <a:font script="Phag" typeface="Phagspa"/>
-        <a:font script="Syrn" typeface="Estrangelo Edessa"/>
-        <a:font script="Syrj" typeface="Estrangelo Edessa"/>
-        <a:font script="Syre" typeface="Estrangelo Edessa"/>
-        <a:font script="Sora" typeface="Nirmala UI"/>
-        <a:font script="Tale" typeface="Microsoft Tai Le"/>
-        <a:font script="Talu" typeface="Microsoft New Tai Lue"/>
-        <a:font script="Tfng" typeface="Ebrima"/>
       </a:majorFont>
       <a:minorFont>
         <a:latin typeface="Calibri" panose="020F0502020204030204"/>
@@ -5264,26 +5874,9 @@
         <a:font script="Viet" typeface="Arial"/>
         <a:font script="Uigh" typeface="Microsoft Uighur"/>
         <a:font script="Geor" typeface="Sylfaen"/>
-        <a:font script="Armn" typeface="Arial"/>
-        <a:font script="Bugi" typeface="Leelawadee UI"/>
-        <a:font script="Bopo" typeface="Microsoft JhengHei"/>
-        <a:font script="Java" typeface="Javanese Text"/>
-        <a:font script="Lisu" typeface="Segoe UI"/>
-        <a:font script="Mymr" typeface="Myanmar Text"/>
-        <a:font script="Nkoo" typeface="Ebrima"/>
-        <a:font script="Olck" typeface="Nirmala UI"/>
-        <a:font script="Osma" typeface="Ebrima"/>
-        <a:font script="Phag" typeface="Phagspa"/>
-        <a:font script="Syrn" typeface="Estrangelo Edessa"/>
-        <a:font script="Syrj" typeface="Estrangelo Edessa"/>
-        <a:font script="Syre" typeface="Estrangelo Edessa"/>
-        <a:font script="Sora" typeface="Nirmala UI"/>
-        <a:font script="Tale" typeface="Microsoft Tai Le"/>
-        <a:font script="Talu" typeface="Microsoft New Tai Lue"/>
-        <a:font script="Tfng" typeface="Ebrima"/>
       </a:minorFont>
     </a:fontScheme>
-    <a:fmtScheme name="Office">
+    <a:fmtScheme name="Office Theme">
       <a:fillStyleLst>
         <a:solidFill>
           <a:schemeClr val="phClr"/>

--- a/Images/instructions.pptx
+++ b/Images/instructions.pptx
@@ -260,7 +260,7 @@
           <a:p>
             <a:fld id="{AE475753-62BC-43E9-BD50-DD0D869A7B4E}" type="datetimeFigureOut">
               <a:rPr lang="en-US" smtClean="0"/>
-              <a:t>6/30/2024</a:t>
+              <a:t>7/15/2024</a:t>
             </a:fld>
             <a:endParaRPr lang="en-US"/>
           </a:p>
@@ -430,7 +430,7 @@
           <a:p>
             <a:fld id="{AE475753-62BC-43E9-BD50-DD0D869A7B4E}" type="datetimeFigureOut">
               <a:rPr lang="en-US" smtClean="0"/>
-              <a:t>6/30/2024</a:t>
+              <a:t>7/15/2024</a:t>
             </a:fld>
             <a:endParaRPr lang="en-US"/>
           </a:p>
@@ -610,7 +610,7 @@
           <a:p>
             <a:fld id="{AE475753-62BC-43E9-BD50-DD0D869A7B4E}" type="datetimeFigureOut">
               <a:rPr lang="en-US" smtClean="0"/>
-              <a:t>6/30/2024</a:t>
+              <a:t>7/15/2024</a:t>
             </a:fld>
             <a:endParaRPr lang="en-US"/>
           </a:p>
@@ -780,7 +780,7 @@
           <a:p>
             <a:fld id="{AE475753-62BC-43E9-BD50-DD0D869A7B4E}" type="datetimeFigureOut">
               <a:rPr lang="en-US" smtClean="0"/>
-              <a:t>6/30/2024</a:t>
+              <a:t>7/15/2024</a:t>
             </a:fld>
             <a:endParaRPr lang="en-US"/>
           </a:p>
@@ -1024,7 +1024,7 @@
           <a:p>
             <a:fld id="{AE475753-62BC-43E9-BD50-DD0D869A7B4E}" type="datetimeFigureOut">
               <a:rPr lang="en-US" smtClean="0"/>
-              <a:t>6/30/2024</a:t>
+              <a:t>7/15/2024</a:t>
             </a:fld>
             <a:endParaRPr lang="en-US"/>
           </a:p>
@@ -1256,7 +1256,7 @@
           <a:p>
             <a:fld id="{AE475753-62BC-43E9-BD50-DD0D869A7B4E}" type="datetimeFigureOut">
               <a:rPr lang="en-US" smtClean="0"/>
-              <a:t>6/30/2024</a:t>
+              <a:t>7/15/2024</a:t>
             </a:fld>
             <a:endParaRPr lang="en-US"/>
           </a:p>
@@ -1623,7 +1623,7 @@
           <a:p>
             <a:fld id="{AE475753-62BC-43E9-BD50-DD0D869A7B4E}" type="datetimeFigureOut">
               <a:rPr lang="en-US" smtClean="0"/>
-              <a:t>6/30/2024</a:t>
+              <a:t>7/15/2024</a:t>
             </a:fld>
             <a:endParaRPr lang="en-US"/>
           </a:p>
@@ -1741,7 +1741,7 @@
           <a:p>
             <a:fld id="{AE475753-62BC-43E9-BD50-DD0D869A7B4E}" type="datetimeFigureOut">
               <a:rPr lang="en-US" smtClean="0"/>
-              <a:t>6/30/2024</a:t>
+              <a:t>7/15/2024</a:t>
             </a:fld>
             <a:endParaRPr lang="en-US"/>
           </a:p>
@@ -1836,7 +1836,7 @@
           <a:p>
             <a:fld id="{AE475753-62BC-43E9-BD50-DD0D869A7B4E}" type="datetimeFigureOut">
               <a:rPr lang="en-US" smtClean="0"/>
-              <a:t>6/30/2024</a:t>
+              <a:t>7/15/2024</a:t>
             </a:fld>
             <a:endParaRPr lang="en-US"/>
           </a:p>
@@ -2113,7 +2113,7 @@
           <a:p>
             <a:fld id="{AE475753-62BC-43E9-BD50-DD0D869A7B4E}" type="datetimeFigureOut">
               <a:rPr lang="en-US" smtClean="0"/>
-              <a:t>6/30/2024</a:t>
+              <a:t>7/15/2024</a:t>
             </a:fld>
             <a:endParaRPr lang="en-US"/>
           </a:p>
@@ -2370,7 +2370,7 @@
           <a:p>
             <a:fld id="{AE475753-62BC-43E9-BD50-DD0D869A7B4E}" type="datetimeFigureOut">
               <a:rPr lang="en-US" smtClean="0"/>
-              <a:t>6/30/2024</a:t>
+              <a:t>7/15/2024</a:t>
             </a:fld>
             <a:endParaRPr lang="en-US"/>
           </a:p>
@@ -2583,7 +2583,7 @@
           <a:p>
             <a:fld id="{AE475753-62BC-43E9-BD50-DD0D869A7B4E}" type="datetimeFigureOut">
               <a:rPr lang="en-US" smtClean="0"/>
-              <a:t>6/30/2024</a:t>
+              <a:t>7/15/2024</a:t>
             </a:fld>
             <a:endParaRPr lang="en-US"/>
           </a:p>
@@ -3324,7 +3324,11 @@
             </a:r>
             <a:r>
               <a:rPr lang="en-US" sz="2267" dirty="0"/>
-              <a:t> you press a button you will be presented with a fixation dot to look at</a:t>
+              <a:t> you press a button you will be presented with a </a:t>
+            </a:r>
+            <a:r>
+              <a:rPr lang="en-US" sz="2267" b="1" dirty="0"/>
+              <a:t>fixation cross to look at</a:t>
             </a:r>
           </a:p>
           <a:p>
